--- a/QoS-Aware,pptx [自动保存的].pptx
+++ b/QoS-Aware,pptx [自动保存的].pptx
@@ -5,10 +5,10 @@
     <p:sldMasterId id="2147483648" r:id="rId1"/>
   </p:sldMasterIdLst>
   <p:notesMasterIdLst>
-    <p:notesMasterId r:id="rId38"/>
+    <p:notesMasterId r:id="rId39"/>
   </p:notesMasterIdLst>
   <p:handoutMasterIdLst>
-    <p:handoutMasterId r:id="rId39"/>
+    <p:handoutMasterId r:id="rId40"/>
   </p:handoutMasterIdLst>
   <p:sldIdLst>
     <p:sldId id="256" r:id="rId2"/>
@@ -39,19 +39,20 @@
     <p:sldId id="959" r:id="rId27"/>
     <p:sldId id="920" r:id="rId28"/>
     <p:sldId id="943" r:id="rId29"/>
-    <p:sldId id="963" r:id="rId30"/>
-    <p:sldId id="964" r:id="rId31"/>
-    <p:sldId id="965" r:id="rId32"/>
-    <p:sldId id="927" r:id="rId33"/>
-    <p:sldId id="928" r:id="rId34"/>
-    <p:sldId id="966" r:id="rId35"/>
-    <p:sldId id="967" r:id="rId36"/>
-    <p:sldId id="370" r:id="rId37"/>
+    <p:sldId id="968" r:id="rId30"/>
+    <p:sldId id="963" r:id="rId31"/>
+    <p:sldId id="964" r:id="rId32"/>
+    <p:sldId id="965" r:id="rId33"/>
+    <p:sldId id="927" r:id="rId34"/>
+    <p:sldId id="928" r:id="rId35"/>
+    <p:sldId id="966" r:id="rId36"/>
+    <p:sldId id="967" r:id="rId37"/>
+    <p:sldId id="370" r:id="rId38"/>
   </p:sldIdLst>
   <p:sldSz cx="12192000" cy="6858000"/>
   <p:notesSz cx="6858000" cy="9144000"/>
   <p:custDataLst>
-    <p:tags r:id="rId40"/>
+    <p:tags r:id="rId41"/>
   </p:custDataLst>
   <p:defaultTextStyle>
     <a:defPPr>
@@ -181,6 +182,7 @@
             <p14:sldId id="959"/>
             <p14:sldId id="920"/>
             <p14:sldId id="943"/>
+            <p14:sldId id="968"/>
             <p14:sldId id="963"/>
             <p14:sldId id="964"/>
             <p14:sldId id="965"/>
@@ -302,7 +304,7 @@
           <a:p>
             <a:fld id="{B3AE4969-F41E-D640-A298-1235BD612A54}" type="datetimeFigureOut">
               <a:rPr kumimoji="1" lang="zh-CN" altLang="en-US" smtClean="0"/>
-              <a:t>2025/3/23</a:t>
+              <a:t>2025/3/26</a:t>
             </a:fld>
             <a:endParaRPr kumimoji="1" lang="zh-CN" altLang="en-US"/>
           </a:p>
@@ -467,7 +469,7 @@
           <a:p>
             <a:fld id="{8B7962A7-98BB-7843-824D-A12209056882}" type="datetimeFigureOut">
               <a:rPr lang="en-US" smtClean="0"/>
-              <a:t>3/23/2025</a:t>
+              <a:t>3/26/2025</a:t>
             </a:fld>
             <a:endParaRPr lang="en-US"/>
           </a:p>
@@ -773,50 +775,6 @@
           <a:bodyPr/>
           <a:lstStyle/>
           <a:p>
-            <a:r>
-              <a:rPr lang="zh-CN" altLang="en-US" sz="1600" dirty="0"/>
-              <a:t>老师，同学们大家好。本次组会由我来进行论文分享，今天论文的主题是</a:t>
-            </a:r>
-            <a:r>
-              <a:rPr lang="en-US" altLang="zh-CN" sz="2400" dirty="0" err="1"/>
-              <a:t>Apparate</a:t>
-            </a:r>
-            <a:r>
-              <a:rPr lang="zh-CN" altLang="en-US" sz="2400" dirty="0"/>
-              <a:t>：重新思考早退机制以缓解 </a:t>
-            </a:r>
-            <a:r>
-              <a:rPr lang="en-US" altLang="zh-CN" sz="2400" dirty="0"/>
-              <a:t>ML </a:t>
-            </a:r>
-            <a:r>
-              <a:rPr lang="zh-CN" altLang="en-US" sz="2400" dirty="0"/>
-              <a:t>服务中的延迟与吞吐量矛盾， 这篇论文发表在</a:t>
-            </a:r>
-            <a:r>
-              <a:rPr lang="en-US" altLang="zh-CN" sz="2400" dirty="0"/>
-              <a:t>SOSP</a:t>
-            </a:r>
-            <a:r>
-              <a:rPr lang="zh-CN" altLang="en-US" sz="2400" dirty="0"/>
-              <a:t>上。 论文的题目是</a:t>
-            </a:r>
-            <a:r>
-              <a:rPr lang="en-US" altLang="zh-CN" sz="2400" dirty="0"/>
-              <a:t>Rethinking Early Exits </a:t>
-            </a:r>
-            <a:r>
-              <a:rPr lang="zh-CN" altLang="en-US" sz="2400" dirty="0"/>
-              <a:t>，所以我们会先介绍</a:t>
-            </a:r>
-            <a:r>
-              <a:rPr lang="en-US" altLang="zh-CN" sz="2400" dirty="0"/>
-              <a:t>Early Exits</a:t>
-            </a:r>
-            <a:r>
-              <a:rPr lang="zh-CN" altLang="en-US" sz="2400" dirty="0"/>
-              <a:t>然后再介绍论文对该模型的改进</a:t>
-            </a:r>
             <a:endParaRPr lang="zh-CN" altLang="en-US" sz="1600" dirty="0"/>
           </a:p>
         </p:txBody>
@@ -1640,11 +1598,105 @@
           <a:p>
             <a:r>
               <a:rPr lang="en-US" altLang="zh-CN" b="1" dirty="0"/>
-              <a:t>min clock</a:t>
+              <a:t>Min IPS</a:t>
             </a:r>
             <a:r>
               <a:rPr lang="zh-CN" altLang="en-US" dirty="0"/>
-              <a:t> 代表一个任务在最优资源配置下（即系统能够完全满足任务的性能需求时）所需的最少执行时间。</a:t>
+              <a:t>：可能与目标 </a:t>
+            </a:r>
+            <a:r>
+              <a:rPr lang="en-US" altLang="zh-CN" dirty="0"/>
+              <a:t>QoS</a:t>
+            </a:r>
+            <a:r>
+              <a:rPr lang="zh-CN" altLang="en-US" dirty="0"/>
+              <a:t>（例如帧率）相关联，表示每秒需要执行的最小指令数，以确保前台线程（如 </a:t>
+            </a:r>
+            <a:r>
+              <a:rPr lang="en-US" altLang="zh-CN" dirty="0"/>
+              <a:t>UI Thread</a:t>
+            </a:r>
+            <a:r>
+              <a:rPr lang="zh-CN" altLang="en-US" dirty="0"/>
+              <a:t>、</a:t>
+            </a:r>
+            <a:r>
+              <a:rPr lang="en-US" altLang="zh-CN" dirty="0"/>
+              <a:t>Render Thread </a:t>
+            </a:r>
+            <a:r>
+              <a:rPr lang="zh-CN" altLang="en-US" dirty="0"/>
+              <a:t>等）能够及时完成渲染任务。文中提到 </a:t>
+            </a:r>
+            <a:r>
+              <a:rPr lang="en-US" altLang="zh-CN" dirty="0"/>
+              <a:t>IPS </a:t>
+            </a:r>
+            <a:r>
+              <a:rPr lang="zh-CN" altLang="en-US" dirty="0"/>
+              <a:t>是通过监控前台应用程序线程的性能得出的，因此 </a:t>
+            </a:r>
+            <a:r>
+              <a:rPr lang="en-US" altLang="zh-CN" dirty="0"/>
+              <a:t>Min IPS </a:t>
+            </a:r>
+            <a:r>
+              <a:rPr lang="zh-CN" altLang="en-US" dirty="0"/>
+              <a:t>可能是根据目标帧率和线程的工作负载需求预先设定的。 </a:t>
+            </a:r>
+            <a:endParaRPr lang="en-US" altLang="zh-CN" dirty="0"/>
+          </a:p>
+          <a:p>
+            <a:endParaRPr lang="en-US" altLang="zh-CN" b="1" dirty="0"/>
+          </a:p>
+          <a:p>
+            <a:r>
+              <a:rPr lang="en-US" altLang="zh-CN" b="1" dirty="0"/>
+              <a:t>Min Clock</a:t>
+            </a:r>
+            <a:r>
+              <a:rPr lang="zh-CN" altLang="en-US" dirty="0"/>
+              <a:t>：</a:t>
+            </a:r>
+            <a:r>
+              <a:rPr lang="en-US" altLang="zh-CN" dirty="0"/>
+              <a:t>Task Clock </a:t>
+            </a:r>
+            <a:r>
+              <a:rPr lang="zh-CN" altLang="en-US" dirty="0"/>
+              <a:t>表示线程的执行时间，</a:t>
+            </a:r>
+            <a:r>
+              <a:rPr lang="en-US" altLang="zh-CN" dirty="0"/>
+              <a:t>Min Clock </a:t>
+            </a:r>
+            <a:r>
+              <a:rPr lang="zh-CN" altLang="en-US" dirty="0"/>
+              <a:t>可能是完成 </a:t>
+            </a:r>
+            <a:r>
+              <a:rPr lang="en-US" altLang="zh-CN" dirty="0"/>
+              <a:t>QoS </a:t>
+            </a:r>
+            <a:r>
+              <a:rPr lang="zh-CN" altLang="en-US" dirty="0"/>
+              <a:t>相关任务所需的最小时间阈值。当 </a:t>
+            </a:r>
+            <a:r>
+              <a:rPr lang="en-US" altLang="zh-CN" dirty="0"/>
+              <a:t>Task Clock </a:t>
+            </a:r>
+            <a:r>
+              <a:rPr lang="zh-CN" altLang="en-US" dirty="0"/>
+              <a:t>低于此值时，说明分配的计算资源过多，导致功耗浪费。文中暗示这是一个与 </a:t>
+            </a:r>
+            <a:r>
+              <a:rPr lang="en-US" altLang="zh-CN" dirty="0"/>
+              <a:t>QoS </a:t>
+            </a:r>
+            <a:r>
+              <a:rPr lang="zh-CN" altLang="en-US" dirty="0"/>
+              <a:t>需求和硬件能力相关的参数。</a:t>
             </a:r>
           </a:p>
         </p:txBody>
@@ -2693,10 +2745,7 @@
           <a:bodyPr/>
           <a:lstStyle/>
           <a:p>
-            <a:r>
-              <a:rPr lang="zh-CN" altLang="en-US" dirty="0"/>
-              <a:t>这边还得搞一下</a:t>
-            </a:r>
+            <a:endParaRPr lang="zh-CN" altLang="en-US" dirty="0"/>
           </a:p>
         </p:txBody>
       </p:sp>
@@ -2726,7 +2775,7 @@
     </p:spTree>
     <p:extLst>
       <p:ext uri="{BB962C8B-B14F-4D97-AF65-F5344CB8AC3E}">
-        <p14:creationId xmlns:p14="http://schemas.microsoft.com/office/powerpoint/2010/main" val="1997269369"/>
+        <p14:creationId xmlns:p14="http://schemas.microsoft.com/office/powerpoint/2010/main" val="1259562968"/>
       </p:ext>
     </p:extLst>
   </p:cSld>
@@ -2781,28 +2830,8 @@
           <a:lstStyle/>
           <a:p>
             <a:r>
-              <a:rPr lang="en-US" altLang="zh-CN" dirty="0" err="1"/>
-              <a:t>Orthrus-Wos</a:t>
-            </a:r>
-            <a:r>
               <a:rPr lang="zh-CN" altLang="en-US" dirty="0"/>
-              <a:t>大多数时间都运行在较低的频率上，未能有效调度以满足</a:t>
-            </a:r>
-            <a:r>
-              <a:rPr lang="en-US" altLang="zh-CN" dirty="0"/>
-              <a:t>QoS</a:t>
-            </a:r>
-            <a:r>
-              <a:rPr lang="zh-CN" altLang="en-US" dirty="0"/>
-              <a:t>要求，导致了严重的</a:t>
-            </a:r>
-            <a:r>
-              <a:rPr lang="en-US" altLang="zh-CN" dirty="0"/>
-              <a:t>QoS</a:t>
-            </a:r>
-            <a:r>
-              <a:rPr lang="zh-CN" altLang="en-US" dirty="0"/>
-              <a:t>退化 。</a:t>
+              <a:t>这边还得搞一下</a:t>
             </a:r>
           </a:p>
         </p:txBody>
@@ -2833,7 +2862,7 @@
     </p:spTree>
     <p:extLst>
       <p:ext uri="{BB962C8B-B14F-4D97-AF65-F5344CB8AC3E}">
-        <p14:creationId xmlns:p14="http://schemas.microsoft.com/office/powerpoint/2010/main" val="2198527712"/>
+        <p14:creationId xmlns:p14="http://schemas.microsoft.com/office/powerpoint/2010/main" val="1997269369"/>
       </p:ext>
     </p:extLst>
   </p:cSld>
@@ -2888,24 +2917,29 @@
           <a:lstStyle/>
           <a:p>
             <a:r>
-              <a:rPr lang="zh-CN" altLang="en-US" dirty="0">
-                <a:sym typeface="+mn-ea"/>
-              </a:rPr>
-              <a:t>最后，我们总结一下</a:t>
-            </a:r>
-            <a:r>
-              <a:rPr lang="en-US" altLang="zh-CN" dirty="0" err="1">
-                <a:sym typeface="+mn-ea"/>
-              </a:rPr>
-              <a:t>Apparate</a:t>
-            </a:r>
-            <a:r>
-              <a:rPr lang="zh-CN" altLang="en-US" dirty="0">
-                <a:sym typeface="+mn-ea"/>
-              </a:rPr>
-              <a:t>所做的工作</a:t>
-            </a:r>
-            <a:endParaRPr kumimoji="1" lang="zh-CN" altLang="en-US" dirty="0"/>
+              <a:rPr lang="en-US" altLang="zh-CN" dirty="0" err="1"/>
+              <a:t>Orthrus-Wos</a:t>
+            </a:r>
+            <a:r>
+              <a:rPr lang="zh-CN" altLang="en-US" dirty="0"/>
+              <a:t>大多数时间都运行在较低的频率上，未能有效调度以满足</a:t>
+            </a:r>
+            <a:r>
+              <a:rPr lang="en-US" altLang="zh-CN" dirty="0"/>
+              <a:t>QoS</a:t>
+            </a:r>
+            <a:r>
+              <a:rPr lang="zh-CN" altLang="en-US" dirty="0"/>
+              <a:t>要求，导致了严重的</a:t>
+            </a:r>
+            <a:r>
+              <a:rPr lang="en-US" altLang="zh-CN" dirty="0"/>
+              <a:t>QoS</a:t>
+            </a:r>
+            <a:r>
+              <a:rPr lang="zh-CN" altLang="en-US" dirty="0"/>
+              <a:t>退化 。</a:t>
+            </a:r>
           </a:p>
         </p:txBody>
       </p:sp>
@@ -2926,13 +2960,18 @@
           <a:p>
             <a:fld id="{E1867718-CD55-8442-A98A-4AB47C5338C0}" type="slidenum">
               <a:rPr lang="en-US" smtClean="0"/>
-              <a:t>32</a:t>
+              <a:t>31</a:t>
             </a:fld>
             <a:endParaRPr lang="en-US"/>
           </a:p>
         </p:txBody>
       </p:sp>
     </p:spTree>
+    <p:extLst>
+      <p:ext uri="{BB962C8B-B14F-4D97-AF65-F5344CB8AC3E}">
+        <p14:creationId xmlns:p14="http://schemas.microsoft.com/office/powerpoint/2010/main" val="2198527712"/>
+      </p:ext>
+    </p:extLst>
   </p:cSld>
   <p:clrMapOvr>
     <a:masterClrMapping/>
@@ -2984,9 +3023,25 @@
           <a:bodyPr/>
           <a:lstStyle/>
           <a:p>
-            <a:endParaRPr lang="en-US" altLang="zh-CN" dirty="0">
-              <a:sym typeface="+mn-ea"/>
-            </a:endParaRPr>
+            <a:r>
+              <a:rPr lang="zh-CN" altLang="en-US" dirty="0">
+                <a:sym typeface="+mn-ea"/>
+              </a:rPr>
+              <a:t>最后，我们总结一下</a:t>
+            </a:r>
+            <a:r>
+              <a:rPr lang="en-US" altLang="zh-CN" dirty="0" err="1">
+                <a:sym typeface="+mn-ea"/>
+              </a:rPr>
+              <a:t>Apparate</a:t>
+            </a:r>
+            <a:r>
+              <a:rPr lang="zh-CN" altLang="en-US" dirty="0">
+                <a:sym typeface="+mn-ea"/>
+              </a:rPr>
+              <a:t>所做的工作</a:t>
+            </a:r>
+            <a:endParaRPr kumimoji="1" lang="zh-CN" altLang="en-US" dirty="0"/>
           </a:p>
         </p:txBody>
       </p:sp>
@@ -3177,11 +3232,6 @@
         </p:txBody>
       </p:sp>
     </p:spTree>
-    <p:extLst>
-      <p:ext uri="{BB962C8B-B14F-4D97-AF65-F5344CB8AC3E}">
-        <p14:creationId xmlns:p14="http://schemas.microsoft.com/office/powerpoint/2010/main" val="1554073677"/>
-      </p:ext>
-    </p:extLst>
   </p:cSld>
   <p:clrMapOvr>
     <a:masterClrMapping/>
@@ -3265,7 +3315,7 @@
     </p:spTree>
     <p:extLst>
       <p:ext uri="{BB962C8B-B14F-4D97-AF65-F5344CB8AC3E}">
-        <p14:creationId xmlns:p14="http://schemas.microsoft.com/office/powerpoint/2010/main" val="3035947866"/>
+        <p14:creationId xmlns:p14="http://schemas.microsoft.com/office/powerpoint/2010/main" val="1554073677"/>
       </p:ext>
     </p:extLst>
   </p:cSld>
@@ -3294,7 +3344,7 @@
       </p:grpSpPr>
       <p:sp>
         <p:nvSpPr>
-          <p:cNvPr id="2" name="Slide Image Placeholder 1"/>
+          <p:cNvPr id="2" name="幻灯片图像占位符 1"/>
           <p:cNvSpPr>
             <a:spLocks noGrp="1" noRot="1" noChangeAspect="1"/>
           </p:cNvSpPr>
@@ -3306,7 +3356,7 @@
       </p:sp>
       <p:sp>
         <p:nvSpPr>
-          <p:cNvPr id="3" name="Notes Placeholder 2"/>
+          <p:cNvPr id="3" name="备注占位符 2"/>
           <p:cNvSpPr>
             <a:spLocks noGrp="1"/>
           </p:cNvSpPr>
@@ -3319,13 +3369,15 @@
           <a:bodyPr/>
           <a:lstStyle/>
           <a:p>
-            <a:endParaRPr lang="en-US" sz="1600" dirty="0"/>
-          </a:p>
-        </p:txBody>
-      </p:sp>
-      <p:sp>
-        <p:nvSpPr>
-          <p:cNvPr id="4" name="Slide Number Placeholder 3"/>
+            <a:endParaRPr lang="en-US" altLang="zh-CN" dirty="0">
+              <a:sym typeface="+mn-ea"/>
+            </a:endParaRPr>
+          </a:p>
+        </p:txBody>
+      </p:sp>
+      <p:sp>
+        <p:nvSpPr>
+          <p:cNvPr id="4" name="灯片编号占位符 3"/>
           <p:cNvSpPr>
             <a:spLocks noGrp="1"/>
           </p:cNvSpPr>
@@ -3341,6 +3393,90 @@
             <a:fld id="{E1867718-CD55-8442-A98A-4AB47C5338C0}" type="slidenum">
               <a:rPr lang="en-US" smtClean="0"/>
               <a:t>36</a:t>
+            </a:fld>
+            <a:endParaRPr lang="en-US"/>
+          </a:p>
+        </p:txBody>
+      </p:sp>
+    </p:spTree>
+    <p:extLst>
+      <p:ext uri="{BB962C8B-B14F-4D97-AF65-F5344CB8AC3E}">
+        <p14:creationId xmlns:p14="http://schemas.microsoft.com/office/powerpoint/2010/main" val="3035947866"/>
+      </p:ext>
+    </p:extLst>
+  </p:cSld>
+  <p:clrMapOvr>
+    <a:masterClrMapping/>
+  </p:clrMapOvr>
+</p:notes>
+</file>
+
+<file path=ppt/notesSlides/notesSlide33.xml><?xml version="1.0" encoding="utf-8"?>
+<p:notes xmlns:a="http://schemas.openxmlformats.org/drawingml/2006/main" xmlns:r="http://schemas.openxmlformats.org/officeDocument/2006/relationships" xmlns:p="http://schemas.openxmlformats.org/presentationml/2006/main">
+  <p:cSld>
+    <p:spTree>
+      <p:nvGrpSpPr>
+        <p:cNvPr id="1" name=""/>
+        <p:cNvGrpSpPr/>
+        <p:nvPr/>
+      </p:nvGrpSpPr>
+      <p:grpSpPr>
+        <a:xfrm>
+          <a:off x="0" y="0"/>
+          <a:ext cx="0" cy="0"/>
+          <a:chOff x="0" y="0"/>
+          <a:chExt cx="0" cy="0"/>
+        </a:xfrm>
+      </p:grpSpPr>
+      <p:sp>
+        <p:nvSpPr>
+          <p:cNvPr id="2" name="Slide Image Placeholder 1"/>
+          <p:cNvSpPr>
+            <a:spLocks noGrp="1" noRot="1" noChangeAspect="1"/>
+          </p:cNvSpPr>
+          <p:nvPr>
+            <p:ph type="sldImg"/>
+          </p:nvPr>
+        </p:nvSpPr>
+        <p:spPr/>
+      </p:sp>
+      <p:sp>
+        <p:nvSpPr>
+          <p:cNvPr id="3" name="Notes Placeholder 2"/>
+          <p:cNvSpPr>
+            <a:spLocks noGrp="1"/>
+          </p:cNvSpPr>
+          <p:nvPr>
+            <p:ph type="body" idx="1"/>
+          </p:nvPr>
+        </p:nvSpPr>
+        <p:spPr/>
+        <p:txBody>
+          <a:bodyPr/>
+          <a:lstStyle/>
+          <a:p>
+            <a:endParaRPr lang="en-US" sz="1600" dirty="0"/>
+          </a:p>
+        </p:txBody>
+      </p:sp>
+      <p:sp>
+        <p:nvSpPr>
+          <p:cNvPr id="4" name="Slide Number Placeholder 3"/>
+          <p:cNvSpPr>
+            <a:spLocks noGrp="1"/>
+          </p:cNvSpPr>
+          <p:nvPr>
+            <p:ph type="sldNum" sz="quarter" idx="5"/>
+          </p:nvPr>
+        </p:nvSpPr>
+        <p:spPr/>
+        <p:txBody>
+          <a:bodyPr/>
+          <a:lstStyle/>
+          <a:p>
+            <a:fld id="{E1867718-CD55-8442-A98A-4AB47C5338C0}" type="slidenum">
+              <a:rPr lang="en-US" smtClean="0"/>
+              <a:t>37</a:t>
             </a:fld>
             <a:endParaRPr lang="en-US"/>
           </a:p>
@@ -3581,9 +3717,35 @@
               <a:t>QoS</a:t>
             </a:r>
             <a:r>
-              <a:rPr lang="zh-CN" altLang="en-US"/>
+              <a:rPr lang="zh-CN" altLang="en-US" dirty="0"/>
               <a:t>需求动态调整频率，如果工作负载量大，可以提高频率</a:t>
             </a:r>
+            <a:endParaRPr lang="en-US" altLang="zh-CN" dirty="0"/>
+          </a:p>
+          <a:p>
+            <a:endParaRPr lang="en-US" altLang="zh-CN" dirty="0"/>
+          </a:p>
+          <a:p>
+            <a:r>
+              <a:rPr lang="zh-CN" altLang="en-US" b="1" dirty="0"/>
+              <a:t>功耗优化</a:t>
+            </a:r>
+            <a:r>
+              <a:rPr lang="zh-CN" altLang="en-US" dirty="0"/>
+              <a:t>：单独使用大小核心架构只能在任务分配上优化功耗，但如果核心在高负载下仍运行在高频率，那么功耗仍然较高。频率调节可以进一步优化功耗，避免在不需要高频率时浪费能源。</a:t>
+            </a:r>
+          </a:p>
+          <a:p>
+            <a:r>
+              <a:rPr lang="zh-CN" altLang="en-US" b="1" dirty="0"/>
+              <a:t>性能与能效平衡</a:t>
+            </a:r>
+            <a:r>
+              <a:rPr lang="zh-CN" altLang="en-US" dirty="0"/>
+              <a:t>：两者结合可以确保在不同的负载情况下实现更好的性能与能效平衡。例如，在繁重任务时启用大核心并提升频率，而在轻负载时使用小核心并降低频率，从而最大程度地优化整体能效。</a:t>
+            </a:r>
+          </a:p>
+          <a:p>
             <a:endParaRPr lang="zh-CN" altLang="en-US" dirty="0"/>
           </a:p>
         </p:txBody>
@@ -4083,7 +4245,7 @@
           <a:p>
             <a:fld id="{A5A894C5-38E1-E44E-AF00-F571FF6E3C8E}" type="datetime1">
               <a:rPr lang="en-US" smtClean="0"/>
-              <a:t>3/23/2025</a:t>
+              <a:t>3/26/2025</a:t>
             </a:fld>
             <a:endParaRPr lang="en-US"/>
           </a:p>
@@ -4333,7 +4495,7 @@
           <a:p>
             <a:fld id="{EA535397-C8F7-0E48-AE3F-CE930279AC78}" type="datetime1">
               <a:rPr lang="en-US" smtClean="0"/>
-              <a:t>3/23/2025</a:t>
+              <a:t>3/26/2025</a:t>
             </a:fld>
             <a:endParaRPr lang="en-US"/>
           </a:p>
@@ -4499,7 +4661,7 @@
           <a:p>
             <a:fld id="{3367F7E1-3471-8D48-B307-1B52AA723F1C}" type="datetime1">
               <a:rPr lang="en-US" smtClean="0"/>
-              <a:t>3/23/2025</a:t>
+              <a:t>3/26/2025</a:t>
             </a:fld>
             <a:endParaRPr lang="en-US"/>
           </a:p>
@@ -4675,7 +4837,7 @@
           <a:p>
             <a:fld id="{7477E608-75E2-EA4E-B00C-65557051005B}" type="datetime1">
               <a:rPr lang="en-US" smtClean="0"/>
-              <a:t>3/23/2025</a:t>
+              <a:t>3/26/2025</a:t>
             </a:fld>
             <a:endParaRPr lang="en-US"/>
           </a:p>
@@ -5156,7 +5318,7 @@
           <a:p>
             <a:fld id="{84964A89-6C0D-8B46-A098-CA93B5BCB609}" type="datetime1">
               <a:rPr lang="en-US" smtClean="0"/>
-              <a:t>3/23/2025</a:t>
+              <a:t>3/26/2025</a:t>
             </a:fld>
             <a:endParaRPr lang="en-US"/>
           </a:p>
@@ -5399,7 +5561,7 @@
           <a:p>
             <a:fld id="{4156149C-3429-F942-B244-7F6E681DABC6}" type="datetime1">
               <a:rPr lang="en-US" smtClean="0"/>
-              <a:t>3/23/2025</a:t>
+              <a:t>3/26/2025</a:t>
             </a:fld>
             <a:endParaRPr lang="en-US"/>
           </a:p>
@@ -5626,7 +5788,7 @@
           <a:p>
             <a:fld id="{6A460D63-2207-C848-9014-F412EC03BF95}" type="datetime1">
               <a:rPr lang="en-US" smtClean="0"/>
-              <a:t>3/23/2025</a:t>
+              <a:t>3/26/2025</a:t>
             </a:fld>
             <a:endParaRPr lang="en-US"/>
           </a:p>
@@ -5988,7 +6150,7 @@
           <a:p>
             <a:fld id="{838E0F8C-1DFF-4D41-91EC-017EFC60A6EA}" type="datetime1">
               <a:rPr lang="en-US" smtClean="0"/>
-              <a:t>3/23/2025</a:t>
+              <a:t>3/26/2025</a:t>
             </a:fld>
             <a:endParaRPr lang="en-US"/>
           </a:p>
@@ -6103,7 +6265,7 @@
           <a:p>
             <a:fld id="{AD12DED7-4118-E246-870B-E431816F2D29}" type="datetime1">
               <a:rPr lang="en-US" smtClean="0"/>
-              <a:t>3/23/2025</a:t>
+              <a:t>3/26/2025</a:t>
             </a:fld>
             <a:endParaRPr lang="en-US"/>
           </a:p>
@@ -6201,7 +6363,7 @@
           <a:p>
             <a:fld id="{EC14C659-C87B-9643-9A34-528B0D41481D}" type="datetime1">
               <a:rPr lang="en-US" smtClean="0"/>
-              <a:t>3/23/2025</a:t>
+              <a:t>3/26/2025</a:t>
             </a:fld>
             <a:endParaRPr lang="en-US"/>
           </a:p>
@@ -6474,7 +6636,7 @@
           <a:p>
             <a:fld id="{9ECCBEDB-4EF5-104F-9942-EA6491B4128F}" type="datetime1">
               <a:rPr lang="en-US" smtClean="0"/>
-              <a:t>3/23/2025</a:t>
+              <a:t>3/26/2025</a:t>
             </a:fld>
             <a:endParaRPr lang="en-US"/>
           </a:p>
@@ -6684,7 +6846,7 @@
           <a:p>
             <a:fld id="{4156149C-3429-F942-B244-7F6E681DABC6}" type="datetime1">
               <a:rPr lang="en-US" smtClean="0"/>
-              <a:t>3/23/2025</a:t>
+              <a:t>3/26/2025</a:t>
             </a:fld>
             <a:endParaRPr lang="en-US"/>
           </a:p>
@@ -7299,7 +7461,7 @@
         </p:nvSpPr>
         <p:spPr>
           <a:xfrm>
-            <a:off x="3214874" y="5882328"/>
+            <a:off x="3932708" y="5904865"/>
             <a:ext cx="4064000" cy="953135"/>
           </a:xfrm>
           <a:prstGeom prst="rect">
@@ -7902,7 +8064,19 @@
             </a:r>
             <a:r>
               <a:rPr lang="zh-CN" altLang="en-US" dirty="0"/>
-              <a:t>传统的频率调节器只考虑</a:t>
+              <a:t>传统的</a:t>
+            </a:r>
+            <a:r>
+              <a:rPr lang="zh-CN" altLang="en-US" dirty="0">
+                <a:solidFill>
+                  <a:srgbClr val="FF0000"/>
+                </a:solidFill>
+              </a:rPr>
+              <a:t>频率调节器</a:t>
+            </a:r>
+            <a:r>
+              <a:rPr lang="zh-CN" altLang="en-US" dirty="0"/>
+              <a:t>只考虑</a:t>
             </a:r>
             <a:r>
               <a:rPr lang="en-US" altLang="zh-CN" dirty="0"/>
@@ -7983,11 +8157,7 @@
               <a:t>Challenge 2:</a:t>
             </a:r>
             <a:r>
-              <a:rPr lang="zh-CN" altLang="en-US" dirty="0">
-                <a:solidFill>
-                  <a:srgbClr val="FF0000"/>
-                </a:solidFill>
-              </a:rPr>
+              <a:rPr lang="zh-CN" altLang="en-US" dirty="0"/>
               <a:t>上层应用的</a:t>
             </a:r>
             <a:r>
@@ -9316,7 +9486,7 @@
         <p:spPr>
           <a:xfrm>
             <a:off x="619104" y="4641472"/>
-            <a:ext cx="2877711" cy="1477328"/>
+            <a:ext cx="4504759" cy="1477328"/>
           </a:xfrm>
           <a:prstGeom prst="rect">
             <a:avLst/>
@@ -9433,11 +9603,30 @@
               </a:rPr>
               <a:t>）</a:t>
             </a:r>
-            <a:endParaRPr lang="en-US" altLang="zh-CN" b="1" dirty="0">
-              <a:solidFill>
-                <a:schemeClr val="accent1"/>
-              </a:solidFill>
-            </a:endParaRPr>
+            <a:r>
+              <a:rPr lang="en-US" altLang="zh-CN" b="1" dirty="0">
+                <a:solidFill>
+                  <a:schemeClr val="accent1"/>
+                </a:solidFill>
+              </a:rPr>
+              <a:t>:</a:t>
+            </a:r>
+            <a:r>
+              <a:rPr lang="zh-CN" altLang="en-US" b="1" dirty="0">
+                <a:solidFill>
+                  <a:schemeClr val="accent1"/>
+                </a:solidFill>
+              </a:rPr>
+              <a:t> 监测内存和</a:t>
+            </a:r>
+            <a:r>
+              <a:rPr lang="en-US" altLang="zh-CN" b="1" dirty="0">
+                <a:solidFill>
+                  <a:schemeClr val="accent1"/>
+                </a:solidFill>
+              </a:rPr>
+              <a:t>I/O</a:t>
+            </a:r>
           </a:p>
           <a:p>
             <a:endParaRPr lang="zh-CN" altLang="en-US" b="1" dirty="0">
@@ -9693,7 +9882,7 @@
         <p:spPr>
           <a:xfrm>
             <a:off x="2768906" y="4456806"/>
-            <a:ext cx="2501006" cy="369332"/>
+            <a:ext cx="2525050" cy="369332"/>
           </a:xfrm>
           <a:prstGeom prst="rect">
             <a:avLst/>
@@ -9707,6 +9896,14 @@
           <a:lstStyle/>
           <a:p>
             <a:r>
+              <a:rPr lang="zh-CN" altLang="en-US" b="1" dirty="0">
+                <a:solidFill>
+                  <a:schemeClr val="accent1"/>
+                </a:solidFill>
+              </a:rPr>
+              <a:t>强化学习（</a:t>
+            </a:r>
+            <a:r>
               <a:rPr lang="en-US" altLang="zh-CN" b="1" dirty="0">
                 <a:solidFill>
                   <a:schemeClr val="accent1"/>
@@ -9720,17 +9917,17 @@
                   <a:schemeClr val="accent1"/>
                 </a:solidFill>
               </a:rPr>
-              <a:t>算法（强化学习）</a:t>
-            </a:r>
-          </a:p>
-        </p:txBody>
-      </p:sp>
-      <p:sp>
-        <p:nvSpPr>
-          <p:cNvPr id="11" name="文本框 10">
-            <a:extLst>
-              <a:ext uri="{FF2B5EF4-FFF2-40B4-BE49-F238E27FC236}">
-                <a16:creationId xmlns:a16="http://schemas.microsoft.com/office/drawing/2014/main" id="{B99F169B-0931-4B71-8214-BB4509E3D3A4}"/>
+              <a:t>算法）</a:t>
+            </a:r>
+          </a:p>
+        </p:txBody>
+      </p:sp>
+      <p:sp>
+        <p:nvSpPr>
+          <p:cNvPr id="13" name="文本框 12">
+            <a:extLst>
+              <a:ext uri="{FF2B5EF4-FFF2-40B4-BE49-F238E27FC236}">
+                <a16:creationId xmlns:a16="http://schemas.microsoft.com/office/drawing/2014/main" id="{26D80346-C6C0-4F60-B64E-81C204C82EDA}"/>
               </a:ext>
             </a:extLst>
           </p:cNvPr>
@@ -9740,7 +9937,7 @@
         <p:spPr>
           <a:xfrm>
             <a:off x="619104" y="4641472"/>
-            <a:ext cx="2877711" cy="1477328"/>
+            <a:ext cx="4504759" cy="1477328"/>
           </a:xfrm>
           <a:prstGeom prst="rect">
             <a:avLst/>
@@ -9857,11 +10054,30 @@
               </a:rPr>
               <a:t>）</a:t>
             </a:r>
-            <a:endParaRPr lang="en-US" altLang="zh-CN" b="1" dirty="0">
-              <a:solidFill>
-                <a:schemeClr val="accent1"/>
-              </a:solidFill>
-            </a:endParaRPr>
+            <a:r>
+              <a:rPr lang="en-US" altLang="zh-CN" b="1" dirty="0">
+                <a:solidFill>
+                  <a:schemeClr val="accent1"/>
+                </a:solidFill>
+              </a:rPr>
+              <a:t>:</a:t>
+            </a:r>
+            <a:r>
+              <a:rPr lang="zh-CN" altLang="en-US" b="1" dirty="0">
+                <a:solidFill>
+                  <a:schemeClr val="accent1"/>
+                </a:solidFill>
+              </a:rPr>
+              <a:t> 监测内存和</a:t>
+            </a:r>
+            <a:r>
+              <a:rPr lang="en-US" altLang="zh-CN" b="1" dirty="0">
+                <a:solidFill>
+                  <a:schemeClr val="accent1"/>
+                </a:solidFill>
+              </a:rPr>
+              <a:t>I/O</a:t>
+            </a:r>
           </a:p>
           <a:p>
             <a:endParaRPr lang="zh-CN" altLang="en-US" b="1" dirty="0">
@@ -10112,10 +10328,10 @@
       </p:pic>
       <p:sp>
         <p:nvSpPr>
-          <p:cNvPr id="9" name="文本框 8">
-            <a:extLst>
-              <a:ext uri="{FF2B5EF4-FFF2-40B4-BE49-F238E27FC236}">
-                <a16:creationId xmlns:a16="http://schemas.microsoft.com/office/drawing/2014/main" id="{622FF281-B673-4E22-B0C6-1BB18E99C4CF}"/>
+          <p:cNvPr id="15" name="文本框 14">
+            <a:extLst>
+              <a:ext uri="{FF2B5EF4-FFF2-40B4-BE49-F238E27FC236}">
+                <a16:creationId xmlns:a16="http://schemas.microsoft.com/office/drawing/2014/main" id="{58176089-0A30-4474-9187-FB60A9CC2137}"/>
               </a:ext>
             </a:extLst>
           </p:cNvPr>
@@ -10124,8 +10340,8 @@
         </p:nvSpPr>
         <p:spPr>
           <a:xfrm>
-            <a:off x="2768906" y="4456806"/>
-            <a:ext cx="2501006" cy="369332"/>
+            <a:off x="7780730" y="2106164"/>
+            <a:ext cx="4030270" cy="646331"/>
           </a:xfrm>
           <a:prstGeom prst="rect">
             <a:avLst/>
@@ -10139,12 +10355,20 @@
           <a:lstStyle/>
           <a:p>
             <a:r>
+              <a:rPr lang="zh-CN" altLang="en-US" b="1" dirty="0">
+                <a:solidFill>
+                  <a:schemeClr val="accent1"/>
+                </a:solidFill>
+              </a:rPr>
+              <a:t>奖励函数 ： </a:t>
+            </a:r>
+            <a:r>
               <a:rPr lang="en-US" altLang="zh-CN" b="1" dirty="0">
                 <a:solidFill>
                   <a:schemeClr val="accent1"/>
                 </a:solidFill>
               </a:rPr>
-              <a:t>PPO</a:t>
+              <a:t>Q</a:t>
             </a:r>
             <a:r>
               <a:rPr lang="zh-CN" altLang="en-US" b="1" dirty="0">
@@ -10152,17 +10376,72 @@
                   <a:schemeClr val="accent1"/>
                 </a:solidFill>
               </a:rPr>
-              <a:t>算法（强化学习）</a:t>
-            </a:r>
-          </a:p>
-        </p:txBody>
-      </p:sp>
-      <p:sp>
-        <p:nvSpPr>
-          <p:cNvPr id="11" name="文本框 10">
-            <a:extLst>
-              <a:ext uri="{FF2B5EF4-FFF2-40B4-BE49-F238E27FC236}">
-                <a16:creationId xmlns:a16="http://schemas.microsoft.com/office/drawing/2014/main" id="{B99F169B-0931-4B71-8214-BB4509E3D3A4}"/>
+              <a:t>（</a:t>
+            </a:r>
+            <a:r>
+              <a:rPr lang="en-US" altLang="zh-CN" b="1" dirty="0">
+                <a:solidFill>
+                  <a:schemeClr val="accent1"/>
+                </a:solidFill>
+              </a:rPr>
+              <a:t>t</a:t>
+            </a:r>
+            <a:r>
+              <a:rPr lang="zh-CN" altLang="en-US" b="1" dirty="0">
+                <a:solidFill>
+                  <a:schemeClr val="accent1"/>
+                </a:solidFill>
+              </a:rPr>
+              <a:t>）  </a:t>
+            </a:r>
+            <a:r>
+              <a:rPr lang="en-US" altLang="zh-CN" b="1" dirty="0">
+                <a:solidFill>
+                  <a:schemeClr val="accent1"/>
+                </a:solidFill>
+              </a:rPr>
+              <a:t>-    P(t)</a:t>
+            </a:r>
+          </a:p>
+          <a:p>
+            <a:r>
+              <a:rPr lang="en-US" altLang="zh-CN" b="1" dirty="0">
+                <a:solidFill>
+                  <a:schemeClr val="accent1"/>
+                </a:solidFill>
+              </a:rPr>
+              <a:t>              </a:t>
+            </a:r>
+            <a:r>
+              <a:rPr lang="zh-CN" altLang="en-US" b="1" dirty="0">
+                <a:solidFill>
+                  <a:schemeClr val="accent1"/>
+                </a:solidFill>
+              </a:rPr>
+              <a:t>帧率函数        能耗函数</a:t>
+            </a:r>
+            <a:r>
+              <a:rPr lang="en-US" altLang="zh-CN" b="1" dirty="0">
+                <a:solidFill>
+                  <a:schemeClr val="accent1"/>
+                </a:solidFill>
+              </a:rPr>
+              <a:t>      </a:t>
+            </a:r>
+            <a:endParaRPr lang="zh-CN" altLang="en-US" b="1" dirty="0">
+              <a:solidFill>
+                <a:schemeClr val="accent1"/>
+              </a:solidFill>
+            </a:endParaRPr>
+          </a:p>
+        </p:txBody>
+      </p:sp>
+      <p:sp>
+        <p:nvSpPr>
+          <p:cNvPr id="10" name="文本框 9">
+            <a:extLst>
+              <a:ext uri="{FF2B5EF4-FFF2-40B4-BE49-F238E27FC236}">
+                <a16:creationId xmlns:a16="http://schemas.microsoft.com/office/drawing/2014/main" id="{FF9B4170-0E62-456C-859B-8A234D01AA7F}"/>
               </a:ext>
             </a:extLst>
           </p:cNvPr>
@@ -10172,7 +10451,7 @@
         <p:spPr>
           <a:xfrm>
             <a:off x="619104" y="4641472"/>
-            <a:ext cx="2877711" cy="1477328"/>
+            <a:ext cx="4504759" cy="1477328"/>
           </a:xfrm>
           <a:prstGeom prst="rect">
             <a:avLst/>
@@ -10289,11 +10568,30 @@
               </a:rPr>
               <a:t>）</a:t>
             </a:r>
-            <a:endParaRPr lang="en-US" altLang="zh-CN" b="1" dirty="0">
-              <a:solidFill>
-                <a:schemeClr val="accent1"/>
-              </a:solidFill>
-            </a:endParaRPr>
+            <a:r>
+              <a:rPr lang="en-US" altLang="zh-CN" b="1" dirty="0">
+                <a:solidFill>
+                  <a:schemeClr val="accent1"/>
+                </a:solidFill>
+              </a:rPr>
+              <a:t>:</a:t>
+            </a:r>
+            <a:r>
+              <a:rPr lang="zh-CN" altLang="en-US" b="1" dirty="0">
+                <a:solidFill>
+                  <a:schemeClr val="accent1"/>
+                </a:solidFill>
+              </a:rPr>
+              <a:t> 监测内存和</a:t>
+            </a:r>
+            <a:r>
+              <a:rPr lang="en-US" altLang="zh-CN" b="1" dirty="0">
+                <a:solidFill>
+                  <a:schemeClr val="accent1"/>
+                </a:solidFill>
+              </a:rPr>
+              <a:t>I/O</a:t>
+            </a:r>
           </a:p>
           <a:p>
             <a:endParaRPr lang="zh-CN" altLang="en-US" b="1" dirty="0">
@@ -10306,10 +10604,10 @@
       </p:sp>
       <p:sp>
         <p:nvSpPr>
-          <p:cNvPr id="15" name="文本框 14">
-            <a:extLst>
-              <a:ext uri="{FF2B5EF4-FFF2-40B4-BE49-F238E27FC236}">
-                <a16:creationId xmlns:a16="http://schemas.microsoft.com/office/drawing/2014/main" id="{58176089-0A30-4474-9187-FB60A9CC2137}"/>
+          <p:cNvPr id="13" name="文本框 12">
+            <a:extLst>
+              <a:ext uri="{FF2B5EF4-FFF2-40B4-BE49-F238E27FC236}">
+                <a16:creationId xmlns:a16="http://schemas.microsoft.com/office/drawing/2014/main" id="{5D9883FC-978E-47DA-A1F4-B65A88EC3FF5}"/>
               </a:ext>
             </a:extLst>
           </p:cNvPr>
@@ -10318,8 +10616,8 @@
         </p:nvSpPr>
         <p:spPr>
           <a:xfrm>
-            <a:off x="7780730" y="2106164"/>
-            <a:ext cx="4030270" cy="646331"/>
+            <a:off x="2768906" y="4456806"/>
+            <a:ext cx="2525050" cy="369332"/>
           </a:xfrm>
           <a:prstGeom prst="rect">
             <a:avLst/>
@@ -10338,7 +10636,7 @@
                   <a:schemeClr val="accent1"/>
                 </a:solidFill>
               </a:rPr>
-              <a:t>奖励函数 ： </a:t>
+              <a:t>强化学习（</a:t>
             </a:r>
             <a:r>
               <a:rPr lang="en-US" altLang="zh-CN" b="1" dirty="0">
@@ -10346,7 +10644,7 @@
                   <a:schemeClr val="accent1"/>
                 </a:solidFill>
               </a:rPr>
-              <a:t>Q</a:t>
+              <a:t>PPO</a:t>
             </a:r>
             <a:r>
               <a:rPr lang="zh-CN" altLang="en-US" b="1" dirty="0">
@@ -10354,63 +10652,8 @@
                   <a:schemeClr val="accent1"/>
                 </a:solidFill>
               </a:rPr>
-              <a:t>（</a:t>
-            </a:r>
-            <a:r>
-              <a:rPr lang="en-US" altLang="zh-CN" b="1" dirty="0">
-                <a:solidFill>
-                  <a:schemeClr val="accent1"/>
-                </a:solidFill>
-              </a:rPr>
-              <a:t>t</a:t>
-            </a:r>
-            <a:r>
-              <a:rPr lang="zh-CN" altLang="en-US" b="1" dirty="0">
-                <a:solidFill>
-                  <a:schemeClr val="accent1"/>
-                </a:solidFill>
-              </a:rPr>
-              <a:t>）  </a:t>
-            </a:r>
-            <a:r>
-              <a:rPr lang="en-US" altLang="zh-CN" b="1" dirty="0">
-                <a:solidFill>
-                  <a:schemeClr val="accent1"/>
-                </a:solidFill>
-              </a:rPr>
-              <a:t>-    P(t)</a:t>
-            </a:r>
-          </a:p>
-          <a:p>
-            <a:r>
-              <a:rPr lang="en-US" altLang="zh-CN" b="1" dirty="0">
-                <a:solidFill>
-                  <a:schemeClr val="accent1"/>
-                </a:solidFill>
-              </a:rPr>
-              <a:t>              </a:t>
-            </a:r>
-            <a:r>
-              <a:rPr lang="zh-CN" altLang="en-US" b="1" dirty="0">
-                <a:solidFill>
-                  <a:schemeClr val="accent1"/>
-                </a:solidFill>
-              </a:rPr>
-              <a:t>帧率函数        能耗函数</a:t>
-            </a:r>
-            <a:r>
-              <a:rPr lang="en-US" altLang="zh-CN" b="1" dirty="0">
-                <a:solidFill>
-                  <a:schemeClr val="accent1"/>
-                </a:solidFill>
-              </a:rPr>
-              <a:t>      </a:t>
-            </a:r>
-            <a:endParaRPr lang="zh-CN" altLang="en-US" b="1" dirty="0">
-              <a:solidFill>
-                <a:schemeClr val="accent1"/>
-              </a:solidFill>
-            </a:endParaRPr>
+              <a:t>算法）</a:t>
+            </a:r>
           </a:p>
         </p:txBody>
       </p:sp>
@@ -10646,200 +10889,6 @@
       </p:pic>
       <p:sp>
         <p:nvSpPr>
-          <p:cNvPr id="9" name="文本框 8">
-            <a:extLst>
-              <a:ext uri="{FF2B5EF4-FFF2-40B4-BE49-F238E27FC236}">
-                <a16:creationId xmlns:a16="http://schemas.microsoft.com/office/drawing/2014/main" id="{622FF281-B673-4E22-B0C6-1BB18E99C4CF}"/>
-              </a:ext>
-            </a:extLst>
-          </p:cNvPr>
-          <p:cNvSpPr txBox="1"/>
-          <p:nvPr/>
-        </p:nvSpPr>
-        <p:spPr>
-          <a:xfrm>
-            <a:off x="2768906" y="4456806"/>
-            <a:ext cx="2501006" cy="369332"/>
-          </a:xfrm>
-          <a:prstGeom prst="rect">
-            <a:avLst/>
-          </a:prstGeom>
-          <a:noFill/>
-        </p:spPr>
-        <p:txBody>
-          <a:bodyPr wrap="none" rtlCol="0">
-            <a:spAutoFit/>
-          </a:bodyPr>
-          <a:lstStyle/>
-          <a:p>
-            <a:r>
-              <a:rPr lang="en-US" altLang="zh-CN" b="1" dirty="0">
-                <a:solidFill>
-                  <a:schemeClr val="accent1"/>
-                </a:solidFill>
-              </a:rPr>
-              <a:t>PPO</a:t>
-            </a:r>
-            <a:r>
-              <a:rPr lang="zh-CN" altLang="en-US" b="1" dirty="0">
-                <a:solidFill>
-                  <a:schemeClr val="accent1"/>
-                </a:solidFill>
-              </a:rPr>
-              <a:t>算法（强化学习）</a:t>
-            </a:r>
-          </a:p>
-        </p:txBody>
-      </p:sp>
-      <p:sp>
-        <p:nvSpPr>
-          <p:cNvPr id="11" name="文本框 10">
-            <a:extLst>
-              <a:ext uri="{FF2B5EF4-FFF2-40B4-BE49-F238E27FC236}">
-                <a16:creationId xmlns:a16="http://schemas.microsoft.com/office/drawing/2014/main" id="{B99F169B-0931-4B71-8214-BB4509E3D3A4}"/>
-              </a:ext>
-            </a:extLst>
-          </p:cNvPr>
-          <p:cNvSpPr txBox="1"/>
-          <p:nvPr/>
-        </p:nvSpPr>
-        <p:spPr>
-          <a:xfrm>
-            <a:off x="619104" y="4641472"/>
-            <a:ext cx="2877711" cy="1477328"/>
-          </a:xfrm>
-          <a:prstGeom prst="rect">
-            <a:avLst/>
-          </a:prstGeom>
-          <a:noFill/>
-        </p:spPr>
-        <p:txBody>
-          <a:bodyPr wrap="none" rtlCol="0">
-            <a:spAutoFit/>
-          </a:bodyPr>
-          <a:lstStyle/>
-          <a:p>
-            <a:r>
-              <a:rPr lang="en-US" altLang="zh-CN" b="1" dirty="0">
-                <a:solidFill>
-                  <a:schemeClr val="accent1"/>
-                </a:solidFill>
-              </a:rPr>
-              <a:t>1. </a:t>
-            </a:r>
-            <a:r>
-              <a:rPr lang="zh-CN" altLang="en-US" b="1" dirty="0">
-                <a:solidFill>
-                  <a:schemeClr val="accent1"/>
-                </a:solidFill>
-              </a:rPr>
-              <a:t>帧率</a:t>
-            </a:r>
-            <a:r>
-              <a:rPr lang="en-US" altLang="zh-CN" b="1" dirty="0">
-                <a:solidFill>
-                  <a:schemeClr val="accent1"/>
-                </a:solidFill>
-              </a:rPr>
-              <a:t> </a:t>
-            </a:r>
-          </a:p>
-          <a:p>
-            <a:r>
-              <a:rPr lang="en-US" altLang="zh-CN" b="1" dirty="0">
-                <a:solidFill>
-                  <a:schemeClr val="accent1"/>
-                </a:solidFill>
-              </a:rPr>
-              <a:t>2. CPU</a:t>
-            </a:r>
-            <a:r>
-              <a:rPr lang="zh-CN" altLang="en-US" b="1" dirty="0">
-                <a:solidFill>
-                  <a:schemeClr val="accent1"/>
-                </a:solidFill>
-              </a:rPr>
-              <a:t>频率</a:t>
-            </a:r>
-            <a:endParaRPr lang="en-US" altLang="zh-CN" b="1" dirty="0">
-              <a:solidFill>
-                <a:schemeClr val="accent1"/>
-              </a:solidFill>
-            </a:endParaRPr>
-          </a:p>
-          <a:p>
-            <a:r>
-              <a:rPr lang="en-US" altLang="zh-CN" b="1" dirty="0">
-                <a:solidFill>
-                  <a:schemeClr val="accent1"/>
-                </a:solidFill>
-              </a:rPr>
-              <a:t>3. CPU</a:t>
-            </a:r>
-            <a:r>
-              <a:rPr lang="zh-CN" altLang="en-US" b="1" dirty="0">
-                <a:solidFill>
-                  <a:schemeClr val="accent1"/>
-                </a:solidFill>
-              </a:rPr>
-              <a:t>利用率</a:t>
-            </a:r>
-            <a:endParaRPr lang="en-US" altLang="zh-CN" b="1" dirty="0">
-              <a:solidFill>
-                <a:schemeClr val="accent1"/>
-              </a:solidFill>
-            </a:endParaRPr>
-          </a:p>
-          <a:p>
-            <a:r>
-              <a:rPr lang="en-US" altLang="zh-CN" b="1" dirty="0">
-                <a:solidFill>
-                  <a:schemeClr val="accent1"/>
-                </a:solidFill>
-              </a:rPr>
-              <a:t>4. </a:t>
-            </a:r>
-            <a:r>
-              <a:rPr lang="zh-CN" altLang="en-US" b="1" dirty="0">
-                <a:solidFill>
-                  <a:schemeClr val="accent1"/>
-                </a:solidFill>
-              </a:rPr>
-              <a:t>性能监控单元（</a:t>
-            </a:r>
-            <a:r>
-              <a:rPr lang="en-US" altLang="zh-CN" b="1" dirty="0">
-                <a:solidFill>
-                  <a:schemeClr val="accent1"/>
-                </a:solidFill>
-              </a:rPr>
-              <a:t>PMU</a:t>
-            </a:r>
-            <a:r>
-              <a:rPr lang="zh-CN" altLang="en-US" b="1" dirty="0">
-                <a:solidFill>
-                  <a:schemeClr val="accent1"/>
-                </a:solidFill>
-              </a:rPr>
-              <a:t>）</a:t>
-            </a:r>
-            <a:endParaRPr lang="en-US" altLang="zh-CN" b="1" dirty="0">
-              <a:solidFill>
-                <a:schemeClr val="accent1"/>
-              </a:solidFill>
-            </a:endParaRPr>
-          </a:p>
-          <a:p>
-            <a:endParaRPr lang="zh-CN" altLang="en-US" b="1" dirty="0">
-              <a:solidFill>
-                <a:schemeClr val="accent1"/>
-              </a:solidFill>
-            </a:endParaRPr>
-          </a:p>
-        </p:txBody>
-      </p:sp>
-      <p:sp>
-        <p:nvSpPr>
           <p:cNvPr id="13" name="文本框 12">
             <a:extLst>
               <a:ext uri="{FF2B5EF4-FFF2-40B4-BE49-F238E27FC236}">
@@ -11115,6 +11164,227 @@
                 <a:schemeClr val="accent1"/>
               </a:solidFill>
             </a:endParaRPr>
+          </a:p>
+        </p:txBody>
+      </p:sp>
+      <p:sp>
+        <p:nvSpPr>
+          <p:cNvPr id="12" name="文本框 11">
+            <a:extLst>
+              <a:ext uri="{FF2B5EF4-FFF2-40B4-BE49-F238E27FC236}">
+                <a16:creationId xmlns:a16="http://schemas.microsoft.com/office/drawing/2014/main" id="{C9151448-4C68-4273-A0D8-DE62A3C95293}"/>
+              </a:ext>
+            </a:extLst>
+          </p:cNvPr>
+          <p:cNvSpPr txBox="1"/>
+          <p:nvPr/>
+        </p:nvSpPr>
+        <p:spPr>
+          <a:xfrm>
+            <a:off x="619104" y="4641472"/>
+            <a:ext cx="4504759" cy="1477328"/>
+          </a:xfrm>
+          <a:prstGeom prst="rect">
+            <a:avLst/>
+          </a:prstGeom>
+          <a:noFill/>
+        </p:spPr>
+        <p:txBody>
+          <a:bodyPr wrap="none" rtlCol="0">
+            <a:spAutoFit/>
+          </a:bodyPr>
+          <a:lstStyle/>
+          <a:p>
+            <a:r>
+              <a:rPr lang="en-US" altLang="zh-CN" b="1" dirty="0">
+                <a:solidFill>
+                  <a:schemeClr val="accent1"/>
+                </a:solidFill>
+              </a:rPr>
+              <a:t>1. </a:t>
+            </a:r>
+            <a:r>
+              <a:rPr lang="zh-CN" altLang="en-US" b="1" dirty="0">
+                <a:solidFill>
+                  <a:schemeClr val="accent1"/>
+                </a:solidFill>
+              </a:rPr>
+              <a:t>帧率</a:t>
+            </a:r>
+            <a:r>
+              <a:rPr lang="en-US" altLang="zh-CN" b="1" dirty="0">
+                <a:solidFill>
+                  <a:schemeClr val="accent1"/>
+                </a:solidFill>
+              </a:rPr>
+              <a:t> </a:t>
+            </a:r>
+          </a:p>
+          <a:p>
+            <a:r>
+              <a:rPr lang="en-US" altLang="zh-CN" b="1" dirty="0">
+                <a:solidFill>
+                  <a:schemeClr val="accent1"/>
+                </a:solidFill>
+              </a:rPr>
+              <a:t>2. CPU</a:t>
+            </a:r>
+            <a:r>
+              <a:rPr lang="zh-CN" altLang="en-US" b="1" dirty="0">
+                <a:solidFill>
+                  <a:schemeClr val="accent1"/>
+                </a:solidFill>
+              </a:rPr>
+              <a:t>频率</a:t>
+            </a:r>
+            <a:endParaRPr lang="en-US" altLang="zh-CN" b="1" dirty="0">
+              <a:solidFill>
+                <a:schemeClr val="accent1"/>
+              </a:solidFill>
+            </a:endParaRPr>
+          </a:p>
+          <a:p>
+            <a:r>
+              <a:rPr lang="en-US" altLang="zh-CN" b="1" dirty="0">
+                <a:solidFill>
+                  <a:schemeClr val="accent1"/>
+                </a:solidFill>
+              </a:rPr>
+              <a:t>3. CPU</a:t>
+            </a:r>
+            <a:r>
+              <a:rPr lang="zh-CN" altLang="en-US" b="1" dirty="0">
+                <a:solidFill>
+                  <a:schemeClr val="accent1"/>
+                </a:solidFill>
+              </a:rPr>
+              <a:t>利用率</a:t>
+            </a:r>
+            <a:endParaRPr lang="en-US" altLang="zh-CN" b="1" dirty="0">
+              <a:solidFill>
+                <a:schemeClr val="accent1"/>
+              </a:solidFill>
+            </a:endParaRPr>
+          </a:p>
+          <a:p>
+            <a:r>
+              <a:rPr lang="en-US" altLang="zh-CN" b="1" dirty="0">
+                <a:solidFill>
+                  <a:schemeClr val="accent1"/>
+                </a:solidFill>
+              </a:rPr>
+              <a:t>4. </a:t>
+            </a:r>
+            <a:r>
+              <a:rPr lang="zh-CN" altLang="en-US" b="1" dirty="0">
+                <a:solidFill>
+                  <a:schemeClr val="accent1"/>
+                </a:solidFill>
+              </a:rPr>
+              <a:t>性能监控单元（</a:t>
+            </a:r>
+            <a:r>
+              <a:rPr lang="en-US" altLang="zh-CN" b="1" dirty="0">
+                <a:solidFill>
+                  <a:schemeClr val="accent1"/>
+                </a:solidFill>
+              </a:rPr>
+              <a:t>PMU</a:t>
+            </a:r>
+            <a:r>
+              <a:rPr lang="zh-CN" altLang="en-US" b="1" dirty="0">
+                <a:solidFill>
+                  <a:schemeClr val="accent1"/>
+                </a:solidFill>
+              </a:rPr>
+              <a:t>）</a:t>
+            </a:r>
+            <a:r>
+              <a:rPr lang="en-US" altLang="zh-CN" b="1" dirty="0">
+                <a:solidFill>
+                  <a:schemeClr val="accent1"/>
+                </a:solidFill>
+              </a:rPr>
+              <a:t>:</a:t>
+            </a:r>
+            <a:r>
+              <a:rPr lang="zh-CN" altLang="en-US" b="1" dirty="0">
+                <a:solidFill>
+                  <a:schemeClr val="accent1"/>
+                </a:solidFill>
+              </a:rPr>
+              <a:t> 监测内存和</a:t>
+            </a:r>
+            <a:r>
+              <a:rPr lang="en-US" altLang="zh-CN" b="1" dirty="0">
+                <a:solidFill>
+                  <a:schemeClr val="accent1"/>
+                </a:solidFill>
+              </a:rPr>
+              <a:t>I/O</a:t>
+            </a:r>
+          </a:p>
+          <a:p>
+            <a:endParaRPr lang="zh-CN" altLang="en-US" b="1" dirty="0">
+              <a:solidFill>
+                <a:schemeClr val="accent1"/>
+              </a:solidFill>
+            </a:endParaRPr>
+          </a:p>
+        </p:txBody>
+      </p:sp>
+      <p:sp>
+        <p:nvSpPr>
+          <p:cNvPr id="14" name="文本框 13">
+            <a:extLst>
+              <a:ext uri="{FF2B5EF4-FFF2-40B4-BE49-F238E27FC236}">
+                <a16:creationId xmlns:a16="http://schemas.microsoft.com/office/drawing/2014/main" id="{0A6F06CD-CDC5-4D1C-A9D9-9F4422D796AD}"/>
+              </a:ext>
+            </a:extLst>
+          </p:cNvPr>
+          <p:cNvSpPr txBox="1"/>
+          <p:nvPr/>
+        </p:nvSpPr>
+        <p:spPr>
+          <a:xfrm>
+            <a:off x="2768906" y="4456806"/>
+            <a:ext cx="2525050" cy="369332"/>
+          </a:xfrm>
+          <a:prstGeom prst="rect">
+            <a:avLst/>
+          </a:prstGeom>
+          <a:noFill/>
+        </p:spPr>
+        <p:txBody>
+          <a:bodyPr wrap="none" rtlCol="0">
+            <a:spAutoFit/>
+          </a:bodyPr>
+          <a:lstStyle/>
+          <a:p>
+            <a:r>
+              <a:rPr lang="zh-CN" altLang="en-US" b="1" dirty="0">
+                <a:solidFill>
+                  <a:schemeClr val="accent1"/>
+                </a:solidFill>
+              </a:rPr>
+              <a:t>强化学习（</a:t>
+            </a:r>
+            <a:r>
+              <a:rPr lang="en-US" altLang="zh-CN" b="1" dirty="0">
+                <a:solidFill>
+                  <a:schemeClr val="accent1"/>
+                </a:solidFill>
+              </a:rPr>
+              <a:t>PPO</a:t>
+            </a:r>
+            <a:r>
+              <a:rPr lang="zh-CN" altLang="en-US" b="1" dirty="0">
+                <a:solidFill>
+                  <a:schemeClr val="accent1"/>
+                </a:solidFill>
+              </a:rPr>
+              <a:t>算法）</a:t>
+            </a:r>
           </a:p>
         </p:txBody>
       </p:sp>
@@ -11318,10 +11588,10 @@
       </p:pic>
       <p:sp>
         <p:nvSpPr>
-          <p:cNvPr id="10" name="文本框 9">
-            <a:extLst>
-              <a:ext uri="{FF2B5EF4-FFF2-40B4-BE49-F238E27FC236}">
-                <a16:creationId xmlns:a16="http://schemas.microsoft.com/office/drawing/2014/main" id="{411FF607-D8AE-490A-B5F3-3DB8751863A7}"/>
+          <p:cNvPr id="8" name="文本框 7">
+            <a:extLst>
+              <a:ext uri="{FF2B5EF4-FFF2-40B4-BE49-F238E27FC236}">
+                <a16:creationId xmlns:a16="http://schemas.microsoft.com/office/drawing/2014/main" id="{1D1DF734-06DD-43BE-B591-44AD1DE43A6E}"/>
               </a:ext>
             </a:extLst>
           </p:cNvPr>
@@ -11330,8 +11600,8 @@
         </p:nvSpPr>
         <p:spPr>
           <a:xfrm>
-            <a:off x="381000" y="2192357"/>
-            <a:ext cx="4330032" cy="923330"/>
+            <a:off x="381000" y="2423745"/>
+            <a:ext cx="4796506" cy="1015663"/>
           </a:xfrm>
           <a:prstGeom prst="rect">
             <a:avLst/>
@@ -11345,36 +11615,36 @@
           <a:lstStyle/>
           <a:p>
             <a:r>
-              <a:rPr lang="en-US" altLang="zh-CN" b="1" dirty="0"/>
+              <a:rPr lang="en-US" altLang="zh-CN" sz="2000" b="1" dirty="0"/>
               <a:t>Task Clock:     </a:t>
             </a:r>
             <a:r>
-              <a:rPr lang="zh-CN" altLang="en-US" b="1" dirty="0"/>
-              <a:t>线程已经执行的时长</a:t>
-            </a:r>
-            <a:endParaRPr lang="en-US" altLang="zh-CN" b="1" dirty="0"/>
-          </a:p>
-          <a:p>
-            <a:r>
-              <a:rPr lang="en-US" altLang="zh-CN" b="1" dirty="0"/>
+              <a:rPr lang="zh-CN" altLang="en-US" sz="2000" b="1" dirty="0"/>
+              <a:t>线程执行需要的时间</a:t>
+            </a:r>
+            <a:endParaRPr lang="en-US" altLang="zh-CN" sz="2000" b="1" dirty="0"/>
+          </a:p>
+          <a:p>
+            <a:r>
+              <a:rPr lang="en-US" altLang="zh-CN" sz="2000" b="1" dirty="0"/>
               <a:t>FPS:                </a:t>
             </a:r>
             <a:r>
-              <a:rPr lang="zh-CN" altLang="en-US" b="1" dirty="0"/>
+              <a:rPr lang="zh-CN" altLang="en-US" sz="2000" b="1" dirty="0"/>
               <a:t>线程的帧率</a:t>
             </a:r>
-            <a:endParaRPr lang="en-US" altLang="zh-CN" b="1" dirty="0"/>
-          </a:p>
-          <a:p>
-            <a:r>
-              <a:rPr lang="en-US" altLang="zh-CN" b="1" dirty="0"/>
+            <a:endParaRPr lang="en-US" altLang="zh-CN" sz="2000" b="1" dirty="0"/>
+          </a:p>
+          <a:p>
+            <a:r>
+              <a:rPr lang="en-US" altLang="zh-CN" sz="2000" b="1" dirty="0"/>
               <a:t>IPS:                 </a:t>
             </a:r>
             <a:r>
-              <a:rPr lang="zh-CN" altLang="en-US" b="1" dirty="0"/>
+              <a:rPr lang="zh-CN" altLang="en-US" sz="2000" b="1" dirty="0"/>
               <a:t>线程每秒钟执行的指令数</a:t>
             </a:r>
-            <a:endParaRPr lang="en-US" altLang="zh-CN" b="1" dirty="0"/>
+            <a:endParaRPr lang="en-US" altLang="zh-CN" sz="2000" b="1" dirty="0"/>
           </a:p>
         </p:txBody>
       </p:sp>
@@ -13432,8 +13702,8 @@
         </p:nvSpPr>
         <p:spPr>
           <a:xfrm>
-            <a:off x="1961002" y="2908453"/>
-            <a:ext cx="3172858" cy="1185483"/>
+            <a:off x="1983036" y="2908453"/>
+            <a:ext cx="3150824" cy="1185483"/>
           </a:xfrm>
           <a:prstGeom prst="rect">
             <a:avLst/>
@@ -14113,10 +14383,10 @@
       </p:sp>
       <p:sp>
         <p:nvSpPr>
-          <p:cNvPr id="19" name="矩形 18">
-            <a:extLst>
-              <a:ext uri="{FF2B5EF4-FFF2-40B4-BE49-F238E27FC236}">
-                <a16:creationId xmlns:a16="http://schemas.microsoft.com/office/drawing/2014/main" id="{AE2A4E84-4640-4731-A619-89BC0A4F3C8B}"/>
+          <p:cNvPr id="20" name="矩形 19">
+            <a:extLst>
+              <a:ext uri="{FF2B5EF4-FFF2-40B4-BE49-F238E27FC236}">
+                <a16:creationId xmlns:a16="http://schemas.microsoft.com/office/drawing/2014/main" id="{56806062-7E05-47B1-8285-F347A8FFD662}"/>
               </a:ext>
             </a:extLst>
           </p:cNvPr>
@@ -14125,8 +14395,8 @@
         </p:nvSpPr>
         <p:spPr>
           <a:xfrm>
-            <a:off x="1961002" y="2908453"/>
-            <a:ext cx="3172858" cy="1185483"/>
+            <a:off x="1983036" y="2908453"/>
+            <a:ext cx="3150824" cy="1185483"/>
           </a:xfrm>
           <a:prstGeom prst="rect">
             <a:avLst/>
@@ -14903,10 +15173,10 @@
       </p:sp>
       <p:sp>
         <p:nvSpPr>
-          <p:cNvPr id="20" name="矩形 19">
-            <a:extLst>
-              <a:ext uri="{FF2B5EF4-FFF2-40B4-BE49-F238E27FC236}">
-                <a16:creationId xmlns:a16="http://schemas.microsoft.com/office/drawing/2014/main" id="{14DD4114-9B55-43B3-A7A3-20694319F9C5}"/>
+          <p:cNvPr id="21" name="矩形 20">
+            <a:extLst>
+              <a:ext uri="{FF2B5EF4-FFF2-40B4-BE49-F238E27FC236}">
+                <a16:creationId xmlns:a16="http://schemas.microsoft.com/office/drawing/2014/main" id="{BD653B52-8673-4B2F-BAEA-6BA9B70673D3}"/>
               </a:ext>
             </a:extLst>
           </p:cNvPr>
@@ -14915,8 +15185,8 @@
         </p:nvSpPr>
         <p:spPr>
           <a:xfrm>
-            <a:off x="1961002" y="2908453"/>
-            <a:ext cx="3172858" cy="1185483"/>
+            <a:off x="1983036" y="2908453"/>
+            <a:ext cx="3150824" cy="1185483"/>
           </a:xfrm>
           <a:prstGeom prst="rect">
             <a:avLst/>
@@ -16444,8 +16714,8 @@
         </p:blipFill>
         <p:spPr>
           <a:xfrm>
-            <a:off x="7586578" y="3937701"/>
-            <a:ext cx="3596548" cy="2443261"/>
+            <a:off x="6694711" y="2786061"/>
+            <a:ext cx="5418708" cy="3681118"/>
           </a:xfrm>
           <a:prstGeom prst="rect">
             <a:avLst/>
@@ -17002,10 +17272,10 @@
       </p:sp>
       <p:sp>
         <p:nvSpPr>
-          <p:cNvPr id="19" name="矩形 18">
-            <a:extLst>
-              <a:ext uri="{FF2B5EF4-FFF2-40B4-BE49-F238E27FC236}">
-                <a16:creationId xmlns:a16="http://schemas.microsoft.com/office/drawing/2014/main" id="{E5DA76A5-F3CD-4855-B1D0-E416FB4EC6DB}"/>
+          <p:cNvPr id="21" name="矩形 20">
+            <a:extLst>
+              <a:ext uri="{FF2B5EF4-FFF2-40B4-BE49-F238E27FC236}">
+                <a16:creationId xmlns:a16="http://schemas.microsoft.com/office/drawing/2014/main" id="{208EC7B3-3D78-44E3-88B9-906E1A702A54}"/>
               </a:ext>
             </a:extLst>
           </p:cNvPr>
@@ -17014,7 +17284,7 @@
         </p:nvSpPr>
         <p:spPr>
           <a:xfrm>
-            <a:off x="7915275" y="1095747"/>
+            <a:off x="7915275" y="1136899"/>
             <a:ext cx="1266825" cy="227025"/>
           </a:xfrm>
           <a:prstGeom prst="rect">
@@ -17052,17 +17322,17 @@
             <a:pPr algn="ctr"/>
             <a:r>
               <a:rPr lang="zh-CN" altLang="en-US" sz="1600" b="1" dirty="0"/>
-              <a:t>实验场景</a:t>
-            </a:r>
-          </a:p>
-        </p:txBody>
-      </p:sp>
-      <p:sp>
-        <p:nvSpPr>
-          <p:cNvPr id="20" name="文本框 19">
-            <a:extLst>
-              <a:ext uri="{FF2B5EF4-FFF2-40B4-BE49-F238E27FC236}">
-                <a16:creationId xmlns:a16="http://schemas.microsoft.com/office/drawing/2014/main" id="{C2874225-6C27-4EB0-B9CD-F96523FEF189}"/>
+              <a:t>基准测试</a:t>
+            </a:r>
+          </a:p>
+        </p:txBody>
+      </p:sp>
+      <p:sp>
+        <p:nvSpPr>
+          <p:cNvPr id="10" name="文本框 9">
+            <a:extLst>
+              <a:ext uri="{FF2B5EF4-FFF2-40B4-BE49-F238E27FC236}">
+                <a16:creationId xmlns:a16="http://schemas.microsoft.com/office/drawing/2014/main" id="{4F2AFFAD-A5AD-4753-98B5-43E7014D0C17}"/>
               </a:ext>
             </a:extLst>
           </p:cNvPr>
@@ -17071,122 +17341,7 @@
         </p:nvSpPr>
         <p:spPr>
           <a:xfrm>
-            <a:off x="7763220" y="1430726"/>
-            <a:ext cx="6114360" cy="923330"/>
-          </a:xfrm>
-          <a:prstGeom prst="rect">
-            <a:avLst/>
-          </a:prstGeom>
-          <a:noFill/>
-        </p:spPr>
-        <p:txBody>
-          <a:bodyPr wrap="square">
-            <a:spAutoFit/>
-          </a:bodyPr>
-          <a:lstStyle/>
-          <a:p>
-            <a:pPr marL="342900" indent="-342900">
-              <a:buAutoNum type="arabicPeriod"/>
-            </a:pPr>
-            <a:r>
-              <a:rPr lang="zh-CN" altLang="en-US" dirty="0"/>
-              <a:t>无后台应用程序运行（轻负载）</a:t>
-            </a:r>
-            <a:endParaRPr lang="en-US" altLang="zh-CN" dirty="0"/>
-          </a:p>
-          <a:p>
-            <a:pPr marL="342900" indent="-342900">
-              <a:buAutoNum type="arabicPeriod"/>
-            </a:pPr>
-            <a:r>
-              <a:rPr lang="zh-CN" altLang="en-US" dirty="0"/>
-              <a:t>具有后台权限运行（中负载）</a:t>
-            </a:r>
-            <a:endParaRPr lang="en-US" altLang="zh-CN" dirty="0"/>
-          </a:p>
-          <a:p>
-            <a:pPr marL="342900" indent="-342900">
-              <a:buAutoNum type="arabicPeriod"/>
-            </a:pPr>
-            <a:r>
-              <a:rPr lang="zh-CN" altLang="en-US" dirty="0"/>
-              <a:t>具有前台权限运行（重负载）</a:t>
-            </a:r>
-          </a:p>
-        </p:txBody>
-      </p:sp>
-      <p:sp>
-        <p:nvSpPr>
-          <p:cNvPr id="21" name="矩形 20">
-            <a:extLst>
-              <a:ext uri="{FF2B5EF4-FFF2-40B4-BE49-F238E27FC236}">
-                <a16:creationId xmlns:a16="http://schemas.microsoft.com/office/drawing/2014/main" id="{208EC7B3-3D78-44E3-88B9-906E1A702A54}"/>
-              </a:ext>
-            </a:extLst>
-          </p:cNvPr>
-          <p:cNvSpPr/>
-          <p:nvPr/>
-        </p:nvSpPr>
-        <p:spPr>
-          <a:xfrm>
-            <a:off x="7915275" y="2479861"/>
-            <a:ext cx="1266825" cy="227025"/>
-          </a:xfrm>
-          <a:prstGeom prst="rect">
-            <a:avLst/>
-          </a:prstGeom>
-          <a:solidFill>
-            <a:srgbClr val="003E87"/>
-          </a:solidFill>
-          <a:ln>
-            <a:noFill/>
-          </a:ln>
-        </p:spPr>
-        <p:style>
-          <a:lnRef idx="2">
-            <a:schemeClr val="accent1">
-              <a:shade val="50000"/>
-            </a:schemeClr>
-          </a:lnRef>
-          <a:fillRef idx="1">
-            <a:schemeClr val="accent1"/>
-          </a:fillRef>
-          <a:effectRef idx="0">
-            <a:schemeClr val="accent1"/>
-          </a:effectRef>
-          <a:fontRef idx="minor">
-            <a:schemeClr val="lt1"/>
-          </a:fontRef>
-        </p:style>
-        <p:txBody>
-          <a:bodyPr rot="0" spcFirstLastPara="0" vertOverflow="overflow" horzOverflow="overflow" vert="horz" wrap="square" lIns="91440" tIns="45720" rIns="91440" bIns="45720" numCol="1" spcCol="0" rtlCol="0" fromWordArt="0" anchor="ctr" anchorCtr="0" forceAA="0" compatLnSpc="1">
-            <a:noAutofit/>
-          </a:bodyPr>
-          <a:lstStyle/>
-          <a:p>
-            <a:pPr algn="ctr"/>
-            <a:r>
-              <a:rPr lang="zh-CN" altLang="en-US" sz="1600" b="1" dirty="0"/>
-              <a:t>基准测试</a:t>
-            </a:r>
-          </a:p>
-        </p:txBody>
-      </p:sp>
-      <p:sp>
-        <p:nvSpPr>
-          <p:cNvPr id="10" name="文本框 9">
-            <a:extLst>
-              <a:ext uri="{FF2B5EF4-FFF2-40B4-BE49-F238E27FC236}">
-                <a16:creationId xmlns:a16="http://schemas.microsoft.com/office/drawing/2014/main" id="{4F2AFFAD-A5AD-4753-98B5-43E7014D0C17}"/>
-              </a:ext>
-            </a:extLst>
-          </p:cNvPr>
-          <p:cNvSpPr txBox="1"/>
-          <p:nvPr/>
-        </p:nvSpPr>
-        <p:spPr>
-          <a:xfrm>
-            <a:off x="7763220" y="2903550"/>
+            <a:off x="7763220" y="1560588"/>
             <a:ext cx="4507965" cy="1200329"/>
           </a:xfrm>
           <a:prstGeom prst="rect">
@@ -17289,7 +17444,7 @@
           <p:cNvPr id="2" name="灯片编号占位符 1">
             <a:extLst>
               <a:ext uri="{FF2B5EF4-FFF2-40B4-BE49-F238E27FC236}">
-                <a16:creationId xmlns:a16="http://schemas.microsoft.com/office/drawing/2014/main" id="{0CC9A509-8B16-49D3-925E-19F1082F06CC}"/>
+                <a16:creationId xmlns:a16="http://schemas.microsoft.com/office/drawing/2014/main" id="{B0302C1D-8735-4536-8E13-98F872338B3E}"/>
               </a:ext>
             </a:extLst>
           </p:cNvPr>
@@ -17306,36 +17461,58 @@
           <a:lstStyle/>
           <a:p>
             <a:fld id="{32CC1993-4A58-5441-BC2A-C02768F05C35}" type="slidenum">
-              <a:rPr kumimoji="1" lang="zh-CN" altLang="en-US" smtClean="0">
-                <a:solidFill>
-                  <a:schemeClr val="tx1"/>
-                </a:solidFill>
-              </a:rPr>
+              <a:rPr kumimoji="1" lang="zh-CN" altLang="en-US" smtClean="0"/>
               <a:t>29</a:t>
             </a:fld>
-            <a:endParaRPr kumimoji="1" lang="zh-CN" altLang="en-US" dirty="0">
-              <a:solidFill>
-                <a:schemeClr val="tx1"/>
-              </a:solidFill>
-            </a:endParaRPr>
+            <a:endParaRPr kumimoji="1" lang="zh-CN" altLang="en-US" dirty="0"/>
+          </a:p>
+        </p:txBody>
+      </p:sp>
+      <p:sp>
+        <p:nvSpPr>
+          <p:cNvPr id="4" name="标题 3">
+            <a:extLst>
+              <a:ext uri="{FF2B5EF4-FFF2-40B4-BE49-F238E27FC236}">
+                <a16:creationId xmlns:a16="http://schemas.microsoft.com/office/drawing/2014/main" id="{DD82D738-79E8-4321-AB21-94451091842B}"/>
+              </a:ext>
+            </a:extLst>
+          </p:cNvPr>
+          <p:cNvSpPr>
+            <a:spLocks noGrp="1"/>
+          </p:cNvSpPr>
+          <p:nvPr>
+            <p:ph type="title"/>
+          </p:nvPr>
+        </p:nvSpPr>
+        <p:spPr/>
+        <p:txBody>
+          <a:bodyPr/>
+          <a:lstStyle/>
+          <a:p>
+            <a:r>
+              <a:rPr lang="zh-CN" altLang="en-US" b="1" dirty="0">
+                <a:latin typeface="Calibri" panose="020F0502020204030204" pitchFamily="34" charset="0"/>
+                <a:cs typeface="Calibri" panose="020F0502020204030204" pitchFamily="34" charset="0"/>
+              </a:rPr>
+              <a:t>实验评估</a:t>
+            </a:r>
+            <a:endParaRPr lang="zh-CN" altLang="en-US" dirty="0"/>
           </a:p>
         </p:txBody>
       </p:sp>
       <p:pic>
         <p:nvPicPr>
-          <p:cNvPr id="6" name="内容占位符 5">
-            <a:extLst>
-              <a:ext uri="{FF2B5EF4-FFF2-40B4-BE49-F238E27FC236}">
-                <a16:creationId xmlns:a16="http://schemas.microsoft.com/office/drawing/2014/main" id="{1E8EC89D-CB02-4EBC-ACFB-07F9C2285DF7}"/>
+          <p:cNvPr id="12" name="图片 11">
+            <a:extLst>
+              <a:ext uri="{FF2B5EF4-FFF2-40B4-BE49-F238E27FC236}">
+                <a16:creationId xmlns:a16="http://schemas.microsoft.com/office/drawing/2014/main" id="{D030B8AF-7FEB-4459-A6D5-5B970CFCC78C}"/>
               </a:ext>
             </a:extLst>
           </p:cNvPr>
           <p:cNvPicPr>
-            <a:picLocks noGrp="1" noChangeAspect="1"/>
+            <a:picLocks noChangeAspect="1"/>
           </p:cNvPicPr>
-          <p:nvPr>
-            <p:ph sz="quarter" idx="10"/>
-          </p:nvPr>
+          <p:nvPr/>
         </p:nvPicPr>
         <p:blipFill>
           <a:blip r:embed="rId3"/>
@@ -17345,53 +17522,77 @@
         </p:blipFill>
         <p:spPr>
           <a:xfrm>
-            <a:off x="355600" y="2332915"/>
-            <a:ext cx="11455400" cy="3086240"/>
-          </a:xfrm>
+            <a:off x="705997" y="1177829"/>
+            <a:ext cx="10515600" cy="2695575"/>
+          </a:xfrm>
+          <a:prstGeom prst="rect">
+            <a:avLst/>
+          </a:prstGeom>
         </p:spPr>
       </p:pic>
       <p:sp>
         <p:nvSpPr>
-          <p:cNvPr id="4" name="标题 3">
-            <a:extLst>
-              <a:ext uri="{FF2B5EF4-FFF2-40B4-BE49-F238E27FC236}">
-                <a16:creationId xmlns:a16="http://schemas.microsoft.com/office/drawing/2014/main" id="{FC6BB482-EB07-4C33-98C4-44F54A5E4C14}"/>
-              </a:ext>
-            </a:extLst>
-          </p:cNvPr>
-          <p:cNvSpPr>
-            <a:spLocks noGrp="1"/>
-          </p:cNvSpPr>
-          <p:nvPr>
-            <p:ph type="title"/>
-          </p:nvPr>
-        </p:nvSpPr>
-        <p:spPr/>
-        <p:txBody>
-          <a:bodyPr/>
-          <a:lstStyle/>
-          <a:p>
-            <a:r>
-              <a:rPr lang="zh-CN" altLang="en-US" b="1" dirty="0">
-                <a:latin typeface="Calibri" panose="020F0502020204030204" pitchFamily="34" charset="0"/>
-                <a:cs typeface="Calibri" panose="020F0502020204030204" pitchFamily="34" charset="0"/>
-              </a:rPr>
-              <a:t>实验评估</a:t>
-            </a:r>
-            <a:endParaRPr lang="zh-CN" altLang="en-US" dirty="0">
-              <a:solidFill>
-                <a:schemeClr val="tx1"/>
-              </a:solidFill>
-            </a:endParaRPr>
-          </a:p>
-        </p:txBody>
-      </p:sp>
-      <p:sp>
-        <p:nvSpPr>
-          <p:cNvPr id="7" name="文本框 6">
-            <a:extLst>
-              <a:ext uri="{FF2B5EF4-FFF2-40B4-BE49-F238E27FC236}">
-                <a16:creationId xmlns:a16="http://schemas.microsoft.com/office/drawing/2014/main" id="{8BD439FF-0ABF-4BE6-8784-A45207735A14}"/>
+          <p:cNvPr id="13" name="矩形 12">
+            <a:extLst>
+              <a:ext uri="{FF2B5EF4-FFF2-40B4-BE49-F238E27FC236}">
+                <a16:creationId xmlns:a16="http://schemas.microsoft.com/office/drawing/2014/main" id="{EC72F330-8CF7-4839-A1B3-D74C96430308}"/>
+              </a:ext>
+            </a:extLst>
+          </p:cNvPr>
+          <p:cNvSpPr/>
+          <p:nvPr/>
+        </p:nvSpPr>
+        <p:spPr>
+          <a:xfrm>
+            <a:off x="5437291" y="4240629"/>
+            <a:ext cx="1317418" cy="254987"/>
+          </a:xfrm>
+          <a:prstGeom prst="rect">
+            <a:avLst/>
+          </a:prstGeom>
+          <a:solidFill>
+            <a:srgbClr val="003E87"/>
+          </a:solidFill>
+          <a:ln>
+            <a:noFill/>
+          </a:ln>
+        </p:spPr>
+        <p:style>
+          <a:lnRef idx="2">
+            <a:schemeClr val="accent1">
+              <a:shade val="50000"/>
+            </a:schemeClr>
+          </a:lnRef>
+          <a:fillRef idx="1">
+            <a:schemeClr val="accent1"/>
+          </a:fillRef>
+          <a:effectRef idx="0">
+            <a:schemeClr val="accent1"/>
+          </a:effectRef>
+          <a:fontRef idx="minor">
+            <a:schemeClr val="lt1"/>
+          </a:fontRef>
+        </p:style>
+        <p:txBody>
+          <a:bodyPr rot="0" spcFirstLastPara="0" vertOverflow="overflow" horzOverflow="overflow" vert="horz" wrap="square" lIns="91440" tIns="45720" rIns="91440" bIns="45720" numCol="1" spcCol="0" rtlCol="0" fromWordArt="0" anchor="ctr" anchorCtr="0" forceAA="0" compatLnSpc="1">
+            <a:noAutofit/>
+          </a:bodyPr>
+          <a:lstStyle/>
+          <a:p>
+            <a:pPr algn="ctr"/>
+            <a:r>
+              <a:rPr lang="zh-CN" altLang="en-US" sz="1600" b="1" dirty="0"/>
+              <a:t>实验场景</a:t>
+            </a:r>
+          </a:p>
+        </p:txBody>
+      </p:sp>
+      <p:sp>
+        <p:nvSpPr>
+          <p:cNvPr id="14" name="文本框 13">
+            <a:extLst>
+              <a:ext uri="{FF2B5EF4-FFF2-40B4-BE49-F238E27FC236}">
+                <a16:creationId xmlns:a16="http://schemas.microsoft.com/office/drawing/2014/main" id="{AEC1FD57-5EF0-4289-B3F2-363CE25BBA4A}"/>
               </a:ext>
             </a:extLst>
           </p:cNvPr>
@@ -17400,8 +17601,8 @@
         </p:nvSpPr>
         <p:spPr>
           <a:xfrm>
-            <a:off x="355600" y="1030160"/>
-            <a:ext cx="1847773" cy="1200329"/>
+            <a:off x="5401020" y="4711552"/>
+            <a:ext cx="4047780" cy="1015663"/>
           </a:xfrm>
           <a:prstGeom prst="rect">
             <a:avLst/>
@@ -17409,59 +17610,109 @@
           <a:noFill/>
         </p:spPr>
         <p:txBody>
-          <a:bodyPr wrap="square" rtlCol="0">
+          <a:bodyPr wrap="square">
             <a:spAutoFit/>
           </a:bodyPr>
           <a:lstStyle/>
-          <a:p>
-            <a:r>
-              <a:rPr lang="en-US" altLang="zh-CN" b="1" dirty="0"/>
-              <a:t>App</a:t>
-            </a:r>
-            <a:r>
-              <a:rPr lang="zh-CN" altLang="en-US" b="1" dirty="0"/>
-              <a:t>选择：</a:t>
-            </a:r>
-            <a:endParaRPr lang="en-US" altLang="zh-CN" b="1" dirty="0"/>
-          </a:p>
           <a:p>
             <a:pPr marL="342900" indent="-342900">
               <a:buAutoNum type="arabicPeriod"/>
             </a:pPr>
             <a:r>
-              <a:rPr lang="en-US" altLang="zh-CN" b="1" dirty="0" err="1"/>
-              <a:t>TikTok</a:t>
-            </a:r>
-            <a:endParaRPr lang="en-US" altLang="zh-CN" b="1" dirty="0"/>
+              <a:rPr lang="zh-CN" altLang="en-US" sz="2000" b="1" dirty="0"/>
+              <a:t>轻负载</a:t>
+            </a:r>
+            <a:endParaRPr lang="en-US" altLang="zh-CN" sz="2000" b="1" dirty="0"/>
           </a:p>
           <a:p>
             <a:pPr marL="342900" indent="-342900">
               <a:buAutoNum type="arabicPeriod"/>
             </a:pPr>
             <a:r>
-              <a:rPr lang="en-US" altLang="zh-CN" b="1" dirty="0" err="1"/>
-              <a:t>Genshin</a:t>
-            </a:r>
-            <a:endParaRPr lang="en-US" altLang="zh-CN" b="1" dirty="0"/>
+              <a:rPr lang="zh-CN" altLang="en-US" sz="2000" b="1" dirty="0"/>
+              <a:t>中负载</a:t>
+            </a:r>
+            <a:endParaRPr lang="en-US" altLang="zh-CN" sz="2000" b="1" dirty="0"/>
           </a:p>
           <a:p>
             <a:pPr marL="342900" indent="-342900">
               <a:buAutoNum type="arabicPeriod"/>
             </a:pPr>
             <a:r>
-              <a:rPr lang="en-US" altLang="zh-CN" b="1" dirty="0"/>
-              <a:t>Instagram                                                             </a:t>
-            </a:r>
-            <a:endParaRPr lang="zh-CN" altLang="en-US" b="1" dirty="0"/>
-          </a:p>
-        </p:txBody>
-      </p:sp>
-      <p:sp>
-        <p:nvSpPr>
-          <p:cNvPr id="8" name="文本框 7">
-            <a:extLst>
-              <a:ext uri="{FF2B5EF4-FFF2-40B4-BE49-F238E27FC236}">
-                <a16:creationId xmlns:a16="http://schemas.microsoft.com/office/drawing/2014/main" id="{0B7001E1-4FF2-445E-8C32-22B7C7B5A53E}"/>
+              <a:rPr lang="zh-CN" altLang="en-US" sz="2000" b="1" dirty="0"/>
+              <a:t>重负载</a:t>
+            </a:r>
+          </a:p>
+        </p:txBody>
+      </p:sp>
+      <p:sp>
+        <p:nvSpPr>
+          <p:cNvPr id="15" name="矩形 14">
+            <a:extLst>
+              <a:ext uri="{FF2B5EF4-FFF2-40B4-BE49-F238E27FC236}">
+                <a16:creationId xmlns:a16="http://schemas.microsoft.com/office/drawing/2014/main" id="{0FC772C5-B371-4F34-878A-FD4014819F07}"/>
+              </a:ext>
+            </a:extLst>
+          </p:cNvPr>
+          <p:cNvSpPr/>
+          <p:nvPr/>
+        </p:nvSpPr>
+        <p:spPr>
+          <a:xfrm>
+            <a:off x="1641889" y="4224536"/>
+            <a:ext cx="1317418" cy="254987"/>
+          </a:xfrm>
+          <a:prstGeom prst="rect">
+            <a:avLst/>
+          </a:prstGeom>
+          <a:solidFill>
+            <a:srgbClr val="003E87"/>
+          </a:solidFill>
+          <a:ln>
+            <a:noFill/>
+          </a:ln>
+        </p:spPr>
+        <p:style>
+          <a:lnRef idx="2">
+            <a:schemeClr val="accent1">
+              <a:shade val="50000"/>
+            </a:schemeClr>
+          </a:lnRef>
+          <a:fillRef idx="1">
+            <a:schemeClr val="accent1"/>
+          </a:fillRef>
+          <a:effectRef idx="0">
+            <a:schemeClr val="accent1"/>
+          </a:effectRef>
+          <a:fontRef idx="minor">
+            <a:schemeClr val="lt1"/>
+          </a:fontRef>
+        </p:style>
+        <p:txBody>
+          <a:bodyPr rot="0" spcFirstLastPara="0" vertOverflow="overflow" horzOverflow="overflow" vert="horz" wrap="square" lIns="91440" tIns="45720" rIns="91440" bIns="45720" numCol="1" spcCol="0" rtlCol="0" fromWordArt="0" anchor="ctr" anchorCtr="0" forceAA="0" compatLnSpc="1">
+            <a:noAutofit/>
+          </a:bodyPr>
+          <a:lstStyle/>
+          <a:p>
+            <a:pPr algn="ctr"/>
+            <a:r>
+              <a:rPr lang="zh-CN" altLang="en-US" sz="1600" b="1" dirty="0"/>
+              <a:t>前端</a:t>
+            </a:r>
+            <a:r>
+              <a:rPr lang="en-US" altLang="zh-CN" sz="1600" b="1" dirty="0"/>
+              <a:t>App</a:t>
+            </a:r>
+            <a:endParaRPr lang="zh-CN" altLang="en-US" sz="1600" b="1" dirty="0"/>
+          </a:p>
+        </p:txBody>
+      </p:sp>
+      <p:sp>
+        <p:nvSpPr>
+          <p:cNvPr id="16" name="文本框 15">
+            <a:extLst>
+              <a:ext uri="{FF2B5EF4-FFF2-40B4-BE49-F238E27FC236}">
+                <a16:creationId xmlns:a16="http://schemas.microsoft.com/office/drawing/2014/main" id="{88843126-DE7E-42F4-89EF-18BBBADB422E}"/>
               </a:ext>
             </a:extLst>
           </p:cNvPr>
@@ -17470,79 +17721,8 @@
         </p:nvSpPr>
         <p:spPr>
           <a:xfrm>
-            <a:off x="143220" y="5498537"/>
-            <a:ext cx="4288353" cy="338554"/>
-          </a:xfrm>
-          <a:prstGeom prst="rect">
-            <a:avLst/>
-          </a:prstGeom>
-          <a:noFill/>
-        </p:spPr>
-        <p:txBody>
-          <a:bodyPr wrap="none" rtlCol="0">
-            <a:spAutoFit/>
-          </a:bodyPr>
-          <a:lstStyle/>
-          <a:p>
-            <a:r>
-              <a:rPr lang="zh-CN" altLang="en-US" sz="1600" b="1" dirty="0"/>
-              <a:t>系统负载较小，没有额外的后台应用程序运行</a:t>
-            </a:r>
-          </a:p>
-        </p:txBody>
-      </p:sp>
-      <p:sp>
-        <p:nvSpPr>
-          <p:cNvPr id="9" name="文本框 8">
-            <a:extLst>
-              <a:ext uri="{FF2B5EF4-FFF2-40B4-BE49-F238E27FC236}">
-                <a16:creationId xmlns:a16="http://schemas.microsoft.com/office/drawing/2014/main" id="{69D814B7-13B8-4F8D-BFE4-FA02DC7B19A7}"/>
-              </a:ext>
-            </a:extLst>
-          </p:cNvPr>
-          <p:cNvSpPr txBox="1"/>
-          <p:nvPr/>
-        </p:nvSpPr>
-        <p:spPr>
-          <a:xfrm>
-            <a:off x="3710887" y="5854694"/>
-            <a:ext cx="5109091" cy="338554"/>
-          </a:xfrm>
-          <a:prstGeom prst="rect">
-            <a:avLst/>
-          </a:prstGeom>
-          <a:noFill/>
-        </p:spPr>
-        <p:txBody>
-          <a:bodyPr wrap="none" rtlCol="0">
-            <a:spAutoFit/>
-          </a:bodyPr>
-          <a:lstStyle/>
-          <a:p>
-            <a:r>
-              <a:rPr lang="zh-CN" altLang="en-US" sz="1600" b="1"/>
-              <a:t>系统负载适中，后台应用程序与前台应用程序同时运行</a:t>
-            </a:r>
-            <a:endParaRPr lang="zh-CN" altLang="en-US" sz="1600" b="1" dirty="0"/>
-          </a:p>
-        </p:txBody>
-      </p:sp>
-      <p:sp>
-        <p:nvSpPr>
-          <p:cNvPr id="12" name="文本框 11">
-            <a:extLst>
-              <a:ext uri="{FF2B5EF4-FFF2-40B4-BE49-F238E27FC236}">
-                <a16:creationId xmlns:a16="http://schemas.microsoft.com/office/drawing/2014/main" id="{60990F23-3661-4D08-B5E4-702C80255C35}"/>
-              </a:ext>
-            </a:extLst>
-          </p:cNvPr>
-          <p:cNvSpPr txBox="1"/>
-          <p:nvPr/>
-        </p:nvSpPr>
-        <p:spPr>
-          <a:xfrm>
-            <a:off x="7760429" y="5411614"/>
-            <a:ext cx="6114360" cy="338554"/>
+            <a:off x="1641889" y="4702003"/>
+            <a:ext cx="4047780" cy="1015663"/>
           </a:xfrm>
           <a:prstGeom prst="rect">
             <a:avLst/>
@@ -17555,25 +17735,41 @@
           </a:bodyPr>
           <a:lstStyle/>
           <a:p>
-            <a:r>
-              <a:rPr lang="zh-CN" altLang="en-US" sz="1600" b="1" dirty="0"/>
-              <a:t>高需求环境，前台应用程序为</a:t>
-            </a:r>
-            <a:r>
-              <a:rPr lang="en-US" altLang="zh-CN" sz="1600" b="1" dirty="0"/>
-              <a:t>CPU</a:t>
-            </a:r>
-            <a:r>
-              <a:rPr lang="zh-CN" altLang="en-US" sz="1600" b="1" dirty="0"/>
-              <a:t>密集型任务</a:t>
-            </a:r>
+            <a:pPr marL="342900" indent="-342900">
+              <a:buAutoNum type="arabicPeriod"/>
+            </a:pPr>
+            <a:r>
+              <a:rPr lang="en-US" altLang="zh-CN" sz="2000" b="1" dirty="0" err="1"/>
+              <a:t>TikTok</a:t>
+            </a:r>
+            <a:endParaRPr lang="en-US" altLang="zh-CN" sz="2000" b="1" dirty="0"/>
+          </a:p>
+          <a:p>
+            <a:pPr marL="342900" indent="-342900">
+              <a:buAutoNum type="arabicPeriod"/>
+            </a:pPr>
+            <a:r>
+              <a:rPr lang="en-US" altLang="zh-CN" sz="2000" b="1" dirty="0" err="1"/>
+              <a:t>Genshin</a:t>
+            </a:r>
+            <a:endParaRPr lang="en-US" altLang="zh-CN" sz="2000" b="1" dirty="0"/>
+          </a:p>
+          <a:p>
+            <a:pPr marL="342900" indent="-342900">
+              <a:buAutoNum type="arabicPeriod"/>
+            </a:pPr>
+            <a:r>
+              <a:rPr lang="en-US" altLang="zh-CN" sz="2000" b="1" dirty="0"/>
+              <a:t>Instagram</a:t>
+            </a:r>
+            <a:endParaRPr lang="zh-CN" altLang="en-US" sz="2000" b="1" dirty="0"/>
           </a:p>
         </p:txBody>
       </p:sp>
     </p:spTree>
     <p:extLst>
       <p:ext uri="{BB962C8B-B14F-4D97-AF65-F5344CB8AC3E}">
-        <p14:creationId xmlns:p14="http://schemas.microsoft.com/office/powerpoint/2010/main" val="582298310"/>
+        <p14:creationId xmlns:p14="http://schemas.microsoft.com/office/powerpoint/2010/main" val="3950187244"/>
       </p:ext>
     </p:extLst>
   </p:cSld>
@@ -17830,7 +18026,7 @@
           <p:cNvPr id="2" name="灯片编号占位符 1">
             <a:extLst>
               <a:ext uri="{FF2B5EF4-FFF2-40B4-BE49-F238E27FC236}">
-                <a16:creationId xmlns:a16="http://schemas.microsoft.com/office/drawing/2014/main" id="{6F6B90DE-5FFA-4FD4-87D6-C8B15CF0CF78}"/>
+                <a16:creationId xmlns:a16="http://schemas.microsoft.com/office/drawing/2014/main" id="{0CC9A509-8B16-49D3-925E-19F1082F06CC}"/>
               </a:ext>
             </a:extLst>
           </p:cNvPr>
@@ -17862,12 +18058,40 @@
           </a:p>
         </p:txBody>
       </p:sp>
+      <p:pic>
+        <p:nvPicPr>
+          <p:cNvPr id="6" name="内容占位符 5">
+            <a:extLst>
+              <a:ext uri="{FF2B5EF4-FFF2-40B4-BE49-F238E27FC236}">
+                <a16:creationId xmlns:a16="http://schemas.microsoft.com/office/drawing/2014/main" id="{1E8EC89D-CB02-4EBC-ACFB-07F9C2285DF7}"/>
+              </a:ext>
+            </a:extLst>
+          </p:cNvPr>
+          <p:cNvPicPr>
+            <a:picLocks noGrp="1" noChangeAspect="1"/>
+          </p:cNvPicPr>
+          <p:nvPr>
+            <p:ph sz="quarter" idx="10"/>
+          </p:nvPr>
+        </p:nvPicPr>
+        <p:blipFill rotWithShape="1">
+          <a:blip r:embed="rId3"/>
+          <a:srcRect l="1290" r="3503"/>
+          <a:stretch/>
+        </p:blipFill>
+        <p:spPr>
+          <a:xfrm>
+            <a:off x="143220" y="1464997"/>
+            <a:ext cx="12030784" cy="3404458"/>
+          </a:xfrm>
+        </p:spPr>
+      </p:pic>
       <p:sp>
         <p:nvSpPr>
           <p:cNvPr id="4" name="标题 3">
             <a:extLst>
               <a:ext uri="{FF2B5EF4-FFF2-40B4-BE49-F238E27FC236}">
-                <a16:creationId xmlns:a16="http://schemas.microsoft.com/office/drawing/2014/main" id="{00DCF398-B5D8-4A77-AA0E-7DE968A346B8}"/>
+                <a16:creationId xmlns:a16="http://schemas.microsoft.com/office/drawing/2014/main" id="{FC6BB482-EB07-4C33-98C4-44F54A5E4C14}"/>
               </a:ext>
             </a:extLst>
           </p:cNvPr>
@@ -17890,7 +18114,7 @@
               </a:rPr>
               <a:t>实验评估</a:t>
             </a:r>
-            <a:endParaRPr lang="zh-CN" altLang="en-US" b="1" dirty="0">
+            <a:endParaRPr lang="zh-CN" altLang="en-US" dirty="0">
               <a:solidFill>
                 <a:schemeClr val="tx1"/>
               </a:solidFill>
@@ -17900,10 +18124,10 @@
       </p:sp>
       <p:sp>
         <p:nvSpPr>
-          <p:cNvPr id="5" name="文本框 4">
-            <a:extLst>
-              <a:ext uri="{FF2B5EF4-FFF2-40B4-BE49-F238E27FC236}">
-                <a16:creationId xmlns:a16="http://schemas.microsoft.com/office/drawing/2014/main" id="{E82EF04E-A1AA-4D11-88A8-E2937763698B}"/>
+          <p:cNvPr id="12" name="文本框 11">
+            <a:extLst>
+              <a:ext uri="{FF2B5EF4-FFF2-40B4-BE49-F238E27FC236}">
+                <a16:creationId xmlns:a16="http://schemas.microsoft.com/office/drawing/2014/main" id="{60990F23-3661-4D08-B5E4-702C80255C35}"/>
               </a:ext>
             </a:extLst>
           </p:cNvPr>
@@ -17912,8 +18136,8 @@
         </p:nvSpPr>
         <p:spPr>
           <a:xfrm>
-            <a:off x="355600" y="1071257"/>
-            <a:ext cx="1107996" cy="369332"/>
+            <a:off x="1817783" y="5534561"/>
+            <a:ext cx="9518574" cy="1323439"/>
           </a:xfrm>
           <a:prstGeom prst="rect">
             <a:avLst/>
@@ -17921,319 +18145,47 @@
           <a:noFill/>
         </p:spPr>
         <p:txBody>
-          <a:bodyPr wrap="none" rtlCol="0">
+          <a:bodyPr wrap="square">
             <a:spAutoFit/>
           </a:bodyPr>
           <a:lstStyle/>
           <a:p>
             <a:r>
-              <a:rPr lang="zh-CN" altLang="en-US" b="1" dirty="0"/>
-              <a:t>组件分析</a:t>
-            </a:r>
-          </a:p>
-        </p:txBody>
-      </p:sp>
-      <p:pic>
-        <p:nvPicPr>
-          <p:cNvPr id="7" name="图片 6">
-            <a:extLst>
-              <a:ext uri="{FF2B5EF4-FFF2-40B4-BE49-F238E27FC236}">
-                <a16:creationId xmlns:a16="http://schemas.microsoft.com/office/drawing/2014/main" id="{24466056-7981-407A-8C18-697560E99A20}"/>
-              </a:ext>
-            </a:extLst>
-          </p:cNvPr>
-          <p:cNvPicPr>
-            <a:picLocks noChangeAspect="1"/>
-          </p:cNvPicPr>
-          <p:nvPr/>
-        </p:nvPicPr>
-        <p:blipFill>
-          <a:blip r:embed="rId3"/>
-          <a:stretch>
-            <a:fillRect/>
-          </a:stretch>
-        </p:blipFill>
-        <p:spPr>
-          <a:xfrm>
-            <a:off x="0" y="3429000"/>
-            <a:ext cx="4095619" cy="2028511"/>
-          </a:xfrm>
-          <a:prstGeom prst="rect">
-            <a:avLst/>
-          </a:prstGeom>
-        </p:spPr>
-      </p:pic>
-      <p:pic>
-        <p:nvPicPr>
-          <p:cNvPr id="9" name="图片 8">
-            <a:extLst>
-              <a:ext uri="{FF2B5EF4-FFF2-40B4-BE49-F238E27FC236}">
-                <a16:creationId xmlns:a16="http://schemas.microsoft.com/office/drawing/2014/main" id="{674DDB0C-1CB6-4725-B2D2-48696E0BF063}"/>
-              </a:ext>
-            </a:extLst>
-          </p:cNvPr>
-          <p:cNvPicPr>
-            <a:picLocks noChangeAspect="1"/>
-          </p:cNvPicPr>
-          <p:nvPr/>
-        </p:nvPicPr>
-        <p:blipFill>
-          <a:blip r:embed="rId4"/>
-          <a:stretch>
-            <a:fillRect/>
-          </a:stretch>
-        </p:blipFill>
-        <p:spPr>
-          <a:xfrm>
-            <a:off x="4018501" y="3524407"/>
-            <a:ext cx="4095619" cy="1946520"/>
-          </a:xfrm>
-          <a:prstGeom prst="rect">
-            <a:avLst/>
-          </a:prstGeom>
-        </p:spPr>
-      </p:pic>
-      <p:pic>
-        <p:nvPicPr>
-          <p:cNvPr id="11" name="图片 10">
-            <a:extLst>
-              <a:ext uri="{FF2B5EF4-FFF2-40B4-BE49-F238E27FC236}">
-                <a16:creationId xmlns:a16="http://schemas.microsoft.com/office/drawing/2014/main" id="{CFCD6D17-BCD4-45AA-9713-D3E966E5104C}"/>
-              </a:ext>
-            </a:extLst>
-          </p:cNvPr>
-          <p:cNvPicPr>
-            <a:picLocks noChangeAspect="1"/>
-          </p:cNvPicPr>
-          <p:nvPr/>
-        </p:nvPicPr>
-        <p:blipFill>
-          <a:blip r:embed="rId5"/>
-          <a:stretch>
-            <a:fillRect/>
-          </a:stretch>
-        </p:blipFill>
-        <p:spPr>
-          <a:xfrm>
-            <a:off x="8114120" y="3524407"/>
-            <a:ext cx="3940187" cy="1946520"/>
-          </a:xfrm>
-          <a:prstGeom prst="rect">
-            <a:avLst/>
-          </a:prstGeom>
-        </p:spPr>
-      </p:pic>
-      <p:sp>
-        <p:nvSpPr>
-          <p:cNvPr id="12" name="文本框 11">
-            <a:extLst>
-              <a:ext uri="{FF2B5EF4-FFF2-40B4-BE49-F238E27FC236}">
-                <a16:creationId xmlns:a16="http://schemas.microsoft.com/office/drawing/2014/main" id="{9D433B45-684F-4AE6-8BB0-FA61966B0824}"/>
-              </a:ext>
-            </a:extLst>
-          </p:cNvPr>
-          <p:cNvSpPr txBox="1"/>
-          <p:nvPr/>
-        </p:nvSpPr>
-        <p:spPr>
-          <a:xfrm>
-            <a:off x="1266940" y="5516430"/>
-            <a:ext cx="1127232" cy="369332"/>
-          </a:xfrm>
-          <a:prstGeom prst="rect">
-            <a:avLst/>
-          </a:prstGeom>
-          <a:noFill/>
-        </p:spPr>
-        <p:txBody>
-          <a:bodyPr wrap="none" rtlCol="0">
-            <a:spAutoFit/>
-          </a:bodyPr>
-          <a:lstStyle/>
-          <a:p>
-            <a:r>
-              <a:rPr lang="en-US" altLang="zh-CN" b="1" dirty="0"/>
-              <a:t>QoS</a:t>
-            </a:r>
-            <a:r>
-              <a:rPr lang="zh-CN" altLang="en-US" b="1" dirty="0"/>
-              <a:t>损失</a:t>
-            </a:r>
-          </a:p>
-        </p:txBody>
-      </p:sp>
-      <p:sp>
-        <p:nvSpPr>
-          <p:cNvPr id="13" name="文本框 12">
-            <a:extLst>
-              <a:ext uri="{FF2B5EF4-FFF2-40B4-BE49-F238E27FC236}">
-                <a16:creationId xmlns:a16="http://schemas.microsoft.com/office/drawing/2014/main" id="{588C8CFD-4CE0-491B-9A3E-E99B5C924566}"/>
-              </a:ext>
-            </a:extLst>
-          </p:cNvPr>
-          <p:cNvSpPr txBox="1"/>
-          <p:nvPr/>
-        </p:nvSpPr>
-        <p:spPr>
-          <a:xfrm>
-            <a:off x="5464884" y="5566334"/>
-            <a:ext cx="1107996" cy="369332"/>
-          </a:xfrm>
-          <a:prstGeom prst="rect">
-            <a:avLst/>
-          </a:prstGeom>
-          <a:noFill/>
-        </p:spPr>
-        <p:txBody>
-          <a:bodyPr wrap="none" rtlCol="0">
-            <a:spAutoFit/>
-          </a:bodyPr>
-          <a:lstStyle/>
-          <a:p>
-            <a:r>
-              <a:rPr lang="zh-CN" altLang="en-US" b="1" dirty="0"/>
-              <a:t>能量消耗</a:t>
-            </a:r>
-          </a:p>
-        </p:txBody>
-      </p:sp>
-      <p:sp>
-        <p:nvSpPr>
-          <p:cNvPr id="15" name="文本框 14">
-            <a:extLst>
-              <a:ext uri="{FF2B5EF4-FFF2-40B4-BE49-F238E27FC236}">
-                <a16:creationId xmlns:a16="http://schemas.microsoft.com/office/drawing/2014/main" id="{764194CE-DEFF-4CF0-B602-7A4483E63D36}"/>
-              </a:ext>
-            </a:extLst>
-          </p:cNvPr>
-          <p:cNvSpPr txBox="1"/>
-          <p:nvPr/>
-        </p:nvSpPr>
-        <p:spPr>
-          <a:xfrm>
-            <a:off x="9948231" y="5566334"/>
-            <a:ext cx="1107996" cy="369332"/>
-          </a:xfrm>
-          <a:prstGeom prst="rect">
-            <a:avLst/>
-          </a:prstGeom>
-          <a:noFill/>
-        </p:spPr>
-        <p:txBody>
-          <a:bodyPr wrap="none" rtlCol="0">
-            <a:spAutoFit/>
-          </a:bodyPr>
-          <a:lstStyle/>
-          <a:p>
-            <a:r>
-              <a:rPr lang="zh-CN" altLang="en-US" b="1" dirty="0"/>
-              <a:t>频率分布</a:t>
-            </a:r>
-          </a:p>
-        </p:txBody>
-      </p:sp>
-      <p:sp>
-        <p:nvSpPr>
-          <p:cNvPr id="16" name="文本框 15">
-            <a:extLst>
-              <a:ext uri="{FF2B5EF4-FFF2-40B4-BE49-F238E27FC236}">
-                <a16:creationId xmlns:a16="http://schemas.microsoft.com/office/drawing/2014/main" id="{C44157C2-A3FD-4473-9279-EA251BE9DAC8}"/>
-              </a:ext>
-            </a:extLst>
-          </p:cNvPr>
-          <p:cNvSpPr txBox="1"/>
-          <p:nvPr/>
-        </p:nvSpPr>
-        <p:spPr>
-          <a:xfrm>
-            <a:off x="694062" y="1718631"/>
-            <a:ext cx="11655845" cy="2031325"/>
-          </a:xfrm>
-          <a:prstGeom prst="rect">
-            <a:avLst/>
-          </a:prstGeom>
-          <a:noFill/>
-        </p:spPr>
-        <p:txBody>
-          <a:bodyPr wrap="square" rtlCol="0">
-            <a:spAutoFit/>
-          </a:bodyPr>
-          <a:lstStyle/>
-          <a:p>
-            <a:r>
-              <a:rPr lang="en-US" altLang="zh-CN" b="1" dirty="0" err="1"/>
+              <a:rPr lang="en-US" altLang="zh-CN" sz="2000" b="1" dirty="0" err="1"/>
               <a:t>Orthrus</a:t>
             </a:r>
             <a:r>
-              <a:rPr lang="en-US" altLang="zh-CN" b="1" dirty="0"/>
-              <a:t>: </a:t>
-            </a:r>
-            <a:r>
-              <a:rPr lang="zh-CN" altLang="en-US" b="1" dirty="0"/>
-              <a:t>三种优化全部启用</a:t>
-            </a:r>
-            <a:endParaRPr lang="en-US" altLang="zh-CN" b="1" dirty="0"/>
-          </a:p>
-          <a:p>
-            <a:r>
-              <a:rPr lang="en-US" altLang="zh-CN" b="1" dirty="0" err="1"/>
-              <a:t>Orthrus-Wog</a:t>
-            </a:r>
-            <a:r>
-              <a:rPr lang="en-US" altLang="zh-CN" b="1" dirty="0"/>
-              <a:t>:</a:t>
-            </a:r>
-            <a:r>
-              <a:rPr lang="zh-CN" altLang="en-US" b="1" dirty="0"/>
-              <a:t>具有基于有限状态机的线程调度器</a:t>
-            </a:r>
-            <a:endParaRPr lang="en-US" altLang="zh-CN" b="1" dirty="0"/>
-          </a:p>
-          <a:p>
-            <a:r>
-              <a:rPr lang="en-US" altLang="zh-CN" b="1" dirty="0" err="1"/>
-              <a:t>Orthrus-Wos</a:t>
-            </a:r>
-            <a:r>
-              <a:rPr lang="en-US" altLang="zh-CN" b="1" dirty="0"/>
-              <a:t>:</a:t>
-            </a:r>
-            <a:r>
-              <a:rPr lang="zh-CN" altLang="en-US" b="1" dirty="0"/>
-              <a:t>具有基于近端策略优化的频率调节器</a:t>
-            </a:r>
-            <a:endParaRPr lang="en-US" altLang="zh-CN" b="1" dirty="0"/>
-          </a:p>
-          <a:p>
-            <a:r>
-              <a:rPr lang="en-US" altLang="zh-CN" b="1" dirty="0" err="1"/>
-              <a:t>Orthrus-Woc</a:t>
-            </a:r>
-            <a:r>
-              <a:rPr lang="en-US" altLang="zh-CN" b="1" dirty="0"/>
-              <a:t>:</a:t>
-            </a:r>
-            <a:r>
-              <a:rPr lang="zh-CN" altLang="en-US" b="1" dirty="0"/>
-              <a:t>具有基于有限状态机的线程调度器和基于近端策略优化的频率调节器，但没有启用协调器</a:t>
-            </a:r>
-            <a:endParaRPr lang="en-US" altLang="zh-CN" b="1" dirty="0"/>
-          </a:p>
-          <a:p>
-            <a:endParaRPr lang="en-US" altLang="zh-CN" b="1" dirty="0"/>
-          </a:p>
-          <a:p>
-            <a:endParaRPr lang="en-US" altLang="zh-CN" b="1" dirty="0"/>
-          </a:p>
-          <a:p>
-            <a:endParaRPr lang="zh-CN" altLang="en-US" b="1" dirty="0"/>
+              <a:rPr lang="en-US" altLang="zh-CN" sz="2000" b="1" dirty="0"/>
+              <a:t> </a:t>
+            </a:r>
+            <a:r>
+              <a:rPr lang="zh-CN" altLang="en-US" sz="2000" b="1" dirty="0"/>
+              <a:t>在轻负载、中负载和重负载的场景下，具有更低的 </a:t>
+            </a:r>
+            <a:r>
+              <a:rPr lang="en-US" altLang="zh-CN" sz="2000" b="1" dirty="0"/>
+              <a:t>QoS Loss </a:t>
+            </a:r>
+            <a:r>
+              <a:rPr lang="zh-CN" altLang="en-US" sz="2000" b="1" dirty="0"/>
+              <a:t>和功耗</a:t>
+            </a:r>
+          </a:p>
+          <a:p>
+            <a:endParaRPr lang="en-US" altLang="zh-CN" sz="2000" b="1" dirty="0"/>
+          </a:p>
+          <a:p>
+            <a:endParaRPr lang="en-US" altLang="zh-CN" sz="2000" b="1" dirty="0"/>
+          </a:p>
+          <a:p>
+            <a:endParaRPr lang="zh-CN" altLang="en-US" sz="2000" b="1" dirty="0"/>
           </a:p>
         </p:txBody>
       </p:sp>
     </p:spTree>
     <p:extLst>
       <p:ext uri="{BB962C8B-B14F-4D97-AF65-F5344CB8AC3E}">
-        <p14:creationId xmlns:p14="http://schemas.microsoft.com/office/powerpoint/2010/main" val="81324193"/>
+        <p14:creationId xmlns:p14="http://schemas.microsoft.com/office/powerpoint/2010/main" val="582298310"/>
       </p:ext>
     </p:extLst>
   </p:cSld>
@@ -18265,7 +18217,7 @@
           <p:cNvPr id="2" name="灯片编号占位符 1">
             <a:extLst>
               <a:ext uri="{FF2B5EF4-FFF2-40B4-BE49-F238E27FC236}">
-                <a16:creationId xmlns:a16="http://schemas.microsoft.com/office/drawing/2014/main" id="{4682AF5F-0BA4-433E-A526-C9A35BED7F16}"/>
+                <a16:creationId xmlns:a16="http://schemas.microsoft.com/office/drawing/2014/main" id="{6F6B90DE-5FFA-4FD4-87D6-C8B15CF0CF78}"/>
               </a:ext>
             </a:extLst>
           </p:cNvPr>
@@ -18282,10 +18234,18 @@
           <a:lstStyle/>
           <a:p>
             <a:fld id="{32CC1993-4A58-5441-BC2A-C02768F05C35}" type="slidenum">
-              <a:rPr kumimoji="1" lang="zh-CN" altLang="en-US" smtClean="0"/>
+              <a:rPr kumimoji="1" lang="zh-CN" altLang="en-US" smtClean="0">
+                <a:solidFill>
+                  <a:schemeClr val="tx1"/>
+                </a:solidFill>
+              </a:rPr>
               <a:t>31</a:t>
             </a:fld>
-            <a:endParaRPr kumimoji="1" lang="zh-CN" altLang="en-US" dirty="0"/>
+            <a:endParaRPr kumimoji="1" lang="zh-CN" altLang="en-US" dirty="0">
+              <a:solidFill>
+                <a:schemeClr val="tx1"/>
+              </a:solidFill>
+            </a:endParaRPr>
           </a:p>
         </p:txBody>
       </p:sp>
@@ -18294,7 +18254,7 @@
           <p:cNvPr id="4" name="标题 3">
             <a:extLst>
               <a:ext uri="{FF2B5EF4-FFF2-40B4-BE49-F238E27FC236}">
-                <a16:creationId xmlns:a16="http://schemas.microsoft.com/office/drawing/2014/main" id="{B0DFF961-F180-4940-870C-ED43DEDB84D9}"/>
+                <a16:creationId xmlns:a16="http://schemas.microsoft.com/office/drawing/2014/main" id="{00DCF398-B5D8-4A77-AA0E-7DE968A346B8}"/>
               </a:ext>
             </a:extLst>
           </p:cNvPr>
@@ -18317,7 +18277,11 @@
               </a:rPr>
               <a:t>实验评估</a:t>
             </a:r>
-            <a:endParaRPr lang="zh-CN" altLang="en-US" dirty="0"/>
+            <a:endParaRPr lang="zh-CN" altLang="en-US" b="1" dirty="0">
+              <a:solidFill>
+                <a:schemeClr val="tx1"/>
+              </a:solidFill>
+            </a:endParaRPr>
           </a:p>
         </p:txBody>
       </p:sp>
@@ -18326,7 +18290,7 @@
           <p:cNvPr id="5" name="文本框 4">
             <a:extLst>
               <a:ext uri="{FF2B5EF4-FFF2-40B4-BE49-F238E27FC236}">
-                <a16:creationId xmlns:a16="http://schemas.microsoft.com/office/drawing/2014/main" id="{645B752B-17C4-47E7-ACE3-69CD1BA9393E}"/>
+                <a16:creationId xmlns:a16="http://schemas.microsoft.com/office/drawing/2014/main" id="{E82EF04E-A1AA-4D11-88A8-E2937763698B}"/>
               </a:ext>
             </a:extLst>
           </p:cNvPr>
@@ -18336,7 +18300,7 @@
         <p:spPr>
           <a:xfrm>
             <a:off x="355600" y="1071257"/>
-            <a:ext cx="1338828" cy="369332"/>
+            <a:ext cx="1107996" cy="369332"/>
           </a:xfrm>
           <a:prstGeom prst="rect">
             <a:avLst/>
@@ -18351,7 +18315,7 @@
           <a:p>
             <a:r>
               <a:rPr lang="zh-CN" altLang="en-US" b="1" dirty="0"/>
-              <a:t>扩展性分析</a:t>
+              <a:t>组件分析</a:t>
             </a:r>
           </a:p>
         </p:txBody>
@@ -18361,37 +18325,7 @@
           <p:cNvPr id="7" name="图片 6">
             <a:extLst>
               <a:ext uri="{FF2B5EF4-FFF2-40B4-BE49-F238E27FC236}">
-                <a16:creationId xmlns:a16="http://schemas.microsoft.com/office/drawing/2014/main" id="{E9B131AE-8E0E-4495-8F2F-8A63E47B02BA}"/>
-              </a:ext>
-            </a:extLst>
-          </p:cNvPr>
-          <p:cNvPicPr>
-            <a:picLocks noChangeAspect="1"/>
-          </p:cNvPicPr>
-          <p:nvPr/>
-        </p:nvPicPr>
-        <p:blipFill>
-          <a:blip r:embed="rId2"/>
-          <a:stretch>
-            <a:fillRect/>
-          </a:stretch>
-        </p:blipFill>
-        <p:spPr>
-          <a:xfrm>
-            <a:off x="97143" y="1594819"/>
-            <a:ext cx="6086044" cy="2332441"/>
-          </a:xfrm>
-          <a:prstGeom prst="rect">
-            <a:avLst/>
-          </a:prstGeom>
-        </p:spPr>
-      </p:pic>
-      <p:pic>
-        <p:nvPicPr>
-          <p:cNvPr id="9" name="图片 8">
-            <a:extLst>
-              <a:ext uri="{FF2B5EF4-FFF2-40B4-BE49-F238E27FC236}">
-                <a16:creationId xmlns:a16="http://schemas.microsoft.com/office/drawing/2014/main" id="{0476A890-E438-418D-89FC-4F76A9EC308E}"/>
+                <a16:creationId xmlns:a16="http://schemas.microsoft.com/office/drawing/2014/main" id="{24466056-7981-407A-8C18-697560E99A20}"/>
               </a:ext>
             </a:extLst>
           </p:cNvPr>
@@ -18408,20 +18342,80 @@
         </p:blipFill>
         <p:spPr>
           <a:xfrm>
-            <a:off x="6446532" y="1441826"/>
-            <a:ext cx="5648325" cy="2638425"/>
+            <a:off x="0" y="3429000"/>
+            <a:ext cx="4095619" cy="2028511"/>
           </a:xfrm>
           <a:prstGeom prst="rect">
             <a:avLst/>
           </a:prstGeom>
         </p:spPr>
       </p:pic>
-      <p:sp>
-        <p:nvSpPr>
-          <p:cNvPr id="10" name="文本框 9">
-            <a:extLst>
-              <a:ext uri="{FF2B5EF4-FFF2-40B4-BE49-F238E27FC236}">
-                <a16:creationId xmlns:a16="http://schemas.microsoft.com/office/drawing/2014/main" id="{4E6725EC-A8D0-4F18-9D7C-1C7309EB0227}"/>
+      <p:pic>
+        <p:nvPicPr>
+          <p:cNvPr id="9" name="图片 8">
+            <a:extLst>
+              <a:ext uri="{FF2B5EF4-FFF2-40B4-BE49-F238E27FC236}">
+                <a16:creationId xmlns:a16="http://schemas.microsoft.com/office/drawing/2014/main" id="{674DDB0C-1CB6-4725-B2D2-48696E0BF063}"/>
+              </a:ext>
+            </a:extLst>
+          </p:cNvPr>
+          <p:cNvPicPr>
+            <a:picLocks noChangeAspect="1"/>
+          </p:cNvPicPr>
+          <p:nvPr/>
+        </p:nvPicPr>
+        <p:blipFill>
+          <a:blip r:embed="rId4"/>
+          <a:stretch>
+            <a:fillRect/>
+          </a:stretch>
+        </p:blipFill>
+        <p:spPr>
+          <a:xfrm>
+            <a:off x="4018501" y="3524407"/>
+            <a:ext cx="4095619" cy="1946520"/>
+          </a:xfrm>
+          <a:prstGeom prst="rect">
+            <a:avLst/>
+          </a:prstGeom>
+        </p:spPr>
+      </p:pic>
+      <p:pic>
+        <p:nvPicPr>
+          <p:cNvPr id="11" name="图片 10">
+            <a:extLst>
+              <a:ext uri="{FF2B5EF4-FFF2-40B4-BE49-F238E27FC236}">
+                <a16:creationId xmlns:a16="http://schemas.microsoft.com/office/drawing/2014/main" id="{CFCD6D17-BCD4-45AA-9713-D3E966E5104C}"/>
+              </a:ext>
+            </a:extLst>
+          </p:cNvPr>
+          <p:cNvPicPr>
+            <a:picLocks noChangeAspect="1"/>
+          </p:cNvPicPr>
+          <p:nvPr/>
+        </p:nvPicPr>
+        <p:blipFill>
+          <a:blip r:embed="rId5"/>
+          <a:stretch>
+            <a:fillRect/>
+          </a:stretch>
+        </p:blipFill>
+        <p:spPr>
+          <a:xfrm>
+            <a:off x="8114120" y="3524407"/>
+            <a:ext cx="3940187" cy="1946520"/>
+          </a:xfrm>
+          <a:prstGeom prst="rect">
+            <a:avLst/>
+          </a:prstGeom>
+        </p:spPr>
+      </p:pic>
+      <p:sp>
+        <p:nvSpPr>
+          <p:cNvPr id="12" name="文本框 11">
+            <a:extLst>
+              <a:ext uri="{FF2B5EF4-FFF2-40B4-BE49-F238E27FC236}">
+                <a16:creationId xmlns:a16="http://schemas.microsoft.com/office/drawing/2014/main" id="{9D433B45-684F-4AE6-8BB0-FA61966B0824}"/>
               </a:ext>
             </a:extLst>
           </p:cNvPr>
@@ -18430,8 +18424,8 @@
         </p:nvSpPr>
         <p:spPr>
           <a:xfrm>
-            <a:off x="0" y="4165941"/>
-            <a:ext cx="5724644" cy="646331"/>
+            <a:off x="1266940" y="5516430"/>
+            <a:ext cx="1127232" cy="369332"/>
           </a:xfrm>
           <a:prstGeom prst="rect">
             <a:avLst/>
@@ -18444,40 +18438,23 @@
           </a:bodyPr>
           <a:lstStyle/>
           <a:p>
-            <a:pPr algn="ctr"/>
-            <a:r>
-              <a:rPr lang="en-US" altLang="zh-CN" dirty="0"/>
+            <a:r>
+              <a:rPr lang="en-US" altLang="zh-CN" b="1" dirty="0"/>
               <a:t>QoS</a:t>
             </a:r>
             <a:r>
-              <a:rPr lang="zh-CN" altLang="en-US" dirty="0"/>
-              <a:t>、功耗、操作空间大小、训练时间随</a:t>
-            </a:r>
-            <a:endParaRPr lang="en-US" altLang="zh-CN" dirty="0"/>
-          </a:p>
-          <a:p>
-            <a:pPr algn="ctr"/>
-            <a:r>
-              <a:rPr lang="zh-CN" altLang="en-US" dirty="0"/>
-              <a:t>每个集群中可以选择的</a:t>
-            </a:r>
-            <a:r>
               <a:rPr lang="zh-CN" altLang="en-US" b="1" dirty="0"/>
-              <a:t>频率调整操作</a:t>
-            </a:r>
-            <a:r>
-              <a:rPr lang="zh-CN" altLang="en-US" dirty="0"/>
-              <a:t>数量增加的变化图</a:t>
-            </a:r>
-          </a:p>
-        </p:txBody>
-      </p:sp>
-      <p:sp>
-        <p:nvSpPr>
-          <p:cNvPr id="11" name="文本框 10">
-            <a:extLst>
-              <a:ext uri="{FF2B5EF4-FFF2-40B4-BE49-F238E27FC236}">
-                <a16:creationId xmlns:a16="http://schemas.microsoft.com/office/drawing/2014/main" id="{ABE01AB3-2410-482A-84AF-C17691B2FCE3}"/>
+              <a:t>损失</a:t>
+            </a:r>
+          </a:p>
+        </p:txBody>
+      </p:sp>
+      <p:sp>
+        <p:nvSpPr>
+          <p:cNvPr id="13" name="文本框 12">
+            <a:extLst>
+              <a:ext uri="{FF2B5EF4-FFF2-40B4-BE49-F238E27FC236}">
+                <a16:creationId xmlns:a16="http://schemas.microsoft.com/office/drawing/2014/main" id="{588C8CFD-4CE0-491B-9A3E-E99B5C924566}"/>
               </a:ext>
             </a:extLst>
           </p:cNvPr>
@@ -18486,8 +18463,8 @@
         </p:nvSpPr>
         <p:spPr>
           <a:xfrm>
-            <a:off x="7099855" y="4271176"/>
-            <a:ext cx="4697889" cy="646331"/>
+            <a:off x="5464884" y="5566334"/>
+            <a:ext cx="1107996" cy="369332"/>
           </a:xfrm>
           <a:prstGeom prst="rect">
             <a:avLst/>
@@ -18500,54 +18477,150 @@
           </a:bodyPr>
           <a:lstStyle/>
           <a:p>
-            <a:pPr algn="ctr"/>
-            <a:r>
-              <a:rPr lang="zh-CN" altLang="en-US" dirty="0"/>
-              <a:t>不同移动设备上</a:t>
-            </a:r>
-            <a:r>
-              <a:rPr lang="en-US" altLang="zh-CN" dirty="0" err="1"/>
+            <a:r>
+              <a:rPr lang="zh-CN" altLang="en-US" b="1" dirty="0"/>
+              <a:t>能量消耗</a:t>
+            </a:r>
+          </a:p>
+        </p:txBody>
+      </p:sp>
+      <p:sp>
+        <p:nvSpPr>
+          <p:cNvPr id="15" name="文本框 14">
+            <a:extLst>
+              <a:ext uri="{FF2B5EF4-FFF2-40B4-BE49-F238E27FC236}">
+                <a16:creationId xmlns:a16="http://schemas.microsoft.com/office/drawing/2014/main" id="{764194CE-DEFF-4CF0-B602-7A4483E63D36}"/>
+              </a:ext>
+            </a:extLst>
+          </p:cNvPr>
+          <p:cNvSpPr txBox="1"/>
+          <p:nvPr/>
+        </p:nvSpPr>
+        <p:spPr>
+          <a:xfrm>
+            <a:off x="9948231" y="5566334"/>
+            <a:ext cx="1107996" cy="369332"/>
+          </a:xfrm>
+          <a:prstGeom prst="rect">
+            <a:avLst/>
+          </a:prstGeom>
+          <a:noFill/>
+        </p:spPr>
+        <p:txBody>
+          <a:bodyPr wrap="none" rtlCol="0">
+            <a:spAutoFit/>
+          </a:bodyPr>
+          <a:lstStyle/>
+          <a:p>
+            <a:r>
+              <a:rPr lang="zh-CN" altLang="en-US" b="1" dirty="0"/>
+              <a:t>频率分布</a:t>
+            </a:r>
+          </a:p>
+        </p:txBody>
+      </p:sp>
+      <p:sp>
+        <p:nvSpPr>
+          <p:cNvPr id="16" name="文本框 15">
+            <a:extLst>
+              <a:ext uri="{FF2B5EF4-FFF2-40B4-BE49-F238E27FC236}">
+                <a16:creationId xmlns:a16="http://schemas.microsoft.com/office/drawing/2014/main" id="{C44157C2-A3FD-4473-9279-EA251BE9DAC8}"/>
+              </a:ext>
+            </a:extLst>
+          </p:cNvPr>
+          <p:cNvSpPr txBox="1"/>
+          <p:nvPr/>
+        </p:nvSpPr>
+        <p:spPr>
+          <a:xfrm>
+            <a:off x="694062" y="1718631"/>
+            <a:ext cx="11655845" cy="2031325"/>
+          </a:xfrm>
+          <a:prstGeom prst="rect">
+            <a:avLst/>
+          </a:prstGeom>
+          <a:noFill/>
+        </p:spPr>
+        <p:txBody>
+          <a:bodyPr wrap="square" rtlCol="0">
+            <a:spAutoFit/>
+          </a:bodyPr>
+          <a:lstStyle/>
+          <a:p>
+            <a:r>
+              <a:rPr lang="en-US" altLang="zh-CN" b="1" dirty="0" err="1"/>
               <a:t>Orthrus</a:t>
             </a:r>
             <a:r>
-              <a:rPr lang="zh-CN" altLang="en-US" dirty="0"/>
-              <a:t>与</a:t>
-            </a:r>
-            <a:r>
-              <a:rPr lang="en-US" altLang="zh-CN" dirty="0"/>
-              <a:t>Android</a:t>
-            </a:r>
-            <a:r>
-              <a:rPr lang="zh-CN" altLang="en-US" dirty="0"/>
-              <a:t>默认方法</a:t>
-            </a:r>
-            <a:endParaRPr lang="en-US" altLang="zh-CN" dirty="0"/>
-          </a:p>
-          <a:p>
-            <a:pPr algn="ctr"/>
-            <a:r>
-              <a:rPr lang="zh-CN" altLang="en-US" dirty="0"/>
-              <a:t>的</a:t>
+              <a:rPr lang="en-US" altLang="zh-CN" b="1" dirty="0"/>
+              <a:t>: </a:t>
             </a:r>
             <a:r>
               <a:rPr lang="zh-CN" altLang="en-US" b="1" dirty="0"/>
-              <a:t>平均功耗和</a:t>
+              <a:t>三种优化全部启用</a:t>
+            </a:r>
+            <a:endParaRPr lang="en-US" altLang="zh-CN" b="1" dirty="0"/>
+          </a:p>
+          <a:p>
+            <a:r>
+              <a:rPr lang="en-US" altLang="zh-CN" b="1" dirty="0" err="1"/>
+              <a:t>Orthrus-Wog</a:t>
             </a:r>
             <a:r>
               <a:rPr lang="en-US" altLang="zh-CN" b="1" dirty="0"/>
-              <a:t>QoS</a:t>
+              <a:t>:</a:t>
             </a:r>
             <a:r>
               <a:rPr lang="zh-CN" altLang="en-US" b="1" dirty="0"/>
-              <a:t>损失</a:t>
-            </a:r>
+              <a:t>具有基于有限状态机的线程调度器</a:t>
+            </a:r>
+            <a:endParaRPr lang="en-US" altLang="zh-CN" b="1" dirty="0"/>
+          </a:p>
+          <a:p>
+            <a:r>
+              <a:rPr lang="en-US" altLang="zh-CN" b="1" dirty="0" err="1"/>
+              <a:t>Orthrus-Wos</a:t>
+            </a:r>
+            <a:r>
+              <a:rPr lang="en-US" altLang="zh-CN" b="1" dirty="0"/>
+              <a:t>:</a:t>
+            </a:r>
+            <a:r>
+              <a:rPr lang="zh-CN" altLang="en-US" b="1" dirty="0"/>
+              <a:t>具有基于近端策略优化的频率调节器</a:t>
+            </a:r>
+            <a:endParaRPr lang="en-US" altLang="zh-CN" b="1" dirty="0"/>
+          </a:p>
+          <a:p>
+            <a:r>
+              <a:rPr lang="en-US" altLang="zh-CN" b="1" dirty="0" err="1"/>
+              <a:t>Orthrus-Woc</a:t>
+            </a:r>
+            <a:r>
+              <a:rPr lang="en-US" altLang="zh-CN" b="1" dirty="0"/>
+              <a:t>:</a:t>
+            </a:r>
+            <a:r>
+              <a:rPr lang="zh-CN" altLang="en-US" b="1" dirty="0"/>
+              <a:t>具有基于有限状态机的线程调度器和基于近端策略优化的频率调节器，但没有启用协调器</a:t>
+            </a:r>
+            <a:endParaRPr lang="en-US" altLang="zh-CN" b="1" dirty="0"/>
+          </a:p>
+          <a:p>
+            <a:endParaRPr lang="en-US" altLang="zh-CN" b="1" dirty="0"/>
+          </a:p>
+          <a:p>
+            <a:endParaRPr lang="en-US" altLang="zh-CN" b="1" dirty="0"/>
+          </a:p>
+          <a:p>
+            <a:endParaRPr lang="zh-CN" altLang="en-US" b="1" dirty="0"/>
           </a:p>
         </p:txBody>
       </p:sp>
     </p:spTree>
     <p:extLst>
       <p:ext uri="{BB962C8B-B14F-4D97-AF65-F5344CB8AC3E}">
-        <p14:creationId xmlns:p14="http://schemas.microsoft.com/office/powerpoint/2010/main" val="946960008"/>
+        <p14:creationId xmlns:p14="http://schemas.microsoft.com/office/powerpoint/2010/main" val="81324193"/>
       </p:ext>
     </p:extLst>
   </p:cSld>
@@ -18576,7 +18649,13 @@
       </p:grpSpPr>
       <p:sp>
         <p:nvSpPr>
-          <p:cNvPr id="2" name="灯片编号占位符 1"/>
+          <p:cNvPr id="2" name="灯片编号占位符 1">
+            <a:extLst>
+              <a:ext uri="{FF2B5EF4-FFF2-40B4-BE49-F238E27FC236}">
+                <a16:creationId xmlns:a16="http://schemas.microsoft.com/office/drawing/2014/main" id="{4682AF5F-0BA4-433E-A526-C9A35BED7F16}"/>
+              </a:ext>
+            </a:extLst>
+          </p:cNvPr>
           <p:cNvSpPr>
             <a:spLocks noGrp="1"/>
           </p:cNvSpPr>
@@ -18599,7 +18678,13 @@
       </p:sp>
       <p:sp>
         <p:nvSpPr>
-          <p:cNvPr id="4" name="标题 3"/>
+          <p:cNvPr id="4" name="标题 3">
+            <a:extLst>
+              <a:ext uri="{FF2B5EF4-FFF2-40B4-BE49-F238E27FC236}">
+                <a16:creationId xmlns:a16="http://schemas.microsoft.com/office/drawing/2014/main" id="{B0DFF961-F180-4940-870C-ED43DEDB84D9}"/>
+              </a:ext>
+            </a:extLst>
+          </p:cNvPr>
           <p:cNvSpPr>
             <a:spLocks noGrp="1"/>
           </p:cNvSpPr>
@@ -18613,160 +18698,245 @@
           <a:lstStyle/>
           <a:p>
             <a:r>
-              <a:rPr kumimoji="1" lang="zh-CN" altLang="en-US" b="1" dirty="0">
-                <a:latin typeface="+mn-lt"/>
-              </a:rPr>
-              <a:t>提纲</a:t>
-            </a:r>
-          </a:p>
-        </p:txBody>
-      </p:sp>
-      <p:sp>
-        <p:nvSpPr>
-          <p:cNvPr id="5" name="矩形 4"/>
-          <p:cNvSpPr/>
+              <a:rPr lang="zh-CN" altLang="en-US" b="1" dirty="0">
+                <a:latin typeface="Calibri" panose="020F0502020204030204" pitchFamily="34" charset="0"/>
+                <a:cs typeface="Calibri" panose="020F0502020204030204" pitchFamily="34" charset="0"/>
+              </a:rPr>
+              <a:t>实验评估</a:t>
+            </a:r>
+            <a:endParaRPr lang="zh-CN" altLang="en-US" dirty="0"/>
+          </a:p>
+        </p:txBody>
+      </p:sp>
+      <p:sp>
+        <p:nvSpPr>
+          <p:cNvPr id="5" name="文本框 4">
+            <a:extLst>
+              <a:ext uri="{FF2B5EF4-FFF2-40B4-BE49-F238E27FC236}">
+                <a16:creationId xmlns:a16="http://schemas.microsoft.com/office/drawing/2014/main" id="{645B752B-17C4-47E7-ACE3-69CD1BA9393E}"/>
+              </a:ext>
+            </a:extLst>
+          </p:cNvPr>
+          <p:cNvSpPr txBox="1"/>
           <p:nvPr/>
         </p:nvSpPr>
         <p:spPr>
           <a:xfrm>
-            <a:off x="3953229" y="1276006"/>
-            <a:ext cx="6630089" cy="4399915"/>
+            <a:off x="355600" y="1071257"/>
+            <a:ext cx="1338828" cy="369332"/>
           </a:xfrm>
           <a:prstGeom prst="rect">
             <a:avLst/>
           </a:prstGeom>
-        </p:spPr>
-        <p:txBody>
-          <a:bodyPr wrap="square">
+          <a:noFill/>
+        </p:spPr>
+        <p:txBody>
+          <a:bodyPr wrap="none" rtlCol="0">
             <a:spAutoFit/>
           </a:bodyPr>
           <a:lstStyle/>
           <a:p>
-            <a:pPr marL="457200" indent="-457200">
-              <a:lnSpc>
-                <a:spcPct val="140000"/>
-              </a:lnSpc>
-              <a:buFont typeface="Arial" panose="020B0604020202090204" pitchFamily="34" charset="0"/>
-              <a:buChar char="•"/>
-            </a:pPr>
-            <a:r>
-              <a:rPr lang="zh-CN" altLang="en-US" sz="4000" b="1" dirty="0">
-                <a:solidFill>
-                  <a:schemeClr val="bg2">
-                    <a:lumMod val="90000"/>
-                  </a:schemeClr>
-                </a:solidFill>
-                <a:ea typeface="微软雅黑" panose="020B0503020204020204" pitchFamily="34" charset="-122"/>
-                <a:cs typeface="Times New Roman" panose="02020503050405090304" pitchFamily="18" charset="0"/>
-              </a:rPr>
-              <a:t>研究背景</a:t>
-            </a:r>
-            <a:endParaRPr lang="en-US" altLang="zh-CN" sz="4000" b="1" dirty="0">
-              <a:solidFill>
-                <a:schemeClr val="bg2">
-                  <a:lumMod val="90000"/>
-                </a:schemeClr>
-              </a:solidFill>
-              <a:ea typeface="微软雅黑" panose="020B0503020204020204" pitchFamily="34" charset="-122"/>
-              <a:cs typeface="Times New Roman" panose="02020503050405090304" pitchFamily="18" charset="0"/>
-            </a:endParaRPr>
-          </a:p>
-          <a:p>
-            <a:pPr marL="457200" indent="-457200">
-              <a:lnSpc>
-                <a:spcPct val="140000"/>
-              </a:lnSpc>
-              <a:buFont typeface="Arial" panose="020B0604020202090204" pitchFamily="34" charset="0"/>
-              <a:buChar char="•"/>
-            </a:pPr>
-            <a:r>
-              <a:rPr lang="zh-CN" altLang="en-US" sz="4000" b="1" dirty="0">
-                <a:solidFill>
-                  <a:schemeClr val="bg2">
-                    <a:lumMod val="90000"/>
-                  </a:schemeClr>
-                </a:solidFill>
-                <a:ea typeface="微软雅黑" panose="020B0503020204020204" pitchFamily="34" charset="-122"/>
-                <a:cs typeface="Times New Roman" panose="02020503050405090304" pitchFamily="18" charset="0"/>
-              </a:rPr>
-              <a:t>研究问题</a:t>
-            </a:r>
-          </a:p>
-          <a:p>
-            <a:pPr marL="457200" indent="-457200">
-              <a:lnSpc>
-                <a:spcPct val="140000"/>
-              </a:lnSpc>
-              <a:buFont typeface="Arial" panose="020B0604020202090204" pitchFamily="34" charset="0"/>
-              <a:buChar char="•"/>
-            </a:pPr>
-            <a:r>
-              <a:rPr lang="zh-CN" altLang="en-US" sz="4000" b="1" dirty="0">
-                <a:solidFill>
-                  <a:schemeClr val="bg2">
-                    <a:lumMod val="90000"/>
-                  </a:schemeClr>
-                </a:solidFill>
-                <a:ea typeface="微软雅黑" panose="020B0503020204020204" pitchFamily="34" charset="-122"/>
-                <a:cs typeface="Times New Roman" panose="02020503050405090304" pitchFamily="18" charset="0"/>
-                <a:sym typeface="+mn-ea"/>
-              </a:rPr>
-              <a:t>方法设计</a:t>
-            </a:r>
-          </a:p>
-          <a:p>
-            <a:pPr marL="457200" indent="-457200">
-              <a:lnSpc>
-                <a:spcPct val="140000"/>
-              </a:lnSpc>
-              <a:buFont typeface="Arial" panose="020B0604020202090204" pitchFamily="34" charset="0"/>
-              <a:buChar char="•"/>
-            </a:pPr>
-            <a:r>
-              <a:rPr lang="zh-CN" altLang="en-US" sz="4000" b="1" dirty="0">
-                <a:solidFill>
-                  <a:schemeClr val="bg2">
-                    <a:lumMod val="90000"/>
-                  </a:schemeClr>
-                </a:solidFill>
-                <a:ea typeface="微软雅黑" panose="020B0503020204020204" pitchFamily="34" charset="-122"/>
-                <a:cs typeface="Times New Roman" panose="02020503050405090304" pitchFamily="18" charset="0"/>
-                <a:sym typeface="+mn-ea"/>
-              </a:rPr>
-              <a:t>实验评估</a:t>
-            </a:r>
-            <a:endParaRPr lang="en-US" altLang="zh-CN" sz="4000" b="1" dirty="0">
-              <a:solidFill>
-                <a:schemeClr val="bg2">
-                  <a:lumMod val="90000"/>
-                </a:schemeClr>
-              </a:solidFill>
-              <a:ea typeface="微软雅黑" panose="020B0503020204020204" pitchFamily="34" charset="-122"/>
-              <a:cs typeface="Times New Roman" panose="02020503050405090304" pitchFamily="18" charset="0"/>
-            </a:endParaRPr>
-          </a:p>
-          <a:p>
-            <a:pPr marL="457200" indent="-457200">
-              <a:lnSpc>
-                <a:spcPct val="140000"/>
-              </a:lnSpc>
-              <a:buFont typeface="Arial" panose="020B0604020202090204" pitchFamily="34" charset="0"/>
-              <a:buChar char="•"/>
-            </a:pPr>
-            <a:r>
-              <a:rPr lang="zh-CN" altLang="en-US" sz="4000" b="1" dirty="0">
-                <a:solidFill>
-                  <a:schemeClr val="tx1"/>
-                </a:solidFill>
-                <a:ea typeface="微软雅黑" panose="020B0503020204020204" pitchFamily="34" charset="-122"/>
-                <a:cs typeface="Times New Roman" panose="02020503050405090304" pitchFamily="18" charset="0"/>
-              </a:rPr>
-              <a:t>工作总结</a:t>
+            <a:r>
+              <a:rPr lang="zh-CN" altLang="en-US" b="1" dirty="0"/>
+              <a:t>扩展性分析</a:t>
+            </a:r>
+          </a:p>
+        </p:txBody>
+      </p:sp>
+      <p:pic>
+        <p:nvPicPr>
+          <p:cNvPr id="7" name="图片 6">
+            <a:extLst>
+              <a:ext uri="{FF2B5EF4-FFF2-40B4-BE49-F238E27FC236}">
+                <a16:creationId xmlns:a16="http://schemas.microsoft.com/office/drawing/2014/main" id="{E9B131AE-8E0E-4495-8F2F-8A63E47B02BA}"/>
+              </a:ext>
+            </a:extLst>
+          </p:cNvPr>
+          <p:cNvPicPr>
+            <a:picLocks noChangeAspect="1"/>
+          </p:cNvPicPr>
+          <p:nvPr/>
+        </p:nvPicPr>
+        <p:blipFill>
+          <a:blip r:embed="rId2"/>
+          <a:stretch>
+            <a:fillRect/>
+          </a:stretch>
+        </p:blipFill>
+        <p:spPr>
+          <a:xfrm>
+            <a:off x="97143" y="1594819"/>
+            <a:ext cx="6086044" cy="2332441"/>
+          </a:xfrm>
+          <a:prstGeom prst="rect">
+            <a:avLst/>
+          </a:prstGeom>
+        </p:spPr>
+      </p:pic>
+      <p:pic>
+        <p:nvPicPr>
+          <p:cNvPr id="9" name="图片 8">
+            <a:extLst>
+              <a:ext uri="{FF2B5EF4-FFF2-40B4-BE49-F238E27FC236}">
+                <a16:creationId xmlns:a16="http://schemas.microsoft.com/office/drawing/2014/main" id="{0476A890-E438-418D-89FC-4F76A9EC308E}"/>
+              </a:ext>
+            </a:extLst>
+          </p:cNvPr>
+          <p:cNvPicPr>
+            <a:picLocks noChangeAspect="1"/>
+          </p:cNvPicPr>
+          <p:nvPr/>
+        </p:nvPicPr>
+        <p:blipFill>
+          <a:blip r:embed="rId3"/>
+          <a:stretch>
+            <a:fillRect/>
+          </a:stretch>
+        </p:blipFill>
+        <p:spPr>
+          <a:xfrm>
+            <a:off x="6446532" y="1441826"/>
+            <a:ext cx="5648325" cy="2638425"/>
+          </a:xfrm>
+          <a:prstGeom prst="rect">
+            <a:avLst/>
+          </a:prstGeom>
+        </p:spPr>
+      </p:pic>
+      <p:sp>
+        <p:nvSpPr>
+          <p:cNvPr id="10" name="文本框 9">
+            <a:extLst>
+              <a:ext uri="{FF2B5EF4-FFF2-40B4-BE49-F238E27FC236}">
+                <a16:creationId xmlns:a16="http://schemas.microsoft.com/office/drawing/2014/main" id="{4E6725EC-A8D0-4F18-9D7C-1C7309EB0227}"/>
+              </a:ext>
+            </a:extLst>
+          </p:cNvPr>
+          <p:cNvSpPr txBox="1"/>
+          <p:nvPr/>
+        </p:nvSpPr>
+        <p:spPr>
+          <a:xfrm>
+            <a:off x="0" y="4165941"/>
+            <a:ext cx="5724644" cy="646331"/>
+          </a:xfrm>
+          <a:prstGeom prst="rect">
+            <a:avLst/>
+          </a:prstGeom>
+          <a:noFill/>
+        </p:spPr>
+        <p:txBody>
+          <a:bodyPr wrap="none" rtlCol="0">
+            <a:spAutoFit/>
+          </a:bodyPr>
+          <a:lstStyle/>
+          <a:p>
+            <a:pPr algn="ctr"/>
+            <a:r>
+              <a:rPr lang="en-US" altLang="zh-CN" dirty="0"/>
+              <a:t>QoS</a:t>
+            </a:r>
+            <a:r>
+              <a:rPr lang="zh-CN" altLang="en-US" dirty="0"/>
+              <a:t>、功耗、操作空间大小、训练时间随</a:t>
+            </a:r>
+            <a:endParaRPr lang="en-US" altLang="zh-CN" dirty="0"/>
+          </a:p>
+          <a:p>
+            <a:pPr algn="ctr"/>
+            <a:r>
+              <a:rPr lang="zh-CN" altLang="en-US" dirty="0"/>
+              <a:t>每个集群中可以选择的</a:t>
+            </a:r>
+            <a:r>
+              <a:rPr lang="zh-CN" altLang="en-US" b="1" dirty="0"/>
+              <a:t>频率调整操作</a:t>
+            </a:r>
+            <a:r>
+              <a:rPr lang="zh-CN" altLang="en-US" dirty="0"/>
+              <a:t>数量增加的变化图</a:t>
+            </a:r>
+          </a:p>
+        </p:txBody>
+      </p:sp>
+      <p:sp>
+        <p:nvSpPr>
+          <p:cNvPr id="11" name="文本框 10">
+            <a:extLst>
+              <a:ext uri="{FF2B5EF4-FFF2-40B4-BE49-F238E27FC236}">
+                <a16:creationId xmlns:a16="http://schemas.microsoft.com/office/drawing/2014/main" id="{ABE01AB3-2410-482A-84AF-C17691B2FCE3}"/>
+              </a:ext>
+            </a:extLst>
+          </p:cNvPr>
+          <p:cNvSpPr txBox="1"/>
+          <p:nvPr/>
+        </p:nvSpPr>
+        <p:spPr>
+          <a:xfrm>
+            <a:off x="7099855" y="4271176"/>
+            <a:ext cx="4697889" cy="646331"/>
+          </a:xfrm>
+          <a:prstGeom prst="rect">
+            <a:avLst/>
+          </a:prstGeom>
+          <a:noFill/>
+        </p:spPr>
+        <p:txBody>
+          <a:bodyPr wrap="none" rtlCol="0">
+            <a:spAutoFit/>
+          </a:bodyPr>
+          <a:lstStyle/>
+          <a:p>
+            <a:pPr algn="ctr"/>
+            <a:r>
+              <a:rPr lang="zh-CN" altLang="en-US" dirty="0"/>
+              <a:t>不同移动设备上</a:t>
+            </a:r>
+            <a:r>
+              <a:rPr lang="en-US" altLang="zh-CN" dirty="0" err="1"/>
+              <a:t>Orthrus</a:t>
+            </a:r>
+            <a:r>
+              <a:rPr lang="zh-CN" altLang="en-US" dirty="0"/>
+              <a:t>与</a:t>
+            </a:r>
+            <a:r>
+              <a:rPr lang="en-US" altLang="zh-CN" dirty="0"/>
+              <a:t>Android</a:t>
+            </a:r>
+            <a:r>
+              <a:rPr lang="zh-CN" altLang="en-US" dirty="0"/>
+              <a:t>默认方法</a:t>
+            </a:r>
+            <a:endParaRPr lang="en-US" altLang="zh-CN" dirty="0"/>
+          </a:p>
+          <a:p>
+            <a:pPr algn="ctr"/>
+            <a:r>
+              <a:rPr lang="zh-CN" altLang="en-US" dirty="0"/>
+              <a:t>的</a:t>
+            </a:r>
+            <a:r>
+              <a:rPr lang="zh-CN" altLang="en-US" b="1" dirty="0"/>
+              <a:t>平均功耗和</a:t>
+            </a:r>
+            <a:r>
+              <a:rPr lang="en-US" altLang="zh-CN" b="1" dirty="0"/>
+              <a:t>QoS</a:t>
+            </a:r>
+            <a:r>
+              <a:rPr lang="zh-CN" altLang="en-US" b="1" dirty="0"/>
+              <a:t>损失</a:t>
             </a:r>
           </a:p>
         </p:txBody>
       </p:sp>
     </p:spTree>
+    <p:extLst>
+      <p:ext uri="{BB962C8B-B14F-4D97-AF65-F5344CB8AC3E}">
+        <p14:creationId xmlns:p14="http://schemas.microsoft.com/office/powerpoint/2010/main" val="946960008"/>
+      </p:ext>
+    </p:extLst>
   </p:cSld>
   <p:clrMapOvr>
     <a:masterClrMapping/>
@@ -18816,7 +18986,7 @@
       </p:sp>
       <p:sp>
         <p:nvSpPr>
-          <p:cNvPr id="5" name="Title 1"/>
+          <p:cNvPr id="4" name="标题 3"/>
           <p:cNvSpPr>
             <a:spLocks noGrp="1"/>
           </p:cNvSpPr>
@@ -18824,79 +18994,34 @@
             <p:ph type="title"/>
           </p:nvPr>
         </p:nvSpPr>
-        <p:spPr>
-          <a:xfrm>
-            <a:off x="355600" y="18511"/>
-            <a:ext cx="11836400" cy="909224"/>
-          </a:xfrm>
-        </p:spPr>
-        <p:txBody>
-          <a:bodyPr>
-            <a:normAutofit/>
-          </a:bodyPr>
-          <a:lstStyle/>
-          <a:p>
-            <a:r>
-              <a:rPr lang="zh-CN" altLang="en-US" b="1" dirty="0">
-                <a:latin typeface="Calibri" panose="020F0502020204030204" pitchFamily="34" charset="0"/>
-                <a:cs typeface="Calibri" panose="020F0502020204030204" pitchFamily="34" charset="0"/>
-              </a:rPr>
-              <a:t>工作总结</a:t>
-            </a:r>
-          </a:p>
-        </p:txBody>
-      </p:sp>
-      <p:pic>
-        <p:nvPicPr>
-          <p:cNvPr id="24" name="图片 23">
-            <a:extLst>
-              <a:ext uri="{FF2B5EF4-FFF2-40B4-BE49-F238E27FC236}">
-                <a16:creationId xmlns:a16="http://schemas.microsoft.com/office/drawing/2014/main" id="{55C53CC8-157B-448E-A7CE-F8AC8958590F}"/>
-              </a:ext>
-            </a:extLst>
-          </p:cNvPr>
-          <p:cNvPicPr>
-            <a:picLocks noChangeAspect="1"/>
-          </p:cNvPicPr>
+        <p:spPr/>
+        <p:txBody>
+          <a:bodyPr/>
+          <a:lstStyle/>
+          <a:p>
+            <a:r>
+              <a:rPr kumimoji="1" lang="zh-CN" altLang="en-US" b="1" dirty="0">
+                <a:latin typeface="+mn-lt"/>
+              </a:rPr>
+              <a:t>提纲</a:t>
+            </a:r>
+          </a:p>
+        </p:txBody>
+      </p:sp>
+      <p:sp>
+        <p:nvSpPr>
+          <p:cNvPr id="5" name="矩形 4"/>
+          <p:cNvSpPr/>
           <p:nvPr/>
-        </p:nvPicPr>
-        <p:blipFill>
-          <a:blip r:embed="rId3"/>
-          <a:stretch>
-            <a:fillRect/>
-          </a:stretch>
-        </p:blipFill>
-        <p:spPr>
-          <a:xfrm>
-            <a:off x="437361" y="1121100"/>
-            <a:ext cx="1878481" cy="3583029"/>
+        </p:nvSpPr>
+        <p:spPr>
+          <a:xfrm>
+            <a:off x="3953229" y="1276006"/>
+            <a:ext cx="6630089" cy="4399915"/>
           </a:xfrm>
           <a:prstGeom prst="rect">
             <a:avLst/>
           </a:prstGeom>
-        </p:spPr>
-      </p:pic>
-      <p:sp>
-        <p:nvSpPr>
-          <p:cNvPr id="25" name="文本框 24">
-            <a:extLst>
-              <a:ext uri="{FF2B5EF4-FFF2-40B4-BE49-F238E27FC236}">
-                <a16:creationId xmlns:a16="http://schemas.microsoft.com/office/drawing/2014/main" id="{D555BAEC-58EB-4CBD-83E6-262AD1CEE5ED}"/>
-              </a:ext>
-            </a:extLst>
-          </p:cNvPr>
-          <p:cNvSpPr txBox="1"/>
-          <p:nvPr/>
-        </p:nvSpPr>
-        <p:spPr>
-          <a:xfrm>
-            <a:off x="2917169" y="1194914"/>
-            <a:ext cx="6114360" cy="369332"/>
-          </a:xfrm>
-          <a:prstGeom prst="rect">
-            <a:avLst/>
-          </a:prstGeom>
-          <a:noFill/>
         </p:spPr>
         <p:txBody>
           <a:bodyPr wrap="square">
@@ -18904,261 +19029,126 @@
           </a:bodyPr>
           <a:lstStyle/>
           <a:p>
-            <a:r>
-              <a:rPr lang="zh-CN" altLang="en-US" sz="1800" b="1" dirty="0"/>
-              <a:t>频率调节</a:t>
-            </a:r>
-            <a:endParaRPr lang="zh-CN" altLang="en-US" dirty="0"/>
-          </a:p>
-        </p:txBody>
-      </p:sp>
-      <p:sp>
-        <p:nvSpPr>
-          <p:cNvPr id="26" name="左大括号 25">
-            <a:extLst>
-              <a:ext uri="{FF2B5EF4-FFF2-40B4-BE49-F238E27FC236}">
-                <a16:creationId xmlns:a16="http://schemas.microsoft.com/office/drawing/2014/main" id="{D340A825-C414-45AC-A3A4-904B56D6C16C}"/>
-              </a:ext>
-            </a:extLst>
-          </p:cNvPr>
-          <p:cNvSpPr/>
-          <p:nvPr/>
-        </p:nvSpPr>
-        <p:spPr>
-          <a:xfrm>
-            <a:off x="2414873" y="1291146"/>
-            <a:ext cx="260045" cy="2352367"/>
-          </a:xfrm>
-          <a:prstGeom prst="leftBrace">
-            <a:avLst/>
-          </a:prstGeom>
-        </p:spPr>
-        <p:style>
-          <a:lnRef idx="1">
-            <a:schemeClr val="accent1"/>
-          </a:lnRef>
-          <a:fillRef idx="0">
-            <a:schemeClr val="accent1"/>
-          </a:fillRef>
-          <a:effectRef idx="0">
-            <a:schemeClr val="accent1"/>
-          </a:effectRef>
-          <a:fontRef idx="minor">
-            <a:schemeClr val="tx1"/>
-          </a:fontRef>
-        </p:style>
-        <p:txBody>
-          <a:bodyPr rtlCol="0" anchor="ctr"/>
-          <a:lstStyle/>
-          <a:p>
-            <a:pPr algn="ctr"/>
-            <a:endParaRPr lang="zh-CN" altLang="en-US"/>
-          </a:p>
-        </p:txBody>
-      </p:sp>
-      <p:sp>
-        <p:nvSpPr>
-          <p:cNvPr id="27" name="文本框 26">
-            <a:extLst>
-              <a:ext uri="{FF2B5EF4-FFF2-40B4-BE49-F238E27FC236}">
-                <a16:creationId xmlns:a16="http://schemas.microsoft.com/office/drawing/2014/main" id="{77AED76C-DD65-41D9-B9D0-4274D84715EE}"/>
-              </a:ext>
-            </a:extLst>
-          </p:cNvPr>
-          <p:cNvSpPr txBox="1"/>
-          <p:nvPr/>
-        </p:nvSpPr>
-        <p:spPr>
-          <a:xfrm>
-            <a:off x="3933474" y="1157752"/>
-            <a:ext cx="4081750" cy="369332"/>
-          </a:xfrm>
-          <a:prstGeom prst="rect">
-            <a:avLst/>
-          </a:prstGeom>
-          <a:noFill/>
-        </p:spPr>
-        <p:txBody>
-          <a:bodyPr wrap="square">
-            <a:spAutoFit/>
-          </a:bodyPr>
-          <a:lstStyle/>
-          <a:p>
-            <a:r>
-              <a:rPr lang="en-US" altLang="zh-CN" b="1" dirty="0"/>
-              <a:t>C1. </a:t>
-            </a:r>
-            <a:r>
-              <a:rPr lang="zh-CN" altLang="en-US" b="1" dirty="0"/>
-              <a:t>频率调节器只考虑</a:t>
-            </a:r>
-            <a:r>
-              <a:rPr lang="en-US" altLang="zh-CN" b="1" dirty="0"/>
-              <a:t>CPU</a:t>
-            </a:r>
-            <a:r>
-              <a:rPr lang="zh-CN" altLang="en-US" b="1" dirty="0"/>
-              <a:t>利用率</a:t>
-            </a:r>
-          </a:p>
-        </p:txBody>
-      </p:sp>
-      <p:sp>
-        <p:nvSpPr>
-          <p:cNvPr id="28" name="文本框 27">
-            <a:extLst>
-              <a:ext uri="{FF2B5EF4-FFF2-40B4-BE49-F238E27FC236}">
-                <a16:creationId xmlns:a16="http://schemas.microsoft.com/office/drawing/2014/main" id="{2B29B14C-E873-4AA9-B7E6-4C6B9F0B7CF8}"/>
-              </a:ext>
-            </a:extLst>
-          </p:cNvPr>
-          <p:cNvSpPr txBox="1"/>
-          <p:nvPr/>
-        </p:nvSpPr>
-        <p:spPr>
-          <a:xfrm>
-            <a:off x="3886528" y="2187132"/>
-            <a:ext cx="5354198" cy="369332"/>
-          </a:xfrm>
-          <a:prstGeom prst="rect">
-            <a:avLst/>
-          </a:prstGeom>
-          <a:noFill/>
-        </p:spPr>
-        <p:txBody>
-          <a:bodyPr wrap="square" rtlCol="0">
-            <a:spAutoFit/>
-          </a:bodyPr>
-          <a:lstStyle/>
-          <a:p>
-            <a:r>
-              <a:rPr lang="en-US" altLang="zh-CN" b="1" dirty="0"/>
-              <a:t>C3. </a:t>
-            </a:r>
-            <a:r>
-              <a:rPr lang="zh-CN" altLang="en-US" b="1" dirty="0"/>
-              <a:t>没有考虑线程调度和频率调节两者之间的联系</a:t>
-            </a:r>
-          </a:p>
-        </p:txBody>
-      </p:sp>
-      <p:sp>
-        <p:nvSpPr>
-          <p:cNvPr id="29" name="箭头: 上下 28">
-            <a:extLst>
-              <a:ext uri="{FF2B5EF4-FFF2-40B4-BE49-F238E27FC236}">
-                <a16:creationId xmlns:a16="http://schemas.microsoft.com/office/drawing/2014/main" id="{6922330D-4F59-4101-8A3C-F89E0B234474}"/>
-              </a:ext>
-            </a:extLst>
-          </p:cNvPr>
-          <p:cNvSpPr/>
-          <p:nvPr/>
-        </p:nvSpPr>
-        <p:spPr>
-          <a:xfrm>
-            <a:off x="3038407" y="1859253"/>
-            <a:ext cx="484632" cy="1216152"/>
-          </a:xfrm>
-          <a:prstGeom prst="upDownArrow">
-            <a:avLst/>
-          </a:prstGeom>
-        </p:spPr>
-        <p:style>
-          <a:lnRef idx="2">
-            <a:schemeClr val="accent1">
-              <a:shade val="50000"/>
-            </a:schemeClr>
-          </a:lnRef>
-          <a:fillRef idx="1">
-            <a:schemeClr val="accent1"/>
-          </a:fillRef>
-          <a:effectRef idx="0">
-            <a:schemeClr val="accent1"/>
-          </a:effectRef>
-          <a:fontRef idx="minor">
-            <a:schemeClr val="lt1"/>
-          </a:fontRef>
-        </p:style>
-        <p:txBody>
-          <a:bodyPr rtlCol="0" anchor="ctr"/>
-          <a:lstStyle/>
-          <a:p>
-            <a:pPr algn="ctr"/>
-            <a:endParaRPr lang="zh-CN" altLang="en-US"/>
-          </a:p>
-        </p:txBody>
-      </p:sp>
-      <p:sp>
-        <p:nvSpPr>
-          <p:cNvPr id="30" name="文本框 29">
-            <a:extLst>
-              <a:ext uri="{FF2B5EF4-FFF2-40B4-BE49-F238E27FC236}">
-                <a16:creationId xmlns:a16="http://schemas.microsoft.com/office/drawing/2014/main" id="{12083244-DE83-4174-A735-565627F51834}"/>
-              </a:ext>
-            </a:extLst>
-          </p:cNvPr>
-          <p:cNvSpPr txBox="1"/>
-          <p:nvPr/>
-        </p:nvSpPr>
-        <p:spPr>
-          <a:xfrm>
-            <a:off x="2917169" y="3337404"/>
-            <a:ext cx="6114360" cy="369332"/>
-          </a:xfrm>
-          <a:prstGeom prst="rect">
-            <a:avLst/>
-          </a:prstGeom>
-          <a:noFill/>
-        </p:spPr>
-        <p:txBody>
-          <a:bodyPr wrap="square">
-            <a:spAutoFit/>
-          </a:bodyPr>
-          <a:lstStyle/>
-          <a:p>
-            <a:r>
-              <a:rPr lang="zh-CN" altLang="en-US" sz="1800" b="1" dirty="0"/>
-              <a:t>线程调度</a:t>
-            </a:r>
-            <a:endParaRPr lang="zh-CN" altLang="en-US" dirty="0"/>
-          </a:p>
-        </p:txBody>
-      </p:sp>
-      <p:sp>
-        <p:nvSpPr>
-          <p:cNvPr id="31" name="文本框 30">
-            <a:extLst>
-              <a:ext uri="{FF2B5EF4-FFF2-40B4-BE49-F238E27FC236}">
-                <a16:creationId xmlns:a16="http://schemas.microsoft.com/office/drawing/2014/main" id="{303A0683-917C-435D-935B-7E0A8D8D1511}"/>
-              </a:ext>
-            </a:extLst>
-          </p:cNvPr>
-          <p:cNvSpPr txBox="1"/>
-          <p:nvPr/>
-        </p:nvSpPr>
-        <p:spPr>
-          <a:xfrm>
-            <a:off x="3950465" y="3378990"/>
-            <a:ext cx="4291070" cy="369332"/>
-          </a:xfrm>
-          <a:prstGeom prst="rect">
-            <a:avLst/>
-          </a:prstGeom>
-          <a:noFill/>
-        </p:spPr>
-        <p:txBody>
-          <a:bodyPr wrap="square">
-            <a:spAutoFit/>
-          </a:bodyPr>
-          <a:lstStyle/>
-          <a:p>
-            <a:r>
-              <a:rPr lang="en-US" altLang="zh-CN" b="1" dirty="0"/>
-              <a:t>C2. QoS</a:t>
-            </a:r>
-            <a:r>
-              <a:rPr lang="zh-CN" altLang="en-US" b="1" dirty="0"/>
-              <a:t>需求很难传递给线程调度器</a:t>
+            <a:pPr marL="457200" indent="-457200">
+              <a:lnSpc>
+                <a:spcPct val="140000"/>
+              </a:lnSpc>
+              <a:buFont typeface="Arial" panose="020B0604020202090204" pitchFamily="34" charset="0"/>
+              <a:buChar char="•"/>
+            </a:pPr>
+            <a:r>
+              <a:rPr lang="zh-CN" altLang="en-US" sz="4000" b="1" dirty="0">
+                <a:solidFill>
+                  <a:schemeClr val="bg2">
+                    <a:lumMod val="90000"/>
+                  </a:schemeClr>
+                </a:solidFill>
+                <a:ea typeface="微软雅黑" panose="020B0503020204020204" pitchFamily="34" charset="-122"/>
+                <a:cs typeface="Times New Roman" panose="02020503050405090304" pitchFamily="18" charset="0"/>
+              </a:rPr>
+              <a:t>研究背景</a:t>
+            </a:r>
+            <a:endParaRPr lang="en-US" altLang="zh-CN" sz="4000" b="1" dirty="0">
+              <a:solidFill>
+                <a:schemeClr val="bg2">
+                  <a:lumMod val="90000"/>
+                </a:schemeClr>
+              </a:solidFill>
+              <a:ea typeface="微软雅黑" panose="020B0503020204020204" pitchFamily="34" charset="-122"/>
+              <a:cs typeface="Times New Roman" panose="02020503050405090304" pitchFamily="18" charset="0"/>
+            </a:endParaRPr>
+          </a:p>
+          <a:p>
+            <a:pPr marL="457200" indent="-457200">
+              <a:lnSpc>
+                <a:spcPct val="140000"/>
+              </a:lnSpc>
+              <a:buFont typeface="Arial" panose="020B0604020202090204" pitchFamily="34" charset="0"/>
+              <a:buChar char="•"/>
+            </a:pPr>
+            <a:r>
+              <a:rPr lang="zh-CN" altLang="en-US" sz="4000" b="1" dirty="0">
+                <a:solidFill>
+                  <a:schemeClr val="bg2">
+                    <a:lumMod val="90000"/>
+                  </a:schemeClr>
+                </a:solidFill>
+                <a:ea typeface="微软雅黑" panose="020B0503020204020204" pitchFamily="34" charset="-122"/>
+                <a:cs typeface="Times New Roman" panose="02020503050405090304" pitchFamily="18" charset="0"/>
+              </a:rPr>
+              <a:t>研究问题</a:t>
+            </a:r>
+          </a:p>
+          <a:p>
+            <a:pPr marL="457200" indent="-457200">
+              <a:lnSpc>
+                <a:spcPct val="140000"/>
+              </a:lnSpc>
+              <a:buFont typeface="Arial" panose="020B0604020202090204" pitchFamily="34" charset="0"/>
+              <a:buChar char="•"/>
+            </a:pPr>
+            <a:r>
+              <a:rPr lang="zh-CN" altLang="en-US" sz="4000" b="1" dirty="0">
+                <a:solidFill>
+                  <a:schemeClr val="bg2">
+                    <a:lumMod val="90000"/>
+                  </a:schemeClr>
+                </a:solidFill>
+                <a:ea typeface="微软雅黑" panose="020B0503020204020204" pitchFamily="34" charset="-122"/>
+                <a:cs typeface="Times New Roman" panose="02020503050405090304" pitchFamily="18" charset="0"/>
+                <a:sym typeface="+mn-ea"/>
+              </a:rPr>
+              <a:t>方法设计</a:t>
+            </a:r>
+          </a:p>
+          <a:p>
+            <a:pPr marL="457200" indent="-457200">
+              <a:lnSpc>
+                <a:spcPct val="140000"/>
+              </a:lnSpc>
+              <a:buFont typeface="Arial" panose="020B0604020202090204" pitchFamily="34" charset="0"/>
+              <a:buChar char="•"/>
+            </a:pPr>
+            <a:r>
+              <a:rPr lang="zh-CN" altLang="en-US" sz="4000" b="1" dirty="0">
+                <a:solidFill>
+                  <a:schemeClr val="bg2">
+                    <a:lumMod val="90000"/>
+                  </a:schemeClr>
+                </a:solidFill>
+                <a:ea typeface="微软雅黑" panose="020B0503020204020204" pitchFamily="34" charset="-122"/>
+                <a:cs typeface="Times New Roman" panose="02020503050405090304" pitchFamily="18" charset="0"/>
+                <a:sym typeface="+mn-ea"/>
+              </a:rPr>
+              <a:t>实验评估</a:t>
+            </a:r>
+            <a:endParaRPr lang="en-US" altLang="zh-CN" sz="4000" b="1" dirty="0">
+              <a:solidFill>
+                <a:schemeClr val="bg2">
+                  <a:lumMod val="90000"/>
+                </a:schemeClr>
+              </a:solidFill>
+              <a:ea typeface="微软雅黑" panose="020B0503020204020204" pitchFamily="34" charset="-122"/>
+              <a:cs typeface="Times New Roman" panose="02020503050405090304" pitchFamily="18" charset="0"/>
+            </a:endParaRPr>
+          </a:p>
+          <a:p>
+            <a:pPr marL="457200" indent="-457200">
+              <a:lnSpc>
+                <a:spcPct val="140000"/>
+              </a:lnSpc>
+              <a:buFont typeface="Arial" panose="020B0604020202090204" pitchFamily="34" charset="0"/>
+              <a:buChar char="•"/>
+            </a:pPr>
+            <a:r>
+              <a:rPr lang="zh-CN" altLang="en-US" sz="4000" b="1" dirty="0">
+                <a:solidFill>
+                  <a:schemeClr val="tx1"/>
+                </a:solidFill>
+                <a:ea typeface="微软雅黑" panose="020B0503020204020204" pitchFamily="34" charset="-122"/>
+                <a:cs typeface="Times New Roman" panose="02020503050405090304" pitchFamily="18" charset="0"/>
+              </a:rPr>
+              <a:t>工作总结</a:t>
             </a:r>
           </a:p>
         </p:txBody>
@@ -19245,10 +19235,10 @@
       </p:sp>
       <p:pic>
         <p:nvPicPr>
-          <p:cNvPr id="7" name="图片 6">
-            <a:extLst>
-              <a:ext uri="{FF2B5EF4-FFF2-40B4-BE49-F238E27FC236}">
-                <a16:creationId xmlns:a16="http://schemas.microsoft.com/office/drawing/2014/main" id="{0A144E87-2AEF-47CA-B8E0-0F40EC9D3AB9}"/>
+          <p:cNvPr id="24" name="图片 23">
+            <a:extLst>
+              <a:ext uri="{FF2B5EF4-FFF2-40B4-BE49-F238E27FC236}">
+                <a16:creationId xmlns:a16="http://schemas.microsoft.com/office/drawing/2014/main" id="{55C53CC8-157B-448E-A7CE-F8AC8958590F}"/>
               </a:ext>
             </a:extLst>
           </p:cNvPr>
@@ -19275,10 +19265,10 @@
       </p:pic>
       <p:sp>
         <p:nvSpPr>
-          <p:cNvPr id="8" name="文本框 7">
-            <a:extLst>
-              <a:ext uri="{FF2B5EF4-FFF2-40B4-BE49-F238E27FC236}">
-                <a16:creationId xmlns:a16="http://schemas.microsoft.com/office/drawing/2014/main" id="{40DD3AF4-26D1-45D9-9AA7-E6DFCD3F13C7}"/>
+          <p:cNvPr id="25" name="文本框 24">
+            <a:extLst>
+              <a:ext uri="{FF2B5EF4-FFF2-40B4-BE49-F238E27FC236}">
+                <a16:creationId xmlns:a16="http://schemas.microsoft.com/office/drawing/2014/main" id="{D555BAEC-58EB-4CBD-83E6-262AD1CEE5ED}"/>
               </a:ext>
             </a:extLst>
           </p:cNvPr>
@@ -19287,7 +19277,7 @@
         </p:nvSpPr>
         <p:spPr>
           <a:xfrm>
-            <a:off x="2917169" y="1141818"/>
+            <a:off x="2917169" y="1194914"/>
             <a:ext cx="6114360" cy="369332"/>
           </a:xfrm>
           <a:prstGeom prst="rect">
@@ -19311,10 +19301,10 @@
       </p:sp>
       <p:sp>
         <p:nvSpPr>
-          <p:cNvPr id="9" name="左大括号 8">
-            <a:extLst>
-              <a:ext uri="{FF2B5EF4-FFF2-40B4-BE49-F238E27FC236}">
-                <a16:creationId xmlns:a16="http://schemas.microsoft.com/office/drawing/2014/main" id="{1289A4C7-5E99-45C4-A0E2-269097EC5582}"/>
+          <p:cNvPr id="26" name="左大括号 25">
+            <a:extLst>
+              <a:ext uri="{FF2B5EF4-FFF2-40B4-BE49-F238E27FC236}">
+                <a16:creationId xmlns:a16="http://schemas.microsoft.com/office/drawing/2014/main" id="{D340A825-C414-45AC-A3A4-904B56D6C16C}"/>
               </a:ext>
             </a:extLst>
           </p:cNvPr>
@@ -19323,7 +19313,7 @@
         </p:nvSpPr>
         <p:spPr>
           <a:xfrm>
-            <a:off x="2414873" y="1238050"/>
+            <a:off x="2414873" y="1291146"/>
             <a:ext cx="260045" cy="2352367"/>
           </a:xfrm>
           <a:prstGeom prst="leftBrace">
@@ -19355,10 +19345,10 @@
       </p:sp>
       <p:sp>
         <p:nvSpPr>
-          <p:cNvPr id="11" name="文本框 10">
-            <a:extLst>
-              <a:ext uri="{FF2B5EF4-FFF2-40B4-BE49-F238E27FC236}">
-                <a16:creationId xmlns:a16="http://schemas.microsoft.com/office/drawing/2014/main" id="{99786FCD-A82B-42FA-8D7F-420AC2B2AEAB}"/>
+          <p:cNvPr id="27" name="文本框 26">
+            <a:extLst>
+              <a:ext uri="{FF2B5EF4-FFF2-40B4-BE49-F238E27FC236}">
+                <a16:creationId xmlns:a16="http://schemas.microsoft.com/office/drawing/2014/main" id="{77AED76C-DD65-41D9-B9D0-4274D84715EE}"/>
               </a:ext>
             </a:extLst>
           </p:cNvPr>
@@ -19367,7 +19357,7 @@
         </p:nvSpPr>
         <p:spPr>
           <a:xfrm>
-            <a:off x="3933474" y="1104656"/>
+            <a:off x="3933474" y="1157752"/>
             <a:ext cx="4081750" cy="369332"/>
           </a:xfrm>
           <a:prstGeom prst="rect">
@@ -19402,10 +19392,10 @@
       </p:sp>
       <p:sp>
         <p:nvSpPr>
-          <p:cNvPr id="15" name="文本框 14">
-            <a:extLst>
-              <a:ext uri="{FF2B5EF4-FFF2-40B4-BE49-F238E27FC236}">
-                <a16:creationId xmlns:a16="http://schemas.microsoft.com/office/drawing/2014/main" id="{CBF25DF3-7444-4797-9683-0BA40D6B5BA3}"/>
+          <p:cNvPr id="28" name="文本框 27">
+            <a:extLst>
+              <a:ext uri="{FF2B5EF4-FFF2-40B4-BE49-F238E27FC236}">
+                <a16:creationId xmlns:a16="http://schemas.microsoft.com/office/drawing/2014/main" id="{2B29B14C-E873-4AA9-B7E6-4C6B9F0B7CF8}"/>
               </a:ext>
             </a:extLst>
           </p:cNvPr>
@@ -19414,7 +19404,7 @@
         </p:nvSpPr>
         <p:spPr>
           <a:xfrm>
-            <a:off x="3886528" y="2134036"/>
+            <a:off x="3886528" y="2187132"/>
             <a:ext cx="5354198" cy="369332"/>
           </a:xfrm>
           <a:prstGeom prst="rect">
@@ -19441,10 +19431,10 @@
       </p:sp>
       <p:sp>
         <p:nvSpPr>
-          <p:cNvPr id="20" name="箭头: 上下 19">
-            <a:extLst>
-              <a:ext uri="{FF2B5EF4-FFF2-40B4-BE49-F238E27FC236}">
-                <a16:creationId xmlns:a16="http://schemas.microsoft.com/office/drawing/2014/main" id="{EE370C86-6C7A-484D-84C3-A1143978E9FE}"/>
+          <p:cNvPr id="29" name="箭头: 上下 28">
+            <a:extLst>
+              <a:ext uri="{FF2B5EF4-FFF2-40B4-BE49-F238E27FC236}">
+                <a16:creationId xmlns:a16="http://schemas.microsoft.com/office/drawing/2014/main" id="{6922330D-4F59-4101-8A3C-F89E0B234474}"/>
               </a:ext>
             </a:extLst>
           </p:cNvPr>
@@ -19453,7 +19443,7 @@
         </p:nvSpPr>
         <p:spPr>
           <a:xfrm>
-            <a:off x="3038407" y="1806157"/>
+            <a:off x="3038407" y="1859253"/>
             <a:ext cx="484632" cy="1216152"/>
           </a:xfrm>
           <a:prstGeom prst="upDownArrow">
@@ -19487,10 +19477,10 @@
       </p:sp>
       <p:sp>
         <p:nvSpPr>
-          <p:cNvPr id="21" name="文本框 20">
-            <a:extLst>
-              <a:ext uri="{FF2B5EF4-FFF2-40B4-BE49-F238E27FC236}">
-                <a16:creationId xmlns:a16="http://schemas.microsoft.com/office/drawing/2014/main" id="{99408EC0-FB5A-401B-A54B-DF3F70B87520}"/>
+          <p:cNvPr id="30" name="文本框 29">
+            <a:extLst>
+              <a:ext uri="{FF2B5EF4-FFF2-40B4-BE49-F238E27FC236}">
+                <a16:creationId xmlns:a16="http://schemas.microsoft.com/office/drawing/2014/main" id="{12083244-DE83-4174-A735-565627F51834}"/>
               </a:ext>
             </a:extLst>
           </p:cNvPr>
@@ -19499,7 +19489,7 @@
         </p:nvSpPr>
         <p:spPr>
           <a:xfrm>
-            <a:off x="2917169" y="3284308"/>
+            <a:off x="2917169" y="3337404"/>
             <a:ext cx="6114360" cy="369332"/>
           </a:xfrm>
           <a:prstGeom prst="rect">
@@ -19523,10 +19513,10 @@
       </p:sp>
       <p:sp>
         <p:nvSpPr>
-          <p:cNvPr id="22" name="文本框 21">
-            <a:extLst>
-              <a:ext uri="{FF2B5EF4-FFF2-40B4-BE49-F238E27FC236}">
-                <a16:creationId xmlns:a16="http://schemas.microsoft.com/office/drawing/2014/main" id="{F0E30829-16C2-4355-BC2E-150AAC279C24}"/>
+          <p:cNvPr id="31" name="文本框 30">
+            <a:extLst>
+              <a:ext uri="{FF2B5EF4-FFF2-40B4-BE49-F238E27FC236}">
+                <a16:creationId xmlns:a16="http://schemas.microsoft.com/office/drawing/2014/main" id="{303A0683-917C-435D-935B-7E0A8D8D1511}"/>
               </a:ext>
             </a:extLst>
           </p:cNvPr>
@@ -19535,7 +19525,7 @@
         </p:nvSpPr>
         <p:spPr>
           <a:xfrm>
-            <a:off x="3950465" y="3325894"/>
+            <a:off x="3950465" y="3378990"/>
             <a:ext cx="4291070" cy="369332"/>
           </a:xfrm>
           <a:prstGeom prst="rect">
@@ -19560,198 +19550,7 @@
           </a:p>
         </p:txBody>
       </p:sp>
-      <p:sp>
-        <p:nvSpPr>
-          <p:cNvPr id="3" name="文本框 2">
-            <a:extLst>
-              <a:ext uri="{FF2B5EF4-FFF2-40B4-BE49-F238E27FC236}">
-                <a16:creationId xmlns:a16="http://schemas.microsoft.com/office/drawing/2014/main" id="{7A177BB9-CEFB-4643-89D9-68A31841DCE5}"/>
-              </a:ext>
-            </a:extLst>
-          </p:cNvPr>
-          <p:cNvSpPr txBox="1"/>
-          <p:nvPr/>
-        </p:nvSpPr>
-        <p:spPr>
-          <a:xfrm>
-            <a:off x="3933474" y="1498049"/>
-            <a:ext cx="3908442" cy="369332"/>
-          </a:xfrm>
-          <a:prstGeom prst="rect">
-            <a:avLst/>
-          </a:prstGeom>
-          <a:noFill/>
-        </p:spPr>
-        <p:txBody>
-          <a:bodyPr wrap="none" rtlCol="0">
-            <a:spAutoFit/>
-          </a:bodyPr>
-          <a:lstStyle/>
-          <a:p>
-            <a:r>
-              <a:rPr lang="en-US" altLang="zh-CN" b="1" dirty="0">
-                <a:solidFill>
-                  <a:schemeClr val="accent1"/>
-                </a:solidFill>
-              </a:rPr>
-              <a:t>D1. </a:t>
-            </a:r>
-            <a:r>
-              <a:rPr lang="zh-CN" altLang="en-US" b="1" dirty="0">
-                <a:solidFill>
-                  <a:schemeClr val="accent1"/>
-                </a:solidFill>
-              </a:rPr>
-              <a:t>基于</a:t>
-            </a:r>
-            <a:r>
-              <a:rPr lang="en-US" altLang="zh-CN" b="1" dirty="0">
-                <a:solidFill>
-                  <a:schemeClr val="accent1"/>
-                </a:solidFill>
-              </a:rPr>
-              <a:t>PPO</a:t>
-            </a:r>
-            <a:r>
-              <a:rPr lang="zh-CN" altLang="en-US" b="1" dirty="0">
-                <a:solidFill>
-                  <a:schemeClr val="accent1"/>
-                </a:solidFill>
-              </a:rPr>
-              <a:t>强化学习的频率调节器</a:t>
-            </a:r>
-          </a:p>
-        </p:txBody>
-      </p:sp>
-      <p:sp>
-        <p:nvSpPr>
-          <p:cNvPr id="13" name="文本框 12">
-            <a:extLst>
-              <a:ext uri="{FF2B5EF4-FFF2-40B4-BE49-F238E27FC236}">
-                <a16:creationId xmlns:a16="http://schemas.microsoft.com/office/drawing/2014/main" id="{B9EBD46C-0315-47B8-840A-83FA529C48EA}"/>
-              </a:ext>
-            </a:extLst>
-          </p:cNvPr>
-          <p:cNvSpPr txBox="1"/>
-          <p:nvPr/>
-        </p:nvSpPr>
-        <p:spPr>
-          <a:xfrm>
-            <a:off x="3946079" y="3836417"/>
-            <a:ext cx="4706738" cy="369332"/>
-          </a:xfrm>
-          <a:prstGeom prst="rect">
-            <a:avLst/>
-          </a:prstGeom>
-          <a:noFill/>
-        </p:spPr>
-        <p:txBody>
-          <a:bodyPr wrap="none" rtlCol="0">
-            <a:spAutoFit/>
-          </a:bodyPr>
-          <a:lstStyle/>
-          <a:p>
-            <a:r>
-              <a:rPr lang="en-US" altLang="zh-CN" b="1" dirty="0">
-                <a:solidFill>
-                  <a:schemeClr val="accent1"/>
-                </a:solidFill>
-              </a:rPr>
-              <a:t>D2. </a:t>
-            </a:r>
-            <a:r>
-              <a:rPr lang="zh-CN" altLang="en-US" b="1" dirty="0">
-                <a:solidFill>
-                  <a:schemeClr val="accent1"/>
-                </a:solidFill>
-              </a:rPr>
-              <a:t>根据</a:t>
-            </a:r>
-            <a:r>
-              <a:rPr lang="en-US" altLang="zh-CN" b="1" dirty="0">
-                <a:solidFill>
-                  <a:schemeClr val="accent1"/>
-                </a:solidFill>
-              </a:rPr>
-              <a:t>IPS</a:t>
-            </a:r>
-            <a:r>
-              <a:rPr lang="zh-CN" altLang="en-US" b="1" dirty="0">
-                <a:solidFill>
-                  <a:schemeClr val="accent1"/>
-                </a:solidFill>
-              </a:rPr>
-              <a:t>、任务时钟，基于状态机来调度</a:t>
-            </a:r>
-          </a:p>
-        </p:txBody>
-      </p:sp>
-      <p:sp>
-        <p:nvSpPr>
-          <p:cNvPr id="6" name="文本框 5">
-            <a:extLst>
-              <a:ext uri="{FF2B5EF4-FFF2-40B4-BE49-F238E27FC236}">
-                <a16:creationId xmlns:a16="http://schemas.microsoft.com/office/drawing/2014/main" id="{5785DF60-C16A-4F96-B29F-D0416BFF34F6}"/>
-              </a:ext>
-            </a:extLst>
-          </p:cNvPr>
-          <p:cNvSpPr txBox="1"/>
-          <p:nvPr/>
-        </p:nvSpPr>
-        <p:spPr>
-          <a:xfrm>
-            <a:off x="3886528" y="2655576"/>
-            <a:ext cx="4406976" cy="369332"/>
-          </a:xfrm>
-          <a:prstGeom prst="rect">
-            <a:avLst/>
-          </a:prstGeom>
-          <a:noFill/>
-        </p:spPr>
-        <p:txBody>
-          <a:bodyPr wrap="none" rtlCol="0">
-            <a:spAutoFit/>
-          </a:bodyPr>
-          <a:lstStyle/>
-          <a:p>
-            <a:r>
-              <a:rPr lang="en-US" altLang="zh-CN" b="1" dirty="0">
-                <a:solidFill>
-                  <a:schemeClr val="accent1"/>
-                </a:solidFill>
-              </a:rPr>
-              <a:t>D3. </a:t>
-            </a:r>
-            <a:r>
-              <a:rPr lang="zh-CN" altLang="en-US" b="1" dirty="0">
-                <a:solidFill>
-                  <a:schemeClr val="accent1"/>
-                </a:solidFill>
-              </a:rPr>
-              <a:t>通过协调器进行消息传递、工作协调</a:t>
-            </a:r>
-            <a:r>
-              <a:rPr lang="en-US" altLang="zh-CN" b="1" dirty="0">
-                <a:solidFill>
-                  <a:schemeClr val="accent1"/>
-                </a:solidFill>
-              </a:rPr>
-              <a:t> </a:t>
-            </a:r>
-            <a:endParaRPr lang="zh-CN" altLang="en-US" b="1" dirty="0">
-              <a:solidFill>
-                <a:schemeClr val="accent1"/>
-              </a:solidFill>
-            </a:endParaRPr>
-          </a:p>
-        </p:txBody>
-      </p:sp>
     </p:spTree>
-    <p:extLst>
-      <p:ext uri="{BB962C8B-B14F-4D97-AF65-F5344CB8AC3E}">
-        <p14:creationId xmlns:p14="http://schemas.microsoft.com/office/powerpoint/2010/main" val="2685890158"/>
-      </p:ext>
-    </p:extLst>
   </p:cSld>
   <p:clrMapOvr>
     <a:masterClrMapping/>
@@ -19875,7 +19674,7 @@
         </p:nvSpPr>
         <p:spPr>
           <a:xfrm>
-            <a:off x="2793746" y="1121100"/>
+            <a:off x="2917169" y="1141818"/>
             <a:ext cx="6114360" cy="369332"/>
           </a:xfrm>
           <a:prstGeom prst="rect">
@@ -19911,7 +19710,7 @@
         </p:nvSpPr>
         <p:spPr>
           <a:xfrm>
-            <a:off x="2291450" y="1217332"/>
+            <a:off x="2414873" y="1238050"/>
             <a:ext cx="260045" cy="2352367"/>
           </a:xfrm>
           <a:prstGeom prst="leftBrace">
@@ -19955,7 +19754,7 @@
         </p:nvSpPr>
         <p:spPr>
           <a:xfrm>
-            <a:off x="3810051" y="1083938"/>
+            <a:off x="3933474" y="1104656"/>
             <a:ext cx="4081750" cy="369332"/>
           </a:xfrm>
           <a:prstGeom prst="rect">
@@ -20002,7 +19801,7 @@
         </p:nvSpPr>
         <p:spPr>
           <a:xfrm>
-            <a:off x="3763105" y="2113318"/>
+            <a:off x="3886528" y="2134036"/>
             <a:ext cx="5354198" cy="369332"/>
           </a:xfrm>
           <a:prstGeom prst="rect">
@@ -20041,7 +19840,7 @@
         </p:nvSpPr>
         <p:spPr>
           <a:xfrm>
-            <a:off x="2914984" y="1785439"/>
+            <a:off x="3038407" y="1806157"/>
             <a:ext cx="484632" cy="1216152"/>
           </a:xfrm>
           <a:prstGeom prst="upDownArrow">
@@ -20087,6 +19886,594 @@
         </p:nvSpPr>
         <p:spPr>
           <a:xfrm>
+            <a:off x="2917169" y="3284308"/>
+            <a:ext cx="6114360" cy="369332"/>
+          </a:xfrm>
+          <a:prstGeom prst="rect">
+            <a:avLst/>
+          </a:prstGeom>
+          <a:noFill/>
+        </p:spPr>
+        <p:txBody>
+          <a:bodyPr wrap="square">
+            <a:spAutoFit/>
+          </a:bodyPr>
+          <a:lstStyle/>
+          <a:p>
+            <a:r>
+              <a:rPr lang="zh-CN" altLang="en-US" sz="1800" b="1" dirty="0"/>
+              <a:t>线程调度</a:t>
+            </a:r>
+            <a:endParaRPr lang="zh-CN" altLang="en-US" dirty="0"/>
+          </a:p>
+        </p:txBody>
+      </p:sp>
+      <p:sp>
+        <p:nvSpPr>
+          <p:cNvPr id="22" name="文本框 21">
+            <a:extLst>
+              <a:ext uri="{FF2B5EF4-FFF2-40B4-BE49-F238E27FC236}">
+                <a16:creationId xmlns:a16="http://schemas.microsoft.com/office/drawing/2014/main" id="{F0E30829-16C2-4355-BC2E-150AAC279C24}"/>
+              </a:ext>
+            </a:extLst>
+          </p:cNvPr>
+          <p:cNvSpPr txBox="1"/>
+          <p:nvPr/>
+        </p:nvSpPr>
+        <p:spPr>
+          <a:xfrm>
+            <a:off x="3950465" y="3325894"/>
+            <a:ext cx="4291070" cy="369332"/>
+          </a:xfrm>
+          <a:prstGeom prst="rect">
+            <a:avLst/>
+          </a:prstGeom>
+          <a:noFill/>
+        </p:spPr>
+        <p:txBody>
+          <a:bodyPr wrap="square">
+            <a:spAutoFit/>
+          </a:bodyPr>
+          <a:lstStyle/>
+          <a:p>
+            <a:r>
+              <a:rPr lang="en-US" altLang="zh-CN" b="1" dirty="0"/>
+              <a:t>C2. QoS</a:t>
+            </a:r>
+            <a:r>
+              <a:rPr lang="zh-CN" altLang="en-US" b="1" dirty="0"/>
+              <a:t>需求很难传递给线程调度器</a:t>
+            </a:r>
+          </a:p>
+        </p:txBody>
+      </p:sp>
+      <p:sp>
+        <p:nvSpPr>
+          <p:cNvPr id="3" name="文本框 2">
+            <a:extLst>
+              <a:ext uri="{FF2B5EF4-FFF2-40B4-BE49-F238E27FC236}">
+                <a16:creationId xmlns:a16="http://schemas.microsoft.com/office/drawing/2014/main" id="{7A177BB9-CEFB-4643-89D9-68A31841DCE5}"/>
+              </a:ext>
+            </a:extLst>
+          </p:cNvPr>
+          <p:cNvSpPr txBox="1"/>
+          <p:nvPr/>
+        </p:nvSpPr>
+        <p:spPr>
+          <a:xfrm>
+            <a:off x="3933474" y="1498049"/>
+            <a:ext cx="3908442" cy="369332"/>
+          </a:xfrm>
+          <a:prstGeom prst="rect">
+            <a:avLst/>
+          </a:prstGeom>
+          <a:noFill/>
+        </p:spPr>
+        <p:txBody>
+          <a:bodyPr wrap="none" rtlCol="0">
+            <a:spAutoFit/>
+          </a:bodyPr>
+          <a:lstStyle/>
+          <a:p>
+            <a:r>
+              <a:rPr lang="en-US" altLang="zh-CN" b="1" dirty="0">
+                <a:solidFill>
+                  <a:schemeClr val="accent1"/>
+                </a:solidFill>
+              </a:rPr>
+              <a:t>D1. </a:t>
+            </a:r>
+            <a:r>
+              <a:rPr lang="zh-CN" altLang="en-US" b="1" dirty="0">
+                <a:solidFill>
+                  <a:schemeClr val="accent1"/>
+                </a:solidFill>
+              </a:rPr>
+              <a:t>基于</a:t>
+            </a:r>
+            <a:r>
+              <a:rPr lang="en-US" altLang="zh-CN" b="1" dirty="0">
+                <a:solidFill>
+                  <a:schemeClr val="accent1"/>
+                </a:solidFill>
+              </a:rPr>
+              <a:t>PPO</a:t>
+            </a:r>
+            <a:r>
+              <a:rPr lang="zh-CN" altLang="en-US" b="1" dirty="0">
+                <a:solidFill>
+                  <a:schemeClr val="accent1"/>
+                </a:solidFill>
+              </a:rPr>
+              <a:t>强化学习的频率调节器</a:t>
+            </a:r>
+          </a:p>
+        </p:txBody>
+      </p:sp>
+      <p:sp>
+        <p:nvSpPr>
+          <p:cNvPr id="13" name="文本框 12">
+            <a:extLst>
+              <a:ext uri="{FF2B5EF4-FFF2-40B4-BE49-F238E27FC236}">
+                <a16:creationId xmlns:a16="http://schemas.microsoft.com/office/drawing/2014/main" id="{B9EBD46C-0315-47B8-840A-83FA529C48EA}"/>
+              </a:ext>
+            </a:extLst>
+          </p:cNvPr>
+          <p:cNvSpPr txBox="1"/>
+          <p:nvPr/>
+        </p:nvSpPr>
+        <p:spPr>
+          <a:xfrm>
+            <a:off x="3946079" y="3836417"/>
+            <a:ext cx="4706738" cy="369332"/>
+          </a:xfrm>
+          <a:prstGeom prst="rect">
+            <a:avLst/>
+          </a:prstGeom>
+          <a:noFill/>
+        </p:spPr>
+        <p:txBody>
+          <a:bodyPr wrap="none" rtlCol="0">
+            <a:spAutoFit/>
+          </a:bodyPr>
+          <a:lstStyle/>
+          <a:p>
+            <a:r>
+              <a:rPr lang="en-US" altLang="zh-CN" b="1" dirty="0">
+                <a:solidFill>
+                  <a:schemeClr val="accent1"/>
+                </a:solidFill>
+              </a:rPr>
+              <a:t>D2. </a:t>
+            </a:r>
+            <a:r>
+              <a:rPr lang="zh-CN" altLang="en-US" b="1" dirty="0">
+                <a:solidFill>
+                  <a:schemeClr val="accent1"/>
+                </a:solidFill>
+              </a:rPr>
+              <a:t>根据</a:t>
+            </a:r>
+            <a:r>
+              <a:rPr lang="en-US" altLang="zh-CN" b="1" dirty="0">
+                <a:solidFill>
+                  <a:schemeClr val="accent1"/>
+                </a:solidFill>
+              </a:rPr>
+              <a:t>IPS</a:t>
+            </a:r>
+            <a:r>
+              <a:rPr lang="zh-CN" altLang="en-US" b="1" dirty="0">
+                <a:solidFill>
+                  <a:schemeClr val="accent1"/>
+                </a:solidFill>
+              </a:rPr>
+              <a:t>、任务时钟，基于状态机来调度</a:t>
+            </a:r>
+          </a:p>
+        </p:txBody>
+      </p:sp>
+      <p:sp>
+        <p:nvSpPr>
+          <p:cNvPr id="6" name="文本框 5">
+            <a:extLst>
+              <a:ext uri="{FF2B5EF4-FFF2-40B4-BE49-F238E27FC236}">
+                <a16:creationId xmlns:a16="http://schemas.microsoft.com/office/drawing/2014/main" id="{5785DF60-C16A-4F96-B29F-D0416BFF34F6}"/>
+              </a:ext>
+            </a:extLst>
+          </p:cNvPr>
+          <p:cNvSpPr txBox="1"/>
+          <p:nvPr/>
+        </p:nvSpPr>
+        <p:spPr>
+          <a:xfrm>
+            <a:off x="3886528" y="2655576"/>
+            <a:ext cx="4406976" cy="369332"/>
+          </a:xfrm>
+          <a:prstGeom prst="rect">
+            <a:avLst/>
+          </a:prstGeom>
+          <a:noFill/>
+        </p:spPr>
+        <p:txBody>
+          <a:bodyPr wrap="none" rtlCol="0">
+            <a:spAutoFit/>
+          </a:bodyPr>
+          <a:lstStyle/>
+          <a:p>
+            <a:r>
+              <a:rPr lang="en-US" altLang="zh-CN" b="1" dirty="0">
+                <a:solidFill>
+                  <a:schemeClr val="accent1"/>
+                </a:solidFill>
+              </a:rPr>
+              <a:t>D3. </a:t>
+            </a:r>
+            <a:r>
+              <a:rPr lang="zh-CN" altLang="en-US" b="1" dirty="0">
+                <a:solidFill>
+                  <a:schemeClr val="accent1"/>
+                </a:solidFill>
+              </a:rPr>
+              <a:t>通过协调器进行消息传递、工作协调</a:t>
+            </a:r>
+            <a:r>
+              <a:rPr lang="en-US" altLang="zh-CN" b="1" dirty="0">
+                <a:solidFill>
+                  <a:schemeClr val="accent1"/>
+                </a:solidFill>
+              </a:rPr>
+              <a:t> </a:t>
+            </a:r>
+            <a:endParaRPr lang="zh-CN" altLang="en-US" b="1" dirty="0">
+              <a:solidFill>
+                <a:schemeClr val="accent1"/>
+              </a:solidFill>
+            </a:endParaRPr>
+          </a:p>
+        </p:txBody>
+      </p:sp>
+    </p:spTree>
+    <p:extLst>
+      <p:ext uri="{BB962C8B-B14F-4D97-AF65-F5344CB8AC3E}">
+        <p14:creationId xmlns:p14="http://schemas.microsoft.com/office/powerpoint/2010/main" val="2685890158"/>
+      </p:ext>
+    </p:extLst>
+  </p:cSld>
+  <p:clrMapOvr>
+    <a:masterClrMapping/>
+  </p:clrMapOvr>
+</p:sld>
+</file>
+
+<file path=ppt/slides/slide36.xml><?xml version="1.0" encoding="utf-8"?>
+<p:sld xmlns:a="http://schemas.openxmlformats.org/drawingml/2006/main" xmlns:r="http://schemas.openxmlformats.org/officeDocument/2006/relationships" xmlns:p="http://schemas.openxmlformats.org/presentationml/2006/main">
+  <p:cSld>
+    <p:spTree>
+      <p:nvGrpSpPr>
+        <p:cNvPr id="1" name=""/>
+        <p:cNvGrpSpPr/>
+        <p:nvPr/>
+      </p:nvGrpSpPr>
+      <p:grpSpPr>
+        <a:xfrm>
+          <a:off x="0" y="0"/>
+          <a:ext cx="0" cy="0"/>
+          <a:chOff x="0" y="0"/>
+          <a:chExt cx="0" cy="0"/>
+        </a:xfrm>
+      </p:grpSpPr>
+      <p:sp>
+        <p:nvSpPr>
+          <p:cNvPr id="2" name="灯片编号占位符 1"/>
+          <p:cNvSpPr>
+            <a:spLocks noGrp="1"/>
+          </p:cNvSpPr>
+          <p:nvPr>
+            <p:ph type="sldNum" sz="quarter" idx="4"/>
+          </p:nvPr>
+        </p:nvSpPr>
+        <p:spPr/>
+        <p:txBody>
+          <a:bodyPr/>
+          <a:lstStyle/>
+          <a:p>
+            <a:fld id="{32CC1993-4A58-5441-BC2A-C02768F05C35}" type="slidenum">
+              <a:rPr kumimoji="1" lang="zh-CN" altLang="en-US" smtClean="0"/>
+              <a:t>36</a:t>
+            </a:fld>
+            <a:endParaRPr kumimoji="1" lang="zh-CN" altLang="en-US" dirty="0"/>
+          </a:p>
+        </p:txBody>
+      </p:sp>
+      <p:sp>
+        <p:nvSpPr>
+          <p:cNvPr id="5" name="Title 1"/>
+          <p:cNvSpPr>
+            <a:spLocks noGrp="1"/>
+          </p:cNvSpPr>
+          <p:nvPr>
+            <p:ph type="title"/>
+          </p:nvPr>
+        </p:nvSpPr>
+        <p:spPr>
+          <a:xfrm>
+            <a:off x="355600" y="18511"/>
+            <a:ext cx="11836400" cy="909224"/>
+          </a:xfrm>
+        </p:spPr>
+        <p:txBody>
+          <a:bodyPr>
+            <a:normAutofit/>
+          </a:bodyPr>
+          <a:lstStyle/>
+          <a:p>
+            <a:r>
+              <a:rPr lang="zh-CN" altLang="en-US" b="1" dirty="0">
+                <a:latin typeface="Calibri" panose="020F0502020204030204" pitchFamily="34" charset="0"/>
+                <a:cs typeface="Calibri" panose="020F0502020204030204" pitchFamily="34" charset="0"/>
+              </a:rPr>
+              <a:t>工作总结</a:t>
+            </a:r>
+          </a:p>
+        </p:txBody>
+      </p:sp>
+      <p:pic>
+        <p:nvPicPr>
+          <p:cNvPr id="7" name="图片 6">
+            <a:extLst>
+              <a:ext uri="{FF2B5EF4-FFF2-40B4-BE49-F238E27FC236}">
+                <a16:creationId xmlns:a16="http://schemas.microsoft.com/office/drawing/2014/main" id="{0A144E87-2AEF-47CA-B8E0-0F40EC9D3AB9}"/>
+              </a:ext>
+            </a:extLst>
+          </p:cNvPr>
+          <p:cNvPicPr>
+            <a:picLocks noChangeAspect="1"/>
+          </p:cNvPicPr>
+          <p:nvPr/>
+        </p:nvPicPr>
+        <p:blipFill>
+          <a:blip r:embed="rId3"/>
+          <a:stretch>
+            <a:fillRect/>
+          </a:stretch>
+        </p:blipFill>
+        <p:spPr>
+          <a:xfrm>
+            <a:off x="437361" y="1121100"/>
+            <a:ext cx="1878481" cy="3583029"/>
+          </a:xfrm>
+          <a:prstGeom prst="rect">
+            <a:avLst/>
+          </a:prstGeom>
+        </p:spPr>
+      </p:pic>
+      <p:sp>
+        <p:nvSpPr>
+          <p:cNvPr id="8" name="文本框 7">
+            <a:extLst>
+              <a:ext uri="{FF2B5EF4-FFF2-40B4-BE49-F238E27FC236}">
+                <a16:creationId xmlns:a16="http://schemas.microsoft.com/office/drawing/2014/main" id="{40DD3AF4-26D1-45D9-9AA7-E6DFCD3F13C7}"/>
+              </a:ext>
+            </a:extLst>
+          </p:cNvPr>
+          <p:cNvSpPr txBox="1"/>
+          <p:nvPr/>
+        </p:nvSpPr>
+        <p:spPr>
+          <a:xfrm>
+            <a:off x="2793746" y="1121100"/>
+            <a:ext cx="6114360" cy="369332"/>
+          </a:xfrm>
+          <a:prstGeom prst="rect">
+            <a:avLst/>
+          </a:prstGeom>
+          <a:noFill/>
+        </p:spPr>
+        <p:txBody>
+          <a:bodyPr wrap="square">
+            <a:spAutoFit/>
+          </a:bodyPr>
+          <a:lstStyle/>
+          <a:p>
+            <a:r>
+              <a:rPr lang="zh-CN" altLang="en-US" sz="1800" b="1" dirty="0"/>
+              <a:t>频率调节</a:t>
+            </a:r>
+            <a:endParaRPr lang="zh-CN" altLang="en-US" dirty="0"/>
+          </a:p>
+        </p:txBody>
+      </p:sp>
+      <p:sp>
+        <p:nvSpPr>
+          <p:cNvPr id="9" name="左大括号 8">
+            <a:extLst>
+              <a:ext uri="{FF2B5EF4-FFF2-40B4-BE49-F238E27FC236}">
+                <a16:creationId xmlns:a16="http://schemas.microsoft.com/office/drawing/2014/main" id="{1289A4C7-5E99-45C4-A0E2-269097EC5582}"/>
+              </a:ext>
+            </a:extLst>
+          </p:cNvPr>
+          <p:cNvSpPr/>
+          <p:nvPr/>
+        </p:nvSpPr>
+        <p:spPr>
+          <a:xfrm>
+            <a:off x="2291450" y="1217332"/>
+            <a:ext cx="260045" cy="2352367"/>
+          </a:xfrm>
+          <a:prstGeom prst="leftBrace">
+            <a:avLst/>
+          </a:prstGeom>
+        </p:spPr>
+        <p:style>
+          <a:lnRef idx="1">
+            <a:schemeClr val="accent1"/>
+          </a:lnRef>
+          <a:fillRef idx="0">
+            <a:schemeClr val="accent1"/>
+          </a:fillRef>
+          <a:effectRef idx="0">
+            <a:schemeClr val="accent1"/>
+          </a:effectRef>
+          <a:fontRef idx="minor">
+            <a:schemeClr val="tx1"/>
+          </a:fontRef>
+        </p:style>
+        <p:txBody>
+          <a:bodyPr rtlCol="0" anchor="ctr"/>
+          <a:lstStyle/>
+          <a:p>
+            <a:pPr algn="ctr"/>
+            <a:endParaRPr lang="zh-CN" altLang="en-US"/>
+          </a:p>
+        </p:txBody>
+      </p:sp>
+      <p:sp>
+        <p:nvSpPr>
+          <p:cNvPr id="11" name="文本框 10">
+            <a:extLst>
+              <a:ext uri="{FF2B5EF4-FFF2-40B4-BE49-F238E27FC236}">
+                <a16:creationId xmlns:a16="http://schemas.microsoft.com/office/drawing/2014/main" id="{99786FCD-A82B-42FA-8D7F-420AC2B2AEAB}"/>
+              </a:ext>
+            </a:extLst>
+          </p:cNvPr>
+          <p:cNvSpPr txBox="1"/>
+          <p:nvPr/>
+        </p:nvSpPr>
+        <p:spPr>
+          <a:xfrm>
+            <a:off x="3810051" y="1083938"/>
+            <a:ext cx="4081750" cy="369332"/>
+          </a:xfrm>
+          <a:prstGeom prst="rect">
+            <a:avLst/>
+          </a:prstGeom>
+          <a:noFill/>
+        </p:spPr>
+        <p:txBody>
+          <a:bodyPr wrap="square">
+            <a:spAutoFit/>
+          </a:bodyPr>
+          <a:lstStyle/>
+          <a:p>
+            <a:r>
+              <a:rPr lang="en-US" altLang="zh-CN" b="1" dirty="0"/>
+              <a:t>C1. </a:t>
+            </a:r>
+            <a:r>
+              <a:rPr lang="zh-CN" altLang="en-US" b="1" dirty="0"/>
+              <a:t>频率调节器只考虑</a:t>
+            </a:r>
+            <a:r>
+              <a:rPr lang="en-US" altLang="zh-CN" b="1" dirty="0"/>
+              <a:t>CPU</a:t>
+            </a:r>
+            <a:r>
+              <a:rPr lang="zh-CN" altLang="en-US" b="1" dirty="0"/>
+              <a:t>利用率</a:t>
+            </a:r>
+          </a:p>
+        </p:txBody>
+      </p:sp>
+      <p:sp>
+        <p:nvSpPr>
+          <p:cNvPr id="15" name="文本框 14">
+            <a:extLst>
+              <a:ext uri="{FF2B5EF4-FFF2-40B4-BE49-F238E27FC236}">
+                <a16:creationId xmlns:a16="http://schemas.microsoft.com/office/drawing/2014/main" id="{CBF25DF3-7444-4797-9683-0BA40D6B5BA3}"/>
+              </a:ext>
+            </a:extLst>
+          </p:cNvPr>
+          <p:cNvSpPr txBox="1"/>
+          <p:nvPr/>
+        </p:nvSpPr>
+        <p:spPr>
+          <a:xfrm>
+            <a:off x="3763105" y="2113318"/>
+            <a:ext cx="5354198" cy="369332"/>
+          </a:xfrm>
+          <a:prstGeom prst="rect">
+            <a:avLst/>
+          </a:prstGeom>
+          <a:noFill/>
+        </p:spPr>
+        <p:txBody>
+          <a:bodyPr wrap="square" rtlCol="0">
+            <a:spAutoFit/>
+          </a:bodyPr>
+          <a:lstStyle/>
+          <a:p>
+            <a:r>
+              <a:rPr lang="en-US" altLang="zh-CN" b="1" dirty="0"/>
+              <a:t>C3. </a:t>
+            </a:r>
+            <a:r>
+              <a:rPr lang="zh-CN" altLang="en-US" b="1" dirty="0"/>
+              <a:t>没有考虑线程调度和频率调节两者之间的联系</a:t>
+            </a:r>
+          </a:p>
+        </p:txBody>
+      </p:sp>
+      <p:sp>
+        <p:nvSpPr>
+          <p:cNvPr id="20" name="箭头: 上下 19">
+            <a:extLst>
+              <a:ext uri="{FF2B5EF4-FFF2-40B4-BE49-F238E27FC236}">
+                <a16:creationId xmlns:a16="http://schemas.microsoft.com/office/drawing/2014/main" id="{EE370C86-6C7A-484D-84C3-A1143978E9FE}"/>
+              </a:ext>
+            </a:extLst>
+          </p:cNvPr>
+          <p:cNvSpPr/>
+          <p:nvPr/>
+        </p:nvSpPr>
+        <p:spPr>
+          <a:xfrm>
+            <a:off x="2914984" y="1785439"/>
+            <a:ext cx="484632" cy="1216152"/>
+          </a:xfrm>
+          <a:prstGeom prst="upDownArrow">
+            <a:avLst/>
+          </a:prstGeom>
+        </p:spPr>
+        <p:style>
+          <a:lnRef idx="2">
+            <a:schemeClr val="accent1">
+              <a:shade val="50000"/>
+            </a:schemeClr>
+          </a:lnRef>
+          <a:fillRef idx="1">
+            <a:schemeClr val="accent1"/>
+          </a:fillRef>
+          <a:effectRef idx="0">
+            <a:schemeClr val="accent1"/>
+          </a:effectRef>
+          <a:fontRef idx="minor">
+            <a:schemeClr val="lt1"/>
+          </a:fontRef>
+        </p:style>
+        <p:txBody>
+          <a:bodyPr rtlCol="0" anchor="ctr"/>
+          <a:lstStyle/>
+          <a:p>
+            <a:pPr algn="ctr"/>
+            <a:endParaRPr lang="zh-CN" altLang="en-US"/>
+          </a:p>
+        </p:txBody>
+      </p:sp>
+      <p:sp>
+        <p:nvSpPr>
+          <p:cNvPr id="21" name="文本框 20">
+            <a:extLst>
+              <a:ext uri="{FF2B5EF4-FFF2-40B4-BE49-F238E27FC236}">
+                <a16:creationId xmlns:a16="http://schemas.microsoft.com/office/drawing/2014/main" id="{99408EC0-FB5A-401B-A54B-DF3F70B87520}"/>
+              </a:ext>
+            </a:extLst>
+          </p:cNvPr>
+          <p:cNvSpPr txBox="1"/>
+          <p:nvPr/>
+        </p:nvSpPr>
+        <p:spPr>
+          <a:xfrm>
             <a:off x="2793746" y="3263590"/>
             <a:ext cx="6114360" cy="369332"/>
           </a:xfrm>
@@ -20377,7 +20764,7 @@
 </p:sld>
 </file>
 
-<file path=ppt/slides/slide36.xml><?xml version="1.0" encoding="utf-8"?>
+<file path=ppt/slides/slide37.xml><?xml version="1.0" encoding="utf-8"?>
 <p:sld xmlns:a="http://schemas.openxmlformats.org/drawingml/2006/main" xmlns:r="http://schemas.openxmlformats.org/officeDocument/2006/relationships" xmlns:p="http://schemas.openxmlformats.org/presentationml/2006/main">
   <p:cSld>
     <p:spTree>
@@ -21624,7 +22011,7 @@
         <p:spPr>
           <a:xfrm>
             <a:off x="558799" y="1261533"/>
-            <a:ext cx="4198650" cy="830997"/>
+            <a:ext cx="4193840" cy="830997"/>
           </a:xfrm>
           <a:prstGeom prst="rect">
             <a:avLst/>
@@ -21643,7 +22030,7 @@
             </a:r>
             <a:r>
               <a:rPr lang="en-US" altLang="zh-CN" sz="2400" b="1" dirty="0" err="1"/>
-              <a:t>Big.LITTLE</a:t>
+              <a:t>big.LITTLE</a:t>
             </a:r>
             <a:r>
               <a:rPr lang="zh-CN" altLang="en-US" sz="2400" b="1" dirty="0"/>
@@ -22918,12 +23305,16 @@
           </a:p>
           <a:p>
             <a:r>
+              <a:rPr lang="en-US" altLang="zh-CN" dirty="0"/>
+              <a:t>Limitation1</a:t>
+            </a:r>
+            <a:r>
               <a:rPr lang="en-US" altLang="zh-CN" dirty="0">
                 <a:solidFill>
                   <a:srgbClr val="FF0000"/>
                 </a:solidFill>
               </a:rPr>
-              <a:t>Limitation1. </a:t>
+              <a:t>. </a:t>
             </a:r>
             <a:r>
               <a:rPr lang="zh-CN" altLang="en-US" dirty="0">
@@ -22931,7 +23322,11 @@
                   <a:srgbClr val="FF0000"/>
                 </a:solidFill>
               </a:rPr>
-              <a:t>线程调度忽视应用层</a:t>
+              <a:t>线程调度</a:t>
+            </a:r>
+            <a:r>
+              <a:rPr lang="zh-CN" altLang="en-US" dirty="0"/>
+              <a:t>忽视应用层</a:t>
             </a:r>
             <a:r>
               <a:rPr lang="en-US" altLang="zh-CN" dirty="0">
@@ -22979,40 +23374,32 @@
           </a:p>
           <a:p>
             <a:r>
+              <a:rPr lang="en-US" altLang="zh-CN" dirty="0"/>
+              <a:t>Limitation2. </a:t>
+            </a:r>
+            <a:r>
+              <a:rPr lang="zh-CN" altLang="en-US" dirty="0">
+                <a:solidFill>
+                  <a:srgbClr val="FF0000"/>
+                </a:solidFill>
+              </a:rPr>
+              <a:t>频率调节</a:t>
+            </a:r>
+            <a:r>
+              <a:rPr lang="zh-CN" altLang="en-US" dirty="0"/>
+              <a:t>和</a:t>
+            </a:r>
+            <a:r>
               <a:rPr lang="en-US" altLang="zh-CN" dirty="0">
                 <a:solidFill>
                   <a:srgbClr val="FF0000"/>
                 </a:solidFill>
               </a:rPr>
-              <a:t>Limitation2. </a:t>
-            </a:r>
-            <a:r>
-              <a:rPr lang="zh-CN" altLang="en-US" dirty="0">
-                <a:solidFill>
-                  <a:srgbClr val="FF0000"/>
-                </a:solidFill>
-              </a:rPr>
-              <a:t>频率调节和</a:t>
-            </a:r>
-            <a:r>
-              <a:rPr lang="en-US" altLang="zh-CN" dirty="0">
-                <a:solidFill>
-                  <a:srgbClr val="FF0000"/>
-                </a:solidFill>
-              </a:rPr>
               <a:t>QoS</a:t>
             </a:r>
             <a:r>
-              <a:rPr lang="zh-CN" altLang="en-US" dirty="0">
-                <a:solidFill>
-                  <a:srgbClr val="FF0000"/>
-                </a:solidFill>
-              </a:rPr>
-              <a:t>之间不匹配</a:t>
-            </a:r>
-            <a:r>
               <a:rPr lang="zh-CN" altLang="en-US" dirty="0"/>
-              <a:t>。一些线程可能对帧渲染有贡献，但其</a:t>
+              <a:t>之间不匹配。一些线程可能对帧渲染有贡献，但其</a:t>
             </a:r>
             <a:r>
               <a:rPr lang="en-US" altLang="zh-CN" dirty="0"/>
@@ -23053,12 +23440,20 @@
           </a:p>
           <a:p>
             <a:r>
+              <a:rPr lang="en-US" altLang="zh-CN" dirty="0"/>
+              <a:t>Limitation3.</a:t>
+            </a:r>
+            <a:r>
               <a:rPr lang="en-US" altLang="zh-CN" dirty="0">
                 <a:solidFill>
                   <a:srgbClr val="FF0000"/>
                 </a:solidFill>
               </a:rPr>
-              <a:t>Limitation3. </a:t>
+              <a:t> </a:t>
+            </a:r>
+            <a:r>
+              <a:rPr lang="zh-CN" altLang="en-US" dirty="0"/>
+              <a:t>没有考虑</a:t>
             </a:r>
             <a:r>
               <a:rPr lang="zh-CN" altLang="en-US" dirty="0">
@@ -23066,7 +23461,7 @@
                   <a:srgbClr val="FF0000"/>
                 </a:solidFill>
               </a:rPr>
-              <a:t>没有考虑线程调度和频率调节相互作用问题</a:t>
+              <a:t>线程调度和频率调节相互作用问题</a:t>
             </a:r>
             <a:r>
               <a:rPr lang="zh-CN" altLang="en-US" dirty="0"/>
@@ -23235,283 +23630,6 @@
       </p:sp>
       <p:sp>
         <p:nvSpPr>
-          <p:cNvPr id="5" name="文本框 4">
-            <a:extLst>
-              <a:ext uri="{FF2B5EF4-FFF2-40B4-BE49-F238E27FC236}">
-                <a16:creationId xmlns:a16="http://schemas.microsoft.com/office/drawing/2014/main" id="{B173851F-921F-4CC0-8AC8-9480DEDCC99D}"/>
-              </a:ext>
-            </a:extLst>
-          </p:cNvPr>
-          <p:cNvSpPr txBox="1"/>
-          <p:nvPr/>
-        </p:nvSpPr>
-        <p:spPr>
-          <a:xfrm>
-            <a:off x="355600" y="1720840"/>
-            <a:ext cx="10236200" cy="4801314"/>
-          </a:xfrm>
-          <a:prstGeom prst="rect">
-            <a:avLst/>
-          </a:prstGeom>
-          <a:noFill/>
-        </p:spPr>
-        <p:txBody>
-          <a:bodyPr wrap="square">
-            <a:spAutoFit/>
-          </a:bodyPr>
-          <a:lstStyle/>
-          <a:p>
-            <a:r>
-              <a:rPr lang="zh-CN" altLang="en-US" dirty="0"/>
-              <a:t>线程调度器和频率调节器主要依赖于</a:t>
-            </a:r>
-            <a:r>
-              <a:rPr lang="en-US" altLang="zh-CN" dirty="0">
-                <a:solidFill>
-                  <a:srgbClr val="FF0000"/>
-                </a:solidFill>
-              </a:rPr>
-              <a:t>CPU</a:t>
-            </a:r>
-            <a:r>
-              <a:rPr lang="zh-CN" altLang="en-US" dirty="0">
-                <a:solidFill>
-                  <a:srgbClr val="FF0000"/>
-                </a:solidFill>
-              </a:rPr>
-              <a:t>的利用率</a:t>
-            </a:r>
-            <a:r>
-              <a:rPr lang="zh-CN" altLang="en-US" dirty="0"/>
-              <a:t>来做决策，但</a:t>
-            </a:r>
-            <a:r>
-              <a:rPr lang="zh-CN" altLang="en-US" dirty="0">
-                <a:solidFill>
-                  <a:srgbClr val="FF0000"/>
-                </a:solidFill>
-              </a:rPr>
-              <a:t>忽略了上层应用的</a:t>
-            </a:r>
-            <a:r>
-              <a:rPr lang="en-US" altLang="zh-CN" dirty="0">
-                <a:solidFill>
-                  <a:srgbClr val="FF0000"/>
-                </a:solidFill>
-              </a:rPr>
-              <a:t>QoS</a:t>
-            </a:r>
-            <a:r>
-              <a:rPr lang="zh-CN" altLang="en-US" dirty="0">
-                <a:solidFill>
-                  <a:srgbClr val="FF0000"/>
-                </a:solidFill>
-              </a:rPr>
-              <a:t>需求</a:t>
-            </a:r>
-            <a:r>
-              <a:rPr lang="zh-CN" altLang="en-US" dirty="0"/>
-              <a:t>。</a:t>
-            </a:r>
-            <a:endParaRPr lang="en-US" altLang="zh-CN" dirty="0"/>
-          </a:p>
-          <a:p>
-            <a:endParaRPr lang="en-US" altLang="zh-CN" dirty="0"/>
-          </a:p>
-          <a:p>
-            <a:r>
-              <a:rPr lang="en-US" altLang="zh-CN" dirty="0">
-                <a:solidFill>
-                  <a:srgbClr val="FF0000"/>
-                </a:solidFill>
-              </a:rPr>
-              <a:t>Limitation1. </a:t>
-            </a:r>
-            <a:r>
-              <a:rPr lang="zh-CN" altLang="en-US" dirty="0">
-                <a:solidFill>
-                  <a:srgbClr val="FF0000"/>
-                </a:solidFill>
-              </a:rPr>
-              <a:t>线程调度忽视应用层</a:t>
-            </a:r>
-            <a:r>
-              <a:rPr lang="en-US" altLang="zh-CN" dirty="0">
-                <a:solidFill>
-                  <a:srgbClr val="FF0000"/>
-                </a:solidFill>
-              </a:rPr>
-              <a:t>QoS</a:t>
-            </a:r>
-            <a:r>
-              <a:rPr lang="zh-CN" altLang="en-US" dirty="0">
-                <a:solidFill>
-                  <a:srgbClr val="FF0000"/>
-                </a:solidFill>
-              </a:rPr>
-              <a:t>要求</a:t>
-            </a:r>
-            <a:r>
-              <a:rPr lang="zh-CN" altLang="en-US" dirty="0"/>
-              <a:t>。通常把将线程分配给</a:t>
-            </a:r>
-            <a:r>
-              <a:rPr lang="zh-CN" altLang="en-US" b="1" dirty="0"/>
-              <a:t>功耗最低的</a:t>
-            </a:r>
-            <a:r>
-              <a:rPr lang="en-US" altLang="zh-CN" b="1" dirty="0"/>
-              <a:t>CPU</a:t>
-            </a:r>
-            <a:r>
-              <a:rPr lang="zh-CN" altLang="en-US" b="1" dirty="0"/>
-              <a:t>核心</a:t>
-            </a:r>
-            <a:r>
-              <a:rPr lang="zh-CN" altLang="en-US" dirty="0"/>
-              <a:t>来降低能耗，没有考虑到应用层具体的要求（聊天、视频或游戏）。</a:t>
-            </a:r>
-            <a:endParaRPr lang="en-US" altLang="zh-CN" dirty="0"/>
-          </a:p>
-          <a:p>
-            <a:pPr marL="342900" indent="-342900">
-              <a:buAutoNum type="arabicPeriod"/>
-            </a:pPr>
-            <a:endParaRPr lang="en-US" altLang="zh-CN" dirty="0"/>
-          </a:p>
-          <a:p>
-            <a:r>
-              <a:rPr lang="en-US" altLang="zh-CN" dirty="0">
-                <a:solidFill>
-                  <a:srgbClr val="FF0000"/>
-                </a:solidFill>
-              </a:rPr>
-              <a:t>Limitation2. </a:t>
-            </a:r>
-            <a:r>
-              <a:rPr lang="zh-CN" altLang="en-US" dirty="0">
-                <a:solidFill>
-                  <a:srgbClr val="FF0000"/>
-                </a:solidFill>
-              </a:rPr>
-              <a:t>频率调节和</a:t>
-            </a:r>
-            <a:r>
-              <a:rPr lang="en-US" altLang="zh-CN" dirty="0">
-                <a:solidFill>
-                  <a:srgbClr val="FF0000"/>
-                </a:solidFill>
-              </a:rPr>
-              <a:t>QoS</a:t>
-            </a:r>
-            <a:r>
-              <a:rPr lang="zh-CN" altLang="en-US" dirty="0">
-                <a:solidFill>
-                  <a:srgbClr val="FF0000"/>
-                </a:solidFill>
-              </a:rPr>
-              <a:t>之间不匹配</a:t>
-            </a:r>
-            <a:r>
-              <a:rPr lang="zh-CN" altLang="en-US" dirty="0"/>
-              <a:t>。一些线程可能对帧渲染有贡献，但其</a:t>
-            </a:r>
-            <a:r>
-              <a:rPr lang="en-US" altLang="zh-CN" dirty="0"/>
-              <a:t>CPU</a:t>
-            </a:r>
-            <a:r>
-              <a:rPr lang="zh-CN" altLang="en-US" dirty="0"/>
-              <a:t>利用率较低，而另一些线程可能对</a:t>
-            </a:r>
-            <a:r>
-              <a:rPr lang="en-US" altLang="zh-CN" dirty="0"/>
-              <a:t>QoS</a:t>
-            </a:r>
-            <a:r>
-              <a:rPr lang="zh-CN" altLang="en-US" dirty="0"/>
-              <a:t>没有贡献，但</a:t>
-            </a:r>
-            <a:r>
-              <a:rPr lang="en-US" altLang="zh-CN" dirty="0"/>
-              <a:t>CPU</a:t>
-            </a:r>
-            <a:r>
-              <a:rPr lang="zh-CN" altLang="en-US" dirty="0"/>
-              <a:t>利用率很高。这时，频率调节器可能会错误地设置频率，导致</a:t>
-            </a:r>
-            <a:r>
-              <a:rPr lang="en-US" altLang="zh-CN" dirty="0"/>
-              <a:t>QoS</a:t>
-            </a:r>
-            <a:r>
-              <a:rPr lang="zh-CN" altLang="en-US" dirty="0"/>
-              <a:t>损失和功耗浪费。</a:t>
-            </a:r>
-            <a:endParaRPr lang="en-US" altLang="zh-CN" dirty="0"/>
-          </a:p>
-          <a:p>
-            <a:endParaRPr lang="en-US" altLang="zh-CN" dirty="0"/>
-          </a:p>
-          <a:p>
-            <a:r>
-              <a:rPr lang="en-US" altLang="zh-CN" dirty="0">
-                <a:solidFill>
-                  <a:srgbClr val="FF0000"/>
-                </a:solidFill>
-              </a:rPr>
-              <a:t>Limitation3. </a:t>
-            </a:r>
-            <a:r>
-              <a:rPr lang="zh-CN" altLang="en-US" dirty="0">
-                <a:solidFill>
-                  <a:srgbClr val="FF0000"/>
-                </a:solidFill>
-              </a:rPr>
-              <a:t>没有考虑线程调度和频率调节相互作用问题</a:t>
-            </a:r>
-            <a:r>
-              <a:rPr lang="zh-CN" altLang="en-US" dirty="0"/>
-              <a:t>。当线程调度器和频率调节器没有协同工作时，一个策略的变化可能会影响另一个策略的效果，从而造成功耗浪费和</a:t>
-            </a:r>
-            <a:r>
-              <a:rPr lang="en-US" altLang="zh-CN" dirty="0"/>
-              <a:t>QoS</a:t>
-            </a:r>
-            <a:r>
-              <a:rPr lang="zh-CN" altLang="en-US" dirty="0"/>
-              <a:t>的降低。</a:t>
-            </a:r>
-            <a:endParaRPr lang="en-US" altLang="zh-CN" dirty="0"/>
-          </a:p>
-          <a:p>
-            <a:endParaRPr lang="en-US" altLang="zh-CN" dirty="0"/>
-          </a:p>
-          <a:p>
-            <a:endParaRPr lang="en-US" altLang="zh-CN" dirty="0"/>
-          </a:p>
-          <a:p>
-            <a:endParaRPr lang="en-US" altLang="zh-CN" dirty="0"/>
-          </a:p>
-          <a:p>
-            <a:pPr marL="342900" indent="-342900">
-              <a:buAutoNum type="arabicPeriod"/>
-            </a:pPr>
-            <a:endParaRPr lang="en-US" altLang="zh-CN" dirty="0"/>
-          </a:p>
-          <a:p>
-            <a:pPr marL="342900" indent="-342900">
-              <a:buAutoNum type="arabicPeriod"/>
-            </a:pPr>
-            <a:endParaRPr lang="en-US" altLang="zh-CN" dirty="0"/>
-          </a:p>
-          <a:p>
-            <a:endParaRPr lang="zh-CN" altLang="en-US" dirty="0"/>
-          </a:p>
-        </p:txBody>
-      </p:sp>
-      <p:sp>
-        <p:nvSpPr>
           <p:cNvPr id="7" name="文本框 6">
             <a:extLst>
               <a:ext uri="{FF2B5EF4-FFF2-40B4-BE49-F238E27FC236}">
@@ -23675,6 +23793,291 @@
               </a:rPr>
               <a:t>：</a:t>
             </a:r>
+          </a:p>
+        </p:txBody>
+      </p:sp>
+      <p:sp>
+        <p:nvSpPr>
+          <p:cNvPr id="8" name="文本框 7">
+            <a:extLst>
+              <a:ext uri="{FF2B5EF4-FFF2-40B4-BE49-F238E27FC236}">
+                <a16:creationId xmlns:a16="http://schemas.microsoft.com/office/drawing/2014/main" id="{1073BAAE-A503-47D2-8D0F-B74966FDE273}"/>
+              </a:ext>
+            </a:extLst>
+          </p:cNvPr>
+          <p:cNvSpPr txBox="1"/>
+          <p:nvPr/>
+        </p:nvSpPr>
+        <p:spPr>
+          <a:xfrm>
+            <a:off x="355600" y="1720840"/>
+            <a:ext cx="10236200" cy="4801314"/>
+          </a:xfrm>
+          <a:prstGeom prst="rect">
+            <a:avLst/>
+          </a:prstGeom>
+          <a:noFill/>
+        </p:spPr>
+        <p:txBody>
+          <a:bodyPr wrap="square">
+            <a:spAutoFit/>
+          </a:bodyPr>
+          <a:lstStyle/>
+          <a:p>
+            <a:r>
+              <a:rPr lang="zh-CN" altLang="en-US" dirty="0"/>
+              <a:t>线程调度器和频率调节器主要依赖于</a:t>
+            </a:r>
+            <a:r>
+              <a:rPr lang="en-US" altLang="zh-CN" dirty="0">
+                <a:solidFill>
+                  <a:srgbClr val="FF0000"/>
+                </a:solidFill>
+              </a:rPr>
+              <a:t>CPU</a:t>
+            </a:r>
+            <a:r>
+              <a:rPr lang="zh-CN" altLang="en-US" dirty="0">
+                <a:solidFill>
+                  <a:srgbClr val="FF0000"/>
+                </a:solidFill>
+              </a:rPr>
+              <a:t>的利用率</a:t>
+            </a:r>
+            <a:r>
+              <a:rPr lang="zh-CN" altLang="en-US" dirty="0"/>
+              <a:t>来做决策，但</a:t>
+            </a:r>
+            <a:r>
+              <a:rPr lang="zh-CN" altLang="en-US" dirty="0">
+                <a:solidFill>
+                  <a:srgbClr val="FF0000"/>
+                </a:solidFill>
+              </a:rPr>
+              <a:t>忽略了上层应用的</a:t>
+            </a:r>
+            <a:r>
+              <a:rPr lang="en-US" altLang="zh-CN" dirty="0">
+                <a:solidFill>
+                  <a:srgbClr val="FF0000"/>
+                </a:solidFill>
+              </a:rPr>
+              <a:t>QoS</a:t>
+            </a:r>
+            <a:r>
+              <a:rPr lang="zh-CN" altLang="en-US" dirty="0">
+                <a:solidFill>
+                  <a:srgbClr val="FF0000"/>
+                </a:solidFill>
+              </a:rPr>
+              <a:t>需求</a:t>
+            </a:r>
+            <a:r>
+              <a:rPr lang="zh-CN" altLang="en-US" dirty="0"/>
+              <a:t>。</a:t>
+            </a:r>
+            <a:endParaRPr lang="en-US" altLang="zh-CN" dirty="0"/>
+          </a:p>
+          <a:p>
+            <a:endParaRPr lang="en-US" altLang="zh-CN" dirty="0"/>
+          </a:p>
+          <a:p>
+            <a:r>
+              <a:rPr lang="en-US" altLang="zh-CN" dirty="0"/>
+              <a:t>Limitation1</a:t>
+            </a:r>
+            <a:r>
+              <a:rPr lang="en-US" altLang="zh-CN" dirty="0">
+                <a:solidFill>
+                  <a:srgbClr val="FF0000"/>
+                </a:solidFill>
+              </a:rPr>
+              <a:t>. </a:t>
+            </a:r>
+            <a:r>
+              <a:rPr lang="zh-CN" altLang="en-US" dirty="0">
+                <a:solidFill>
+                  <a:srgbClr val="FF0000"/>
+                </a:solidFill>
+              </a:rPr>
+              <a:t>线程调度</a:t>
+            </a:r>
+            <a:r>
+              <a:rPr lang="zh-CN" altLang="en-US" dirty="0"/>
+              <a:t>忽视应用层</a:t>
+            </a:r>
+            <a:r>
+              <a:rPr lang="en-US" altLang="zh-CN" dirty="0">
+                <a:solidFill>
+                  <a:srgbClr val="FF0000"/>
+                </a:solidFill>
+              </a:rPr>
+              <a:t>QoS</a:t>
+            </a:r>
+            <a:r>
+              <a:rPr lang="zh-CN" altLang="en-US" dirty="0">
+                <a:solidFill>
+                  <a:srgbClr val="FF0000"/>
+                </a:solidFill>
+              </a:rPr>
+              <a:t>要求</a:t>
+            </a:r>
+            <a:r>
+              <a:rPr lang="zh-CN" altLang="en-US" dirty="0"/>
+              <a:t>。通常把将线程分配给</a:t>
+            </a:r>
+            <a:r>
+              <a:rPr lang="zh-CN" altLang="en-US" b="1" dirty="0"/>
+              <a:t>功耗最低的</a:t>
+            </a:r>
+            <a:r>
+              <a:rPr lang="en-US" altLang="zh-CN" b="1" dirty="0"/>
+              <a:t>CPU</a:t>
+            </a:r>
+            <a:r>
+              <a:rPr lang="zh-CN" altLang="en-US" b="1" dirty="0"/>
+              <a:t>核心</a:t>
+            </a:r>
+            <a:r>
+              <a:rPr lang="zh-CN" altLang="en-US" dirty="0"/>
+              <a:t>来降低能耗，没有考虑到应用层具体的要求（聊天、视频或游戏）。</a:t>
+            </a:r>
+            <a:endParaRPr lang="en-US" altLang="zh-CN" dirty="0"/>
+          </a:p>
+          <a:p>
+            <a:pPr marL="342900" indent="-342900">
+              <a:buAutoNum type="arabicPeriod"/>
+            </a:pPr>
+            <a:endParaRPr lang="en-US" altLang="zh-CN" dirty="0"/>
+          </a:p>
+          <a:p>
+            <a:r>
+              <a:rPr lang="en-US" altLang="zh-CN" dirty="0"/>
+              <a:t>Limitation2. </a:t>
+            </a:r>
+            <a:r>
+              <a:rPr lang="zh-CN" altLang="en-US" dirty="0">
+                <a:solidFill>
+                  <a:srgbClr val="FF0000"/>
+                </a:solidFill>
+              </a:rPr>
+              <a:t>频率调节</a:t>
+            </a:r>
+            <a:r>
+              <a:rPr lang="zh-CN" altLang="en-US" dirty="0"/>
+              <a:t>和</a:t>
+            </a:r>
+            <a:r>
+              <a:rPr lang="en-US" altLang="zh-CN" dirty="0">
+                <a:solidFill>
+                  <a:srgbClr val="FF0000"/>
+                </a:solidFill>
+              </a:rPr>
+              <a:t>QoS</a:t>
+            </a:r>
+            <a:r>
+              <a:rPr lang="zh-CN" altLang="en-US" dirty="0"/>
+              <a:t>之间不匹配。一些线程可能对帧渲染有贡献，但其</a:t>
+            </a:r>
+            <a:r>
+              <a:rPr lang="en-US" altLang="zh-CN" dirty="0"/>
+              <a:t>CPU</a:t>
+            </a:r>
+            <a:r>
+              <a:rPr lang="zh-CN" altLang="en-US" dirty="0"/>
+              <a:t>利用率较低，而另一些线程可能对</a:t>
+            </a:r>
+            <a:r>
+              <a:rPr lang="en-US" altLang="zh-CN" dirty="0"/>
+              <a:t>QoS</a:t>
+            </a:r>
+            <a:r>
+              <a:rPr lang="zh-CN" altLang="en-US" dirty="0"/>
+              <a:t>没有贡献，但</a:t>
+            </a:r>
+            <a:r>
+              <a:rPr lang="en-US" altLang="zh-CN" dirty="0"/>
+              <a:t>CPU</a:t>
+            </a:r>
+            <a:r>
+              <a:rPr lang="zh-CN" altLang="en-US" dirty="0"/>
+              <a:t>利用率很高。这时，频率调节器可能会错误地设置频率，导致</a:t>
+            </a:r>
+            <a:r>
+              <a:rPr lang="en-US" altLang="zh-CN" dirty="0"/>
+              <a:t>QoS</a:t>
+            </a:r>
+            <a:r>
+              <a:rPr lang="zh-CN" altLang="en-US" dirty="0"/>
+              <a:t>损失和功耗浪费。</a:t>
+            </a:r>
+            <a:endParaRPr lang="en-US" altLang="zh-CN" dirty="0"/>
+          </a:p>
+          <a:p>
+            <a:endParaRPr lang="en-US" altLang="zh-CN" dirty="0"/>
+          </a:p>
+          <a:p>
+            <a:r>
+              <a:rPr lang="en-US" altLang="zh-CN" dirty="0"/>
+              <a:t>Limitation3.</a:t>
+            </a:r>
+            <a:r>
+              <a:rPr lang="en-US" altLang="zh-CN" dirty="0">
+                <a:solidFill>
+                  <a:srgbClr val="FF0000"/>
+                </a:solidFill>
+              </a:rPr>
+              <a:t> </a:t>
+            </a:r>
+            <a:r>
+              <a:rPr lang="zh-CN" altLang="en-US" dirty="0"/>
+              <a:t>没有考虑</a:t>
+            </a:r>
+            <a:r>
+              <a:rPr lang="zh-CN" altLang="en-US" dirty="0">
+                <a:solidFill>
+                  <a:srgbClr val="FF0000"/>
+                </a:solidFill>
+              </a:rPr>
+              <a:t>线程调度和频率调节相互作用问题</a:t>
+            </a:r>
+            <a:r>
+              <a:rPr lang="zh-CN" altLang="en-US" dirty="0"/>
+              <a:t>。当线程调度器和频率调节器没有协同工作时，一个策略的变化可能会影响另一个策略的效果，从而造成功耗浪费和</a:t>
+            </a:r>
+            <a:r>
+              <a:rPr lang="en-US" altLang="zh-CN" dirty="0"/>
+              <a:t>QoS</a:t>
+            </a:r>
+            <a:r>
+              <a:rPr lang="zh-CN" altLang="en-US" dirty="0"/>
+              <a:t>的降低。</a:t>
+            </a:r>
+            <a:endParaRPr lang="en-US" altLang="zh-CN" dirty="0"/>
+          </a:p>
+          <a:p>
+            <a:endParaRPr lang="en-US" altLang="zh-CN" dirty="0"/>
+          </a:p>
+          <a:p>
+            <a:endParaRPr lang="en-US" altLang="zh-CN" dirty="0"/>
+          </a:p>
+          <a:p>
+            <a:endParaRPr lang="en-US" altLang="zh-CN" dirty="0"/>
+          </a:p>
+          <a:p>
+            <a:pPr marL="342900" indent="-342900">
+              <a:buAutoNum type="arabicPeriod"/>
+            </a:pPr>
+            <a:endParaRPr lang="en-US" altLang="zh-CN" dirty="0"/>
+          </a:p>
+          <a:p>
+            <a:pPr marL="342900" indent="-342900">
+              <a:buAutoNum type="arabicPeriod"/>
+            </a:pPr>
+            <a:endParaRPr lang="en-US" altLang="zh-CN" dirty="0"/>
+          </a:p>
+          <a:p>
+            <a:endParaRPr lang="zh-CN" altLang="en-US" dirty="0"/>
           </a:p>
         </p:txBody>
       </p:sp>
